--- a/Superstore-Analysis-Presentation.pptx
+++ b/Superstore-Analysis-Presentation.pptx
@@ -159,7 +159,7 @@
       </p15:sldGuideLst>
     </p:ext>
     <p:ext uri="GoogleSlidesCustomDataVersion2">
-      <go:slidesCustomData xmlns="" xmlns:mc="http://schemas.openxmlformats.org/markup-compatibility/2006" xmlns:mv="urn:schemas-microsoft-com:mac:vml" xmlns:c="http://schemas.openxmlformats.org/drawingml/2006/chart" xmlns:dgm="http://schemas.openxmlformats.org/drawingml/2006/diagram" xmlns:o="urn:schemas-microsoft-com:office:office" xmlns:v="urn:schemas-microsoft-com:vml" xmlns:pvml="urn:schemas-microsoft-com:office:powerpoint" xmlns:com="http://schemas.openxmlformats.org/drawingml/2006/compatibility" xmlns:p14="http://schemas.microsoft.com/office/powerpoint/2010/main" xmlns:p15="http://schemas.microsoft.com/office/powerpoint/2012/main" xmlns:ahyp="http://schemas.microsoft.com/office/drawing/2018/hyperlinkcolor" xmlns:go="http://customooxmlschemas.google.com/" r:id="rId28" roundtripDataSignature="AMtx7mjbiXw5Pat6rGQC/9GDleSlXJ2MEA=="/>
+      <go:slidesCustomData xmlns:go="http://customooxmlschemas.google.com/" xmlns:ahyp="http://schemas.microsoft.com/office/drawing/2018/hyperlinkcolor" xmlns:p15="http://schemas.microsoft.com/office/powerpoint/2012/main" xmlns:p14="http://schemas.microsoft.com/office/powerpoint/2010/main" xmlns:com="http://schemas.openxmlformats.org/drawingml/2006/compatibility" xmlns:pvml="urn:schemas-microsoft-com:office:powerpoint" xmlns:v="urn:schemas-microsoft-com:vml" xmlns:o="urn:schemas-microsoft-com:office:office" xmlns:dgm="http://schemas.openxmlformats.org/drawingml/2006/diagram" xmlns:c="http://schemas.openxmlformats.org/drawingml/2006/chart" xmlns:mv="urn:schemas-microsoft-com:mac:vml" xmlns:mc="http://schemas.openxmlformats.org/markup-compatibility/2006" xmlns="" r:id="rId28" roundtripDataSignature="AMtx7mjbiXw5Pat6rGQC/9GDleSlXJ2MEA=="/>
     </p:ext>
   </p:extLst>
 </p:presentation>
@@ -20162,7 +20162,7 @@
                 <a:latin typeface="Arial" panose="020B0604020202020204" pitchFamily="34" charset="0"/>
                 <a:cs typeface="Arial" panose="020B0604020202020204" pitchFamily="34" charset="0"/>
               </a:rPr>
-              <a:t>This project involves analyzing orders data from a US retail store to evaluate and enhance its sales performance </a:t>
+              <a:t>This project involves analyzing orders data from a US Superstore to evaluate and enhance its sales performance </a:t>
             </a:r>
             <a:r>
               <a:rPr lang="en-IN" sz="1600" dirty="0">

--- a/Superstore-Analysis-Presentation.pptx
+++ b/Superstore-Analysis-Presentation.pptx
@@ -28,24 +28,20 @@
   <p:notesSz cx="12649200" cy="7315200"/>
   <p:embeddedFontLst>
     <p:embeddedFont>
-      <p:font typeface="Algerian" panose="04020705040A02060702" pitchFamily="82" charset="0"/>
-      <p:regular r:id="rId18"/>
-    </p:embeddedFont>
-    <p:embeddedFont>
       <p:font typeface="Amasis MT Pro Black" panose="02040A04050005020304" pitchFamily="18" charset="0"/>
-      <p:bold r:id="rId19"/>
-      <p:boldItalic r:id="rId20"/>
+      <p:bold r:id="rId18"/>
+      <p:boldItalic r:id="rId19"/>
     </p:embeddedFont>
     <p:embeddedFont>
       <p:font typeface="Arial Black" panose="020B0A04020102020204" pitchFamily="34" charset="0"/>
-      <p:bold r:id="rId21"/>
+      <p:bold r:id="rId20"/>
     </p:embeddedFont>
     <p:embeddedFont>
       <p:font typeface="Carlito" panose="020B0604020202020204" charset="0"/>
-      <p:regular r:id="rId22"/>
-      <p:bold r:id="rId23"/>
-      <p:italic r:id="rId24"/>
-      <p:boldItalic r:id="rId25"/>
+      <p:regular r:id="rId21"/>
+      <p:bold r:id="rId22"/>
+      <p:italic r:id="rId23"/>
+      <p:boldItalic r:id="rId24"/>
     </p:embeddedFont>
   </p:embeddedFontLst>
   <p:defaultTextStyle>
@@ -159,7 +155,7 @@
       </p15:sldGuideLst>
     </p:ext>
     <p:ext uri="GoogleSlidesCustomDataVersion2">
-      <go:slidesCustomData xmlns:go="http://customooxmlschemas.google.com/" xmlns:ahyp="http://schemas.microsoft.com/office/drawing/2018/hyperlinkcolor" xmlns:p15="http://schemas.microsoft.com/office/powerpoint/2012/main" xmlns:p14="http://schemas.microsoft.com/office/powerpoint/2010/main" xmlns:com="http://schemas.openxmlformats.org/drawingml/2006/compatibility" xmlns:pvml="urn:schemas-microsoft-com:office:powerpoint" xmlns:v="urn:schemas-microsoft-com:vml" xmlns:o="urn:schemas-microsoft-com:office:office" xmlns:dgm="http://schemas.openxmlformats.org/drawingml/2006/diagram" xmlns:c="http://schemas.openxmlformats.org/drawingml/2006/chart" xmlns:mv="urn:schemas-microsoft-com:mac:vml" xmlns:mc="http://schemas.openxmlformats.org/markup-compatibility/2006" xmlns="" r:id="rId28" roundtripDataSignature="AMtx7mjbiXw5Pat6rGQC/9GDleSlXJ2MEA=="/>
+      <go:slidesCustomData xmlns="" xmlns:mc="http://schemas.openxmlformats.org/markup-compatibility/2006" xmlns:mv="urn:schemas-microsoft-com:mac:vml" xmlns:c="http://schemas.openxmlformats.org/drawingml/2006/chart" xmlns:dgm="http://schemas.openxmlformats.org/drawingml/2006/diagram" xmlns:o="urn:schemas-microsoft-com:office:office" xmlns:v="urn:schemas-microsoft-com:vml" xmlns:pvml="urn:schemas-microsoft-com:office:powerpoint" xmlns:com="http://schemas.openxmlformats.org/drawingml/2006/compatibility" xmlns:p14="http://schemas.microsoft.com/office/powerpoint/2010/main" xmlns:p15="http://schemas.microsoft.com/office/powerpoint/2012/main" xmlns:ahyp="http://schemas.microsoft.com/office/drawing/2018/hyperlinkcolor" xmlns:go="http://customooxmlschemas.google.com/" r:id="rId28" roundtripDataSignature="AMtx7mjbiXw5Pat6rGQC/9GDleSlXJ2MEA=="/>
     </p:ext>
   </p:extLst>
 </p:presentation>
@@ -916,7 +912,7 @@
 <dgm:dataModel xmlns:dgm="http://schemas.openxmlformats.org/drawingml/2006/diagram" xmlns:a="http://schemas.openxmlformats.org/drawingml/2006/main">
   <dgm:ptLst>
     <dgm:pt modelId="{4CC68699-30E5-4B18-8B49-530F5303B6FE}" type="doc">
-      <dgm:prSet loTypeId="urn:microsoft.com/office/officeart/2005/8/layout/vProcess5" loCatId="process" qsTypeId="urn:microsoft.com/office/officeart/2005/8/quickstyle/simple1" qsCatId="simple" csTypeId="urn:microsoft.com/office/officeart/2005/8/colors/accent1_2" csCatId="accent1"/>
+      <dgm:prSet loTypeId="urn:microsoft.com/office/officeart/2005/8/layout/vProcess5" loCatId="process" qsTypeId="urn:microsoft.com/office/officeart/2005/8/quickstyle/simple1" qsCatId="simple" csTypeId="urn:microsoft.com/office/officeart/2005/8/colors/accent1_2" csCatId="accent1" phldr="1"/>
       <dgm:spPr/>
       <dgm:t>
         <a:bodyPr/>
@@ -928,16 +924,34 @@
     </dgm:pt>
     <dgm:pt modelId="{72E845EF-5C99-4133-8F41-58EE12822310}">
       <dgm:prSet/>
-      <dgm:spPr/>
+      <dgm:spPr>
+        <a:solidFill>
+          <a:schemeClr val="bg1"/>
+        </a:solidFill>
+      </dgm:spPr>
       <dgm:t>
         <a:bodyPr/>
         <a:lstStyle/>
         <a:p>
           <a:r>
-            <a:rPr lang="en-US" b="1" dirty="0"/>
+            <a:rPr lang="en-US" b="1" dirty="0">
+              <a:solidFill>
+                <a:schemeClr val="tx1">
+                  <a:lumMod val="65000"/>
+                  <a:lumOff val="35000"/>
+                </a:schemeClr>
+              </a:solidFill>
+            </a:rPr>
             <a:t>KPI Performance:</a:t>
           </a:r>
-          <a:endParaRPr lang="en-US" dirty="0"/>
+          <a:endParaRPr lang="en-US" dirty="0">
+            <a:solidFill>
+              <a:schemeClr val="tx1">
+                <a:lumMod val="65000"/>
+                <a:lumOff val="35000"/>
+              </a:schemeClr>
+            </a:solidFill>
+          </a:endParaRPr>
         </a:p>
       </dgm:t>
     </dgm:pt>
@@ -954,7 +968,20 @@
     </dgm:pt>
     <dgm:pt modelId="{B91E5424-6DA0-4F76-9618-BFCCBADBAD7E}" type="sibTrans" cxnId="{3D7B252F-AAFD-492E-9BFB-4B92B25344E3}">
       <dgm:prSet/>
-      <dgm:spPr/>
+      <dgm:spPr>
+        <a:solidFill>
+          <a:srgbClr val="FFC000">
+            <a:alpha val="90000"/>
+          </a:srgbClr>
+        </a:solidFill>
+        <a:ln>
+          <a:solidFill>
+            <a:srgbClr val="FFC000">
+              <a:alpha val="90000"/>
+            </a:srgbClr>
+          </a:solidFill>
+        </a:ln>
+      </dgm:spPr>
       <dgm:t>
         <a:bodyPr/>
         <a:lstStyle/>
@@ -965,17 +992,35 @@
     </dgm:pt>
     <dgm:pt modelId="{E87B2B80-3B9B-40AC-87C7-CD3BC26BC168}">
       <dgm:prSet/>
-      <dgm:spPr/>
+      <dgm:spPr>
+        <a:solidFill>
+          <a:schemeClr val="bg1"/>
+        </a:solidFill>
+      </dgm:spPr>
       <dgm:t>
         <a:bodyPr/>
         <a:lstStyle/>
         <a:p>
           <a:r>
-            <a:rPr lang="en-US" b="1"/>
+            <a:rPr lang="en-US" b="1" dirty="0">
+              <a:solidFill>
+                <a:schemeClr val="tx1">
+                  <a:lumMod val="65000"/>
+                  <a:lumOff val="35000"/>
+                </a:schemeClr>
+              </a:solidFill>
+            </a:rPr>
             <a:t>Total Sales:</a:t>
           </a:r>
           <a:r>
-            <a:rPr lang="en-US"/>
+            <a:rPr lang="en-US" dirty="0">
+              <a:solidFill>
+                <a:schemeClr val="tx1">
+                  <a:lumMod val="65000"/>
+                  <a:lumOff val="35000"/>
+                </a:schemeClr>
+              </a:solidFill>
+            </a:rPr>
             <a:t> $2,297,000</a:t>
           </a:r>
         </a:p>
@@ -994,7 +1039,20 @@
     </dgm:pt>
     <dgm:pt modelId="{84D4BF32-276A-4E8D-931A-BA1554A94240}" type="sibTrans" cxnId="{BEEB9618-8998-444A-813F-F8CE042A1893}">
       <dgm:prSet/>
-      <dgm:spPr/>
+      <dgm:spPr>
+        <a:solidFill>
+          <a:srgbClr val="FFC000">
+            <a:alpha val="90000"/>
+          </a:srgbClr>
+        </a:solidFill>
+        <a:ln>
+          <a:solidFill>
+            <a:srgbClr val="FFC000">
+              <a:alpha val="90000"/>
+            </a:srgbClr>
+          </a:solidFill>
+        </a:ln>
+      </dgm:spPr>
       <dgm:t>
         <a:bodyPr/>
         <a:lstStyle/>
@@ -1005,17 +1063,35 @@
     </dgm:pt>
     <dgm:pt modelId="{8DEC9BD2-549A-4306-A7A5-29F14509A992}">
       <dgm:prSet/>
-      <dgm:spPr/>
+      <dgm:spPr>
+        <a:solidFill>
+          <a:schemeClr val="bg1"/>
+        </a:solidFill>
+      </dgm:spPr>
       <dgm:t>
         <a:bodyPr/>
         <a:lstStyle/>
         <a:p>
           <a:r>
-            <a:rPr lang="en-US" b="1"/>
+            <a:rPr lang="en-US" b="1" dirty="0">
+              <a:solidFill>
+                <a:schemeClr val="tx1">
+                  <a:lumMod val="65000"/>
+                  <a:lumOff val="35000"/>
+                </a:schemeClr>
+              </a:solidFill>
+            </a:rPr>
             <a:t>Total Profit:</a:t>
           </a:r>
           <a:r>
-            <a:rPr lang="en-US"/>
+            <a:rPr lang="en-US" dirty="0">
+              <a:solidFill>
+                <a:schemeClr val="tx1">
+                  <a:lumMod val="65000"/>
+                  <a:lumOff val="35000"/>
+                </a:schemeClr>
+              </a:solidFill>
+            </a:rPr>
             <a:t> $286,000</a:t>
           </a:r>
         </a:p>
@@ -1034,7 +1110,20 @@
     </dgm:pt>
     <dgm:pt modelId="{3D7DAB25-BA0D-466B-9CEB-F7A8E965BE19}" type="sibTrans" cxnId="{F4F517C9-2F41-41E8-99BB-2E2EEB321B3C}">
       <dgm:prSet/>
-      <dgm:spPr/>
+      <dgm:spPr>
+        <a:solidFill>
+          <a:srgbClr val="FFC000">
+            <a:alpha val="90000"/>
+          </a:srgbClr>
+        </a:solidFill>
+        <a:ln>
+          <a:solidFill>
+            <a:srgbClr val="FFC000">
+              <a:alpha val="90000"/>
+            </a:srgbClr>
+          </a:solidFill>
+        </a:ln>
+      </dgm:spPr>
       <dgm:t>
         <a:bodyPr/>
         <a:lstStyle/>
@@ -1045,17 +1134,35 @@
     </dgm:pt>
     <dgm:pt modelId="{34D6762E-F8BE-46F5-819F-4B70E9363987}">
       <dgm:prSet/>
-      <dgm:spPr/>
+      <dgm:spPr>
+        <a:solidFill>
+          <a:schemeClr val="bg1"/>
+        </a:solidFill>
+      </dgm:spPr>
       <dgm:t>
         <a:bodyPr/>
         <a:lstStyle/>
         <a:p>
           <a:r>
-            <a:rPr lang="en-US" b="1"/>
+            <a:rPr lang="en-US" b="1" dirty="0">
+              <a:solidFill>
+                <a:schemeClr val="tx1">
+                  <a:lumMod val="65000"/>
+                  <a:lumOff val="35000"/>
+                </a:schemeClr>
+              </a:solidFill>
+            </a:rPr>
             <a:t>Retention Rate:</a:t>
           </a:r>
           <a:r>
-            <a:rPr lang="en-US"/>
+            <a:rPr lang="en-US" dirty="0">
+              <a:solidFill>
+                <a:schemeClr val="tx1">
+                  <a:lumMod val="65000"/>
+                  <a:lumOff val="35000"/>
+                </a:schemeClr>
+              </a:solidFill>
+            </a:rPr>
             <a:t> 99%</a:t>
           </a:r>
         </a:p>
@@ -1252,12 +1359,7 @@
           </a:avLst>
         </a:prstGeom>
         <a:solidFill>
-          <a:schemeClr val="accent1">
-            <a:hueOff val="0"/>
-            <a:satOff val="0"/>
-            <a:lumOff val="0"/>
-            <a:alphaOff val="0"/>
-          </a:schemeClr>
+          <a:schemeClr val="bg1"/>
         </a:solidFill>
         <a:ln w="19050" cap="flat" cmpd="sng" algn="ctr">
           <a:solidFill>
@@ -1306,10 +1408,24 @@
             <a:buNone/>
           </a:pPr>
           <a:r>
-            <a:rPr lang="en-US" sz="3000" b="1" kern="1200" dirty="0"/>
+            <a:rPr lang="en-US" sz="3000" b="1" kern="1200" dirty="0">
+              <a:solidFill>
+                <a:schemeClr val="tx1">
+                  <a:lumMod val="65000"/>
+                  <a:lumOff val="35000"/>
+                </a:schemeClr>
+              </a:solidFill>
+            </a:rPr>
             <a:t>KPI Performance:</a:t>
           </a:r>
-          <a:endParaRPr lang="en-US" sz="3000" kern="1200" dirty="0"/>
+          <a:endParaRPr lang="en-US" sz="3000" kern="1200" dirty="0">
+            <a:solidFill>
+              <a:schemeClr val="tx1">
+                <a:lumMod val="65000"/>
+                <a:lumOff val="35000"/>
+              </a:schemeClr>
+            </a:solidFill>
+          </a:endParaRPr>
         </a:p>
       </dsp:txBody>
       <dsp:txXfrm>
@@ -1333,12 +1449,7 @@
           </a:avLst>
         </a:prstGeom>
         <a:solidFill>
-          <a:schemeClr val="accent1">
-            <a:hueOff val="0"/>
-            <a:satOff val="0"/>
-            <a:lumOff val="0"/>
-            <a:alphaOff val="0"/>
-          </a:schemeClr>
+          <a:schemeClr val="bg1"/>
         </a:solidFill>
         <a:ln w="19050" cap="flat" cmpd="sng" algn="ctr">
           <a:solidFill>
@@ -1387,11 +1498,25 @@
             <a:buNone/>
           </a:pPr>
           <a:r>
-            <a:rPr lang="en-US" sz="3000" b="1" kern="1200"/>
+            <a:rPr lang="en-US" sz="3000" b="1" kern="1200" dirty="0">
+              <a:solidFill>
+                <a:schemeClr val="tx1">
+                  <a:lumMod val="65000"/>
+                  <a:lumOff val="35000"/>
+                </a:schemeClr>
+              </a:solidFill>
+            </a:rPr>
             <a:t>Total Sales:</a:t>
           </a:r>
           <a:r>
-            <a:rPr lang="en-US" sz="3000" kern="1200"/>
+            <a:rPr lang="en-US" sz="3000" kern="1200" dirty="0">
+              <a:solidFill>
+                <a:schemeClr val="tx1">
+                  <a:lumMod val="65000"/>
+                  <a:lumOff val="35000"/>
+                </a:schemeClr>
+              </a:solidFill>
+            </a:rPr>
             <a:t> $2,297,000</a:t>
           </a:r>
         </a:p>
@@ -1417,12 +1542,7 @@
           </a:avLst>
         </a:prstGeom>
         <a:solidFill>
-          <a:schemeClr val="accent1">
-            <a:hueOff val="0"/>
-            <a:satOff val="0"/>
-            <a:lumOff val="0"/>
-            <a:alphaOff val="0"/>
-          </a:schemeClr>
+          <a:schemeClr val="bg1"/>
         </a:solidFill>
         <a:ln w="19050" cap="flat" cmpd="sng" algn="ctr">
           <a:solidFill>
@@ -1471,11 +1591,25 @@
             <a:buNone/>
           </a:pPr>
           <a:r>
-            <a:rPr lang="en-US" sz="3000" b="1" kern="1200"/>
+            <a:rPr lang="en-US" sz="3000" b="1" kern="1200" dirty="0">
+              <a:solidFill>
+                <a:schemeClr val="tx1">
+                  <a:lumMod val="65000"/>
+                  <a:lumOff val="35000"/>
+                </a:schemeClr>
+              </a:solidFill>
+            </a:rPr>
             <a:t>Total Profit:</a:t>
           </a:r>
           <a:r>
-            <a:rPr lang="en-US" sz="3000" kern="1200"/>
+            <a:rPr lang="en-US" sz="3000" kern="1200" dirty="0">
+              <a:solidFill>
+                <a:schemeClr val="tx1">
+                  <a:lumMod val="65000"/>
+                  <a:lumOff val="35000"/>
+                </a:schemeClr>
+              </a:solidFill>
+            </a:rPr>
             <a:t> $286,000</a:t>
           </a:r>
         </a:p>
@@ -1501,12 +1635,7 @@
           </a:avLst>
         </a:prstGeom>
         <a:solidFill>
-          <a:schemeClr val="accent1">
-            <a:hueOff val="0"/>
-            <a:satOff val="0"/>
-            <a:lumOff val="0"/>
-            <a:alphaOff val="0"/>
-          </a:schemeClr>
+          <a:schemeClr val="bg1"/>
         </a:solidFill>
         <a:ln w="19050" cap="flat" cmpd="sng" algn="ctr">
           <a:solidFill>
@@ -1555,11 +1684,25 @@
             <a:buNone/>
           </a:pPr>
           <a:r>
-            <a:rPr lang="en-US" sz="3000" b="1" kern="1200"/>
+            <a:rPr lang="en-US" sz="3000" b="1" kern="1200" dirty="0">
+              <a:solidFill>
+                <a:schemeClr val="tx1">
+                  <a:lumMod val="65000"/>
+                  <a:lumOff val="35000"/>
+                </a:schemeClr>
+              </a:solidFill>
+            </a:rPr>
             <a:t>Retention Rate:</a:t>
           </a:r>
           <a:r>
-            <a:rPr lang="en-US" sz="3000" kern="1200"/>
+            <a:rPr lang="en-US" sz="3000" kern="1200" dirty="0">
+              <a:solidFill>
+                <a:schemeClr val="tx1">
+                  <a:lumMod val="65000"/>
+                  <a:lumOff val="35000"/>
+                </a:schemeClr>
+              </a:solidFill>
+            </a:rPr>
             <a:t> 99%</a:t>
           </a:r>
         </a:p>
@@ -1586,25 +1729,15 @@
           </a:avLst>
         </a:prstGeom>
         <a:solidFill>
-          <a:schemeClr val="accent1">
+          <a:srgbClr val="FFC000">
             <a:alpha val="90000"/>
-            <a:tint val="40000"/>
-            <a:hueOff val="0"/>
-            <a:satOff val="0"/>
-            <a:lumOff val="0"/>
-            <a:alphaOff val="0"/>
-          </a:schemeClr>
+          </a:srgbClr>
         </a:solidFill>
         <a:ln w="19050" cap="flat" cmpd="sng" algn="ctr">
           <a:solidFill>
-            <a:schemeClr val="accent1">
+            <a:srgbClr val="FFC000">
               <a:alpha val="90000"/>
-              <a:tint val="40000"/>
-              <a:hueOff val="0"/>
-              <a:satOff val="0"/>
-              <a:lumOff val="0"/>
-              <a:alphaOff val="0"/>
-            </a:schemeClr>
+            </a:srgbClr>
           </a:solidFill>
           <a:prstDash val="solid"/>
           <a:miter lim="800000"/>
@@ -1666,25 +1799,15 @@
           </a:avLst>
         </a:prstGeom>
         <a:solidFill>
-          <a:schemeClr val="accent1">
+          <a:srgbClr val="FFC000">
             <a:alpha val="90000"/>
-            <a:tint val="40000"/>
-            <a:hueOff val="0"/>
-            <a:satOff val="0"/>
-            <a:lumOff val="0"/>
-            <a:alphaOff val="0"/>
-          </a:schemeClr>
+          </a:srgbClr>
         </a:solidFill>
         <a:ln w="19050" cap="flat" cmpd="sng" algn="ctr">
           <a:solidFill>
-            <a:schemeClr val="accent1">
+            <a:srgbClr val="FFC000">
               <a:alpha val="90000"/>
-              <a:tint val="40000"/>
-              <a:hueOff val="0"/>
-              <a:satOff val="0"/>
-              <a:lumOff val="0"/>
-              <a:alphaOff val="0"/>
-            </a:schemeClr>
+            </a:srgbClr>
           </a:solidFill>
           <a:prstDash val="solid"/>
           <a:miter lim="800000"/>
@@ -1746,25 +1869,15 @@
           </a:avLst>
         </a:prstGeom>
         <a:solidFill>
-          <a:schemeClr val="accent1">
+          <a:srgbClr val="FFC000">
             <a:alpha val="90000"/>
-            <a:tint val="40000"/>
-            <a:hueOff val="0"/>
-            <a:satOff val="0"/>
-            <a:lumOff val="0"/>
-            <a:alphaOff val="0"/>
-          </a:schemeClr>
+          </a:srgbClr>
         </a:solidFill>
         <a:ln w="19050" cap="flat" cmpd="sng" algn="ctr">
           <a:solidFill>
-            <a:schemeClr val="accent1">
+            <a:srgbClr val="FFC000">
               <a:alpha val="90000"/>
-              <a:tint val="40000"/>
-              <a:hueOff val="0"/>
-              <a:satOff val="0"/>
-              <a:lumOff val="0"/>
-              <a:alphaOff val="0"/>
-            </a:schemeClr>
+            </a:srgbClr>
           </a:solidFill>
           <a:prstDash val="solid"/>
           <a:miter lim="800000"/>
@@ -6363,7 +6476,7 @@
 </file>
 
 <file path=ppt/slideLayouts/slideLayout1.xml><?xml version="1.0" encoding="utf-8"?>
-<p:sldLayout xmlns:a="http://schemas.openxmlformats.org/drawingml/2006/main" xmlns:r="http://schemas.openxmlformats.org/officeDocument/2006/relationships" xmlns:p="http://schemas.openxmlformats.org/presentationml/2006/main" type="title" preserve="1">
+<p:sldLayout xmlns:a="http://schemas.openxmlformats.org/drawingml/2006/main" xmlns:r="http://schemas.openxmlformats.org/officeDocument/2006/relationships" xmlns:p="http://schemas.openxmlformats.org/presentationml/2006/main" showMasterSp="0" type="title" preserve="1">
   <p:cSld name="Title Slide">
     <p:spTree>
       <p:nvGrpSpPr>
@@ -6590,7 +6703,7 @@
 </file>
 
 <file path=ppt/slideLayouts/slideLayout10.xml><?xml version="1.0" encoding="utf-8"?>
-<p:sldLayout xmlns:a="http://schemas.openxmlformats.org/drawingml/2006/main" xmlns:r="http://schemas.openxmlformats.org/officeDocument/2006/relationships" xmlns:p="http://schemas.openxmlformats.org/presentationml/2006/main" type="vertTx" preserve="1">
+<p:sldLayout xmlns:a="http://schemas.openxmlformats.org/drawingml/2006/main" xmlns:r="http://schemas.openxmlformats.org/officeDocument/2006/relationships" xmlns:p="http://schemas.openxmlformats.org/presentationml/2006/main" showMasterSp="0" type="vertTx" preserve="1">
   <p:cSld name="Title and Vertical Text">
     <p:spTree>
       <p:nvGrpSpPr>
@@ -6796,7 +6909,7 @@
 </file>
 
 <file path=ppt/slideLayouts/slideLayout11.xml><?xml version="1.0" encoding="utf-8"?>
-<p:sldLayout xmlns:a="http://schemas.openxmlformats.org/drawingml/2006/main" xmlns:r="http://schemas.openxmlformats.org/officeDocument/2006/relationships" xmlns:p="http://schemas.openxmlformats.org/presentationml/2006/main" type="vertTitleAndTx" preserve="1">
+<p:sldLayout xmlns:a="http://schemas.openxmlformats.org/drawingml/2006/main" xmlns:r="http://schemas.openxmlformats.org/officeDocument/2006/relationships" xmlns:p="http://schemas.openxmlformats.org/presentationml/2006/main" showMasterSp="0" type="vertTitleAndTx" preserve="1">
   <p:cSld name="Vertical Title and Text">
     <p:spTree>
       <p:nvGrpSpPr>
@@ -7014,14 +7127,6 @@
 <file path=ppt/slideLayouts/slideLayout12.xml><?xml version="1.0" encoding="utf-8"?>
 <p:sldLayout xmlns:a="http://schemas.openxmlformats.org/drawingml/2006/main" xmlns:r="http://schemas.openxmlformats.org/officeDocument/2006/relationships" xmlns:p="http://schemas.openxmlformats.org/presentationml/2006/main" showMasterSp="0" matchingName="Two Content">
   <p:cSld name="1_Two Content">
-    <p:bg>
-      <p:bgPr>
-        <a:solidFill>
-          <a:schemeClr val="lt1"/>
-        </a:solidFill>
-        <a:effectLst/>
-      </p:bgPr>
-    </p:bg>
     <p:spTree>
       <p:nvGrpSpPr>
         <p:cNvPr id="1" name="Shape 17"/>
@@ -8149,14 +8254,6 @@
 <file path=ppt/slideLayouts/slideLayout13.xml><?xml version="1.0" encoding="utf-8"?>
 <p:sldLayout xmlns:a="http://schemas.openxmlformats.org/drawingml/2006/main" xmlns:r="http://schemas.openxmlformats.org/officeDocument/2006/relationships" xmlns:p="http://schemas.openxmlformats.org/presentationml/2006/main" showMasterSp="0" matchingName="Title Only">
   <p:cSld name="1_Title Only">
-    <p:bg>
-      <p:bgPr>
-        <a:solidFill>
-          <a:schemeClr val="lt1"/>
-        </a:solidFill>
-        <a:effectLst/>
-      </p:bgPr>
-    </p:bg>
     <p:spTree>
       <p:nvGrpSpPr>
         <p:cNvPr id="1" name="Shape 25"/>
@@ -8962,7 +9059,7 @@
 </file>
 
 <file path=ppt/slideLayouts/slideLayout2.xml><?xml version="1.0" encoding="utf-8"?>
-<p:sldLayout xmlns:a="http://schemas.openxmlformats.org/drawingml/2006/main" xmlns:r="http://schemas.openxmlformats.org/officeDocument/2006/relationships" xmlns:p="http://schemas.openxmlformats.org/presentationml/2006/main" type="obj" preserve="1">
+<p:sldLayout xmlns:a="http://schemas.openxmlformats.org/drawingml/2006/main" xmlns:r="http://schemas.openxmlformats.org/officeDocument/2006/relationships" xmlns:p="http://schemas.openxmlformats.org/presentationml/2006/main" showMasterSp="0" type="obj" preserve="1">
   <p:cSld name="Title and Content">
     <p:spTree>
       <p:nvGrpSpPr>
@@ -9167,7 +9264,7 @@
 </file>
 
 <file path=ppt/slideLayouts/slideLayout3.xml><?xml version="1.0" encoding="utf-8"?>
-<p:sldLayout xmlns:a="http://schemas.openxmlformats.org/drawingml/2006/main" xmlns:r="http://schemas.openxmlformats.org/officeDocument/2006/relationships" xmlns:p="http://schemas.openxmlformats.org/presentationml/2006/main" type="secHead" preserve="1">
+<p:sldLayout xmlns:a="http://schemas.openxmlformats.org/drawingml/2006/main" xmlns:r="http://schemas.openxmlformats.org/officeDocument/2006/relationships" xmlns:p="http://schemas.openxmlformats.org/presentationml/2006/main" showMasterSp="0" type="secHead" preserve="1">
   <p:cSld name="Section Header">
     <p:spTree>
       <p:nvGrpSpPr>
@@ -9449,7 +9546,7 @@
 </file>
 
 <file path=ppt/slideLayouts/slideLayout4.xml><?xml version="1.0" encoding="utf-8"?>
-<p:sldLayout xmlns:a="http://schemas.openxmlformats.org/drawingml/2006/main" xmlns:r="http://schemas.openxmlformats.org/officeDocument/2006/relationships" xmlns:p="http://schemas.openxmlformats.org/presentationml/2006/main" type="twoObj" preserve="1">
+<p:sldLayout xmlns:a="http://schemas.openxmlformats.org/drawingml/2006/main" xmlns:r="http://schemas.openxmlformats.org/officeDocument/2006/relationships" xmlns:p="http://schemas.openxmlformats.org/presentationml/2006/main" showMasterSp="0" type="twoObj" preserve="1">
   <p:cSld name="Two Content">
     <p:spTree>
       <p:nvGrpSpPr>
@@ -9722,7 +9819,7 @@
 </file>
 
 <file path=ppt/slideLayouts/slideLayout5.xml><?xml version="1.0" encoding="utf-8"?>
-<p:sldLayout xmlns:a="http://schemas.openxmlformats.org/drawingml/2006/main" xmlns:r="http://schemas.openxmlformats.org/officeDocument/2006/relationships" xmlns:p="http://schemas.openxmlformats.org/presentationml/2006/main" type="twoTxTwoObj" preserve="1">
+<p:sldLayout xmlns:a="http://schemas.openxmlformats.org/drawingml/2006/main" xmlns:r="http://schemas.openxmlformats.org/officeDocument/2006/relationships" xmlns:p="http://schemas.openxmlformats.org/presentationml/2006/main" showMasterSp="0" type="twoTxTwoObj" preserve="1">
   <p:cSld name="Comparison">
     <p:spTree>
       <p:nvGrpSpPr>
@@ -10143,7 +10240,7 @@
 </file>
 
 <file path=ppt/slideLayouts/slideLayout6.xml><?xml version="1.0" encoding="utf-8"?>
-<p:sldLayout xmlns:a="http://schemas.openxmlformats.org/drawingml/2006/main" xmlns:r="http://schemas.openxmlformats.org/officeDocument/2006/relationships" xmlns:p="http://schemas.openxmlformats.org/presentationml/2006/main" type="titleOnly" preserve="1">
+<p:sldLayout xmlns:a="http://schemas.openxmlformats.org/drawingml/2006/main" xmlns:r="http://schemas.openxmlformats.org/officeDocument/2006/relationships" xmlns:p="http://schemas.openxmlformats.org/presentationml/2006/main" showMasterSp="0" type="titleOnly" preserve="1">
   <p:cSld name="Title Only">
     <p:spTree>
       <p:nvGrpSpPr>
@@ -10290,7 +10387,7 @@
 </file>
 
 <file path=ppt/slideLayouts/slideLayout7.xml><?xml version="1.0" encoding="utf-8"?>
-<p:sldLayout xmlns:a="http://schemas.openxmlformats.org/drawingml/2006/main" xmlns:r="http://schemas.openxmlformats.org/officeDocument/2006/relationships" xmlns:p="http://schemas.openxmlformats.org/presentationml/2006/main" type="blank" preserve="1">
+<p:sldLayout xmlns:a="http://schemas.openxmlformats.org/drawingml/2006/main" xmlns:r="http://schemas.openxmlformats.org/officeDocument/2006/relationships" xmlns:p="http://schemas.openxmlformats.org/presentationml/2006/main" showMasterSp="0" type="blank" preserve="1">
   <p:cSld name="Blank">
     <p:spTree>
       <p:nvGrpSpPr>
@@ -10408,7 +10505,7 @@
 </file>
 
 <file path=ppt/slideLayouts/slideLayout8.xml><?xml version="1.0" encoding="utf-8"?>
-<p:sldLayout xmlns:a="http://schemas.openxmlformats.org/drawingml/2006/main" xmlns:r="http://schemas.openxmlformats.org/officeDocument/2006/relationships" xmlns:p="http://schemas.openxmlformats.org/presentationml/2006/main" type="objTx" preserve="1">
+<p:sldLayout xmlns:a="http://schemas.openxmlformats.org/drawingml/2006/main" xmlns:r="http://schemas.openxmlformats.org/officeDocument/2006/relationships" xmlns:p="http://schemas.openxmlformats.org/presentationml/2006/main" showMasterSp="0" type="objTx" preserve="1">
   <p:cSld name="Content with Caption">
     <p:spTree>
       <p:nvGrpSpPr>
@@ -10727,7 +10824,7 @@
 </file>
 
 <file path=ppt/slideLayouts/slideLayout9.xml><?xml version="1.0" encoding="utf-8"?>
-<p:sldLayout xmlns:a="http://schemas.openxmlformats.org/drawingml/2006/main" xmlns:r="http://schemas.openxmlformats.org/officeDocument/2006/relationships" xmlns:p="http://schemas.openxmlformats.org/presentationml/2006/main" type="picTx" preserve="1">
+<p:sldLayout xmlns:a="http://schemas.openxmlformats.org/drawingml/2006/main" xmlns:r="http://schemas.openxmlformats.org/officeDocument/2006/relationships" xmlns:p="http://schemas.openxmlformats.org/presentationml/2006/main" showMasterSp="0" type="picTx" preserve="1">
   <p:cSld name="Picture with Caption">
     <p:spTree>
       <p:nvGrpSpPr>
@@ -11025,9 +11122,32 @@
 <p:sldMaster xmlns:a="http://schemas.openxmlformats.org/drawingml/2006/main" xmlns:r="http://schemas.openxmlformats.org/officeDocument/2006/relationships" xmlns:p="http://schemas.openxmlformats.org/presentationml/2006/main">
   <p:cSld>
     <p:bg>
-      <p:bgRef idx="1001">
-        <a:schemeClr val="bg1"/>
-      </p:bgRef>
+      <p:bgPr>
+        <a:gradFill flip="none" rotWithShape="1">
+          <a:gsLst>
+            <a:gs pos="28000">
+              <a:schemeClr val="tx1">
+                <a:lumMod val="50000"/>
+              </a:schemeClr>
+            </a:gs>
+            <a:gs pos="0">
+              <a:schemeClr val="tx1">
+                <a:lumMod val="95000"/>
+                <a:lumOff val="5000"/>
+              </a:schemeClr>
+            </a:gs>
+            <a:gs pos="100000">
+              <a:schemeClr val="tx1">
+                <a:lumMod val="95000"/>
+                <a:lumOff val="5000"/>
+              </a:schemeClr>
+            </a:gs>
+          </a:gsLst>
+          <a:lin ang="5400000" scaled="1"/>
+          <a:tileRect/>
+        </a:gradFill>
+        <a:effectLst/>
+      </p:bgPr>
     </p:bg>
     <p:spTree>
       <p:nvGrpSpPr>
@@ -11602,33 +11722,6 @@
 <file path=ppt/slides/slide1.xml><?xml version="1.0" encoding="utf-8"?>
 <p:sld xmlns:a="http://schemas.openxmlformats.org/drawingml/2006/main" xmlns:r="http://schemas.openxmlformats.org/officeDocument/2006/relationships" xmlns:p="http://schemas.openxmlformats.org/presentationml/2006/main" showMasterSp="0">
   <p:cSld>
-    <p:bg>
-      <p:bgPr>
-        <a:gradFill>
-          <a:gsLst>
-            <a:gs pos="8000">
-              <a:schemeClr val="tx1">
-                <a:lumMod val="50000"/>
-              </a:schemeClr>
-            </a:gs>
-            <a:gs pos="0">
-              <a:schemeClr val="tx1">
-                <a:lumMod val="95000"/>
-                <a:lumOff val="5000"/>
-              </a:schemeClr>
-            </a:gs>
-            <a:gs pos="100000">
-              <a:schemeClr val="bg1">
-                <a:lumMod val="95000"/>
-                <a:lumOff val="5000"/>
-              </a:schemeClr>
-            </a:gs>
-          </a:gsLst>
-          <a:lin ang="5400000" scaled="1"/>
-        </a:gradFill>
-        <a:effectLst/>
-      </p:bgPr>
-    </p:bg>
     <p:spTree>
       <p:nvGrpSpPr>
         <p:cNvPr id="1" name="Shape 58"/>
@@ -11655,8 +11748,8 @@
         </p:nvSpPr>
         <p:spPr>
           <a:xfrm>
-            <a:off x="874279" y="858400"/>
-            <a:ext cx="7074900" cy="651460"/>
+            <a:off x="182900" y="710475"/>
+            <a:ext cx="7074900" cy="628377"/>
           </a:xfrm>
           <a:prstGeom prst="rect">
             <a:avLst/>
@@ -11686,18 +11779,22 @@
               <a:buNone/>
             </a:pPr>
             <a:r>
-              <a:rPr lang="en-GB" dirty="0">
-                <a:solidFill>
-                  <a:srgbClr val="FFC000"/>
+              <a:rPr lang="en-GB" sz="4000" dirty="0">
+                <a:solidFill>
+                  <a:schemeClr val="bg1">
+                    <a:lumMod val="95000"/>
+                  </a:schemeClr>
                 </a:solidFill>
                 <a:latin typeface="Arial Black" panose="020B0A04020102020204" pitchFamily="34" charset="0"/>
                 <a:cs typeface="Arial" panose="020B0604020202020204" pitchFamily="34" charset="0"/>
               </a:rPr>
-              <a:t>CONTENTS</a:t>
-            </a:r>
-            <a:endParaRPr dirty="0">
+              <a:t>TABLE OF CONTENTS</a:t>
+            </a:r>
+            <a:endParaRPr sz="4000" dirty="0">
               <a:solidFill>
-                <a:srgbClr val="FFC000"/>
+                <a:schemeClr val="bg1">
+                  <a:lumMod val="95000"/>
+                </a:schemeClr>
               </a:solidFill>
               <a:latin typeface="Arial Black" panose="020B0A04020102020204" pitchFamily="34" charset="0"/>
               <a:cs typeface="Arial" panose="020B0604020202020204" pitchFamily="34" charset="0"/>
@@ -11713,8 +11810,8 @@
         </p:nvGrpSpPr>
         <p:grpSpPr>
           <a:xfrm>
-            <a:off x="-35925" y="1860884"/>
-            <a:ext cx="11746662" cy="5165558"/>
+            <a:off x="-35925" y="1843790"/>
+            <a:ext cx="11746662" cy="5182652"/>
             <a:chOff x="-35877" y="1997964"/>
             <a:chExt cx="11731053" cy="4732020"/>
           </a:xfrm>
@@ -11758,7 +11855,9 @@
               </a:pathLst>
             </a:custGeom>
             <a:solidFill>
-              <a:srgbClr val="FFC000"/>
+              <a:schemeClr val="bg1">
+                <a:lumMod val="75000"/>
+              </a:schemeClr>
             </a:solidFill>
             <a:ln>
               <a:noFill/>
@@ -11789,7 +11888,9 @@
               </a:pPr>
               <a:endParaRPr sz="1800" b="0" i="0" u="none" strike="noStrike" cap="none">
                 <a:solidFill>
-                  <a:schemeClr val="dk1"/>
+                  <a:schemeClr val="bg1">
+                    <a:lumMod val="95000"/>
+                  </a:schemeClr>
                 </a:solidFill>
                 <a:latin typeface="Calibri"/>
                 <a:ea typeface="Calibri"/>
@@ -11979,7 +12080,9 @@
               </a:pathLst>
             </a:custGeom>
             <a:solidFill>
-              <a:srgbClr val="FFC000"/>
+              <a:schemeClr val="bg1">
+                <a:lumMod val="75000"/>
+              </a:schemeClr>
             </a:solidFill>
             <a:ln>
               <a:noFill/>
@@ -12010,7 +12113,9 @@
               </a:pPr>
               <a:endParaRPr sz="1800" b="0" i="0" u="none" strike="noStrike" cap="none">
                 <a:solidFill>
-                  <a:schemeClr val="dk1"/>
+                  <a:schemeClr val="bg1">
+                    <a:lumMod val="95000"/>
+                  </a:schemeClr>
                 </a:solidFill>
                 <a:latin typeface="Calibri"/>
                 <a:ea typeface="Calibri"/>
@@ -13676,8 +13781,8 @@
         </p:nvSpPr>
         <p:spPr>
           <a:xfrm>
-            <a:off x="6469126" y="2658313"/>
-            <a:ext cx="2883421" cy="3941464"/>
+            <a:off x="6455489" y="2642806"/>
+            <a:ext cx="4067605" cy="3941464"/>
           </a:xfrm>
           <a:prstGeom prst="rect">
             <a:avLst/>
@@ -13711,22 +13816,26 @@
               <a:buNone/>
             </a:pPr>
             <a:r>
-              <a:rPr lang="en-GB" sz="1600" b="0" i="0" u="none" strike="noStrike" cap="none" dirty="0">
-                <a:solidFill>
-                  <a:srgbClr val="FFFF00"/>
-                </a:solidFill>
-                <a:latin typeface="Carlito"/>
+              <a:rPr lang="en-GB" sz="1600" b="1" i="0" u="none" strike="noStrike" cap="none" dirty="0">
+                <a:solidFill>
+                  <a:schemeClr val="bg1">
+                    <a:lumMod val="95000"/>
+                  </a:schemeClr>
+                </a:solidFill>
+                <a:latin typeface="Arial Black" panose="020B0A04020102020204" pitchFamily="34" charset="0"/>
                 <a:ea typeface="Carlito"/>
                 <a:cs typeface="Carlito"/>
                 <a:sym typeface="Carlito"/>
               </a:rPr>
               <a:t>Project Overview</a:t>
             </a:r>
-            <a:endParaRPr sz="1600" b="0" i="0" u="none" strike="noStrike" cap="none" dirty="0">
+            <a:endParaRPr sz="1600" b="1" i="0" u="none" strike="noStrike" cap="none" dirty="0">
               <a:solidFill>
-                <a:srgbClr val="FFFF00"/>
+                <a:schemeClr val="bg1">
+                  <a:lumMod val="95000"/>
+                </a:schemeClr>
               </a:solidFill>
-              <a:latin typeface="Carlito"/>
+              <a:latin typeface="Arial Black" panose="020B0A04020102020204" pitchFamily="34" charset="0"/>
               <a:ea typeface="Carlito"/>
               <a:cs typeface="Carlito"/>
               <a:sym typeface="Carlito"/>
@@ -13751,11 +13860,13 @@
               <a:buNone/>
             </a:pPr>
             <a:r>
-              <a:rPr lang="en-GB" sz="1600" b="0" i="0" u="none" strike="noStrike" cap="none" dirty="0">
-                <a:solidFill>
-                  <a:srgbClr val="FFFF00"/>
-                </a:solidFill>
-                <a:latin typeface="Carlito"/>
+              <a:rPr lang="en-GB" sz="1600" b="1" i="0" u="none" strike="noStrike" cap="none" dirty="0">
+                <a:solidFill>
+                  <a:schemeClr val="bg1">
+                    <a:lumMod val="95000"/>
+                  </a:schemeClr>
+                </a:solidFill>
+                <a:latin typeface="Arial Black" panose="020B0A04020102020204" pitchFamily="34" charset="0"/>
                 <a:ea typeface="Carlito"/>
                 <a:cs typeface="Carlito"/>
                 <a:sym typeface="Carlito"/>
@@ -13782,11 +13893,13 @@
               <a:buNone/>
             </a:pPr>
             <a:r>
-              <a:rPr lang="en-GB" sz="1600" b="0" i="0" u="none" strike="noStrike" cap="none" dirty="0">
-                <a:solidFill>
-                  <a:srgbClr val="FFFF00"/>
-                </a:solidFill>
-                <a:latin typeface="Carlito"/>
+              <a:rPr lang="en-GB" sz="1600" b="1" i="0" u="none" strike="noStrike" cap="none" dirty="0">
+                <a:solidFill>
+                  <a:schemeClr val="bg1">
+                    <a:lumMod val="95000"/>
+                  </a:schemeClr>
+                </a:solidFill>
+                <a:latin typeface="Arial Black" panose="020B0A04020102020204" pitchFamily="34" charset="0"/>
                 <a:ea typeface="Carlito"/>
                 <a:cs typeface="Carlito"/>
                 <a:sym typeface="Carlito"/>
@@ -13794,11 +13907,13 @@
               <a:t>Data</a:t>
             </a:r>
             <a:r>
-              <a:rPr lang="en-GB" sz="1600" dirty="0">
-                <a:solidFill>
-                  <a:srgbClr val="FFFF00"/>
-                </a:solidFill>
-                <a:latin typeface="Carlito"/>
+              <a:rPr lang="en-GB" sz="1600" b="1" dirty="0">
+                <a:solidFill>
+                  <a:schemeClr val="bg1">
+                    <a:lumMod val="95000"/>
+                  </a:schemeClr>
+                </a:solidFill>
+                <a:latin typeface="Arial Black" panose="020B0A04020102020204" pitchFamily="34" charset="0"/>
                 <a:ea typeface="Carlito"/>
                 <a:cs typeface="Carlito"/>
                 <a:sym typeface="Carlito"/>
@@ -13806,11 +13921,13 @@
               <a:t>s</a:t>
             </a:r>
             <a:r>
-              <a:rPr lang="en-GB" sz="1600" b="0" i="0" u="none" strike="noStrike" cap="none" dirty="0">
-                <a:solidFill>
-                  <a:srgbClr val="FFFF00"/>
-                </a:solidFill>
-                <a:latin typeface="Carlito"/>
+              <a:rPr lang="en-GB" sz="1600" b="1" i="0" u="none" strike="noStrike" cap="none" dirty="0">
+                <a:solidFill>
+                  <a:schemeClr val="bg1">
+                    <a:lumMod val="95000"/>
+                  </a:schemeClr>
+                </a:solidFill>
+                <a:latin typeface="Arial Black" panose="020B0A04020102020204" pitchFamily="34" charset="0"/>
                 <a:ea typeface="Carlito"/>
                 <a:cs typeface="Carlito"/>
                 <a:sym typeface="Carlito"/>
@@ -13837,22 +13954,26 @@
               <a:buNone/>
             </a:pPr>
             <a:r>
-              <a:rPr lang="en-GB" sz="1600" b="0" i="0" u="none" strike="noStrike" cap="none" dirty="0">
-                <a:solidFill>
-                  <a:srgbClr val="FFFF00"/>
-                </a:solidFill>
-                <a:latin typeface="Carlito"/>
+              <a:rPr lang="en-GB" sz="1600" b="1" i="0" u="none" strike="noStrike" cap="none" dirty="0">
+                <a:solidFill>
+                  <a:schemeClr val="bg1">
+                    <a:lumMod val="95000"/>
+                  </a:schemeClr>
+                </a:solidFill>
+                <a:latin typeface="Arial Black" panose="020B0A04020102020204" pitchFamily="34" charset="0"/>
                 <a:ea typeface="Carlito"/>
                 <a:cs typeface="Carlito"/>
                 <a:sym typeface="Carlito"/>
               </a:rPr>
               <a:t>Tools Used</a:t>
             </a:r>
-            <a:endParaRPr sz="1600" b="0" i="0" u="none" strike="noStrike" cap="none" dirty="0">
+            <a:endParaRPr sz="1600" b="1" i="0" u="none" strike="noStrike" cap="none" dirty="0">
               <a:solidFill>
-                <a:srgbClr val="FFFF00"/>
+                <a:schemeClr val="bg1">
+                  <a:lumMod val="95000"/>
+                </a:schemeClr>
               </a:solidFill>
-              <a:latin typeface="Carlito"/>
+              <a:latin typeface="Arial Black" panose="020B0A04020102020204" pitchFamily="34" charset="0"/>
               <a:ea typeface="Carlito"/>
               <a:cs typeface="Carlito"/>
               <a:sym typeface="Carlito"/>
@@ -13877,22 +13998,98 @@
               <a:buNone/>
             </a:pPr>
             <a:r>
-              <a:rPr lang="en-GB" sz="1600" b="0" i="0" u="none" strike="noStrike" cap="none" dirty="0">
-                <a:solidFill>
-                  <a:srgbClr val="FFFF00"/>
-                </a:solidFill>
-                <a:latin typeface="Carlito"/>
+              <a:rPr lang="en-GB" sz="1600" i="0" u="none" strike="noStrike" cap="none" dirty="0">
+                <a:solidFill>
+                  <a:schemeClr val="bg1">
+                    <a:lumMod val="95000"/>
+                  </a:schemeClr>
+                </a:solidFill>
+                <a:latin typeface="Arial Black" panose="020B0A04020102020204" pitchFamily="34" charset="0"/>
                 <a:ea typeface="Carlito"/>
                 <a:cs typeface="Carlito"/>
                 <a:sym typeface="Carlito"/>
               </a:rPr>
-              <a:t>Data Manipulation Process  Insights</a:t>
-            </a:r>
-            <a:endParaRPr sz="1600" b="0" i="0" u="none" strike="noStrike" cap="none" dirty="0">
+              <a:t>Data Manipulation</a:t>
+            </a:r>
+            <a:r>
+              <a:rPr lang="en-GB" sz="1600" dirty="0">
+                <a:solidFill>
+                  <a:schemeClr val="bg1">
+                    <a:lumMod val="95000"/>
+                  </a:schemeClr>
+                </a:solidFill>
+                <a:latin typeface="Arial Black" panose="020B0A04020102020204" pitchFamily="34" charset="0"/>
+                <a:ea typeface="Carlito"/>
+                <a:cs typeface="Carlito"/>
+                <a:sym typeface="Carlito"/>
+              </a:rPr>
+              <a:t> </a:t>
+            </a:r>
+            <a:r>
+              <a:rPr lang="en-GB" sz="1600" i="0" u="none" strike="noStrike" cap="none" dirty="0">
+                <a:solidFill>
+                  <a:schemeClr val="bg1">
+                    <a:lumMod val="95000"/>
+                  </a:schemeClr>
+                </a:solidFill>
+                <a:latin typeface="Arial Black" panose="020B0A04020102020204" pitchFamily="34" charset="0"/>
+                <a:ea typeface="Carlito"/>
+                <a:cs typeface="Carlito"/>
+                <a:sym typeface="Carlito"/>
+              </a:rPr>
+              <a:t>Process </a:t>
+            </a:r>
+            <a:endParaRPr lang="en-GB" sz="1600" dirty="0">
               <a:solidFill>
-                <a:srgbClr val="FFFF00"/>
+                <a:schemeClr val="bg1">
+                  <a:lumMod val="95000"/>
+                </a:schemeClr>
               </a:solidFill>
-              <a:latin typeface="Carlito"/>
+              <a:latin typeface="Arial Black" panose="020B0A04020102020204" pitchFamily="34" charset="0"/>
+              <a:ea typeface="Carlito"/>
+              <a:cs typeface="Carlito"/>
+              <a:sym typeface="Carlito"/>
+            </a:endParaRPr>
+          </a:p>
+          <a:p>
+            <a:pPr marL="12700" marR="343535" lvl="0" indent="0" algn="l" rtl="0">
+              <a:lnSpc>
+                <a:spcPct val="176300"/>
+              </a:lnSpc>
+              <a:spcBef>
+                <a:spcPts val="0"/>
+              </a:spcBef>
+              <a:spcAft>
+                <a:spcPts val="0"/>
+              </a:spcAft>
+              <a:buClr>
+                <a:srgbClr val="000000"/>
+              </a:buClr>
+              <a:buSzPts val="1500"/>
+              <a:buFont typeface="Arial"/>
+              <a:buNone/>
+            </a:pPr>
+            <a:r>
+              <a:rPr lang="en-GB" sz="1600" b="1" i="0" u="none" strike="noStrike" cap="none" dirty="0">
+                <a:solidFill>
+                  <a:schemeClr val="bg1">
+                    <a:lumMod val="95000"/>
+                  </a:schemeClr>
+                </a:solidFill>
+                <a:latin typeface="Arial Black" panose="020B0A04020102020204" pitchFamily="34" charset="0"/>
+                <a:ea typeface="Carlito"/>
+                <a:cs typeface="Carlito"/>
+                <a:sym typeface="Carlito"/>
+              </a:rPr>
+              <a:t> Insights</a:t>
+            </a:r>
+            <a:endParaRPr sz="1600" b="1" i="0" u="none" strike="noStrike" cap="none" dirty="0">
+              <a:solidFill>
+                <a:schemeClr val="bg1">
+                  <a:lumMod val="95000"/>
+                </a:schemeClr>
+              </a:solidFill>
+              <a:latin typeface="Arial Black" panose="020B0A04020102020204" pitchFamily="34" charset="0"/>
               <a:ea typeface="Carlito"/>
               <a:cs typeface="Carlito"/>
               <a:sym typeface="Carlito"/>
@@ -13917,34 +14114,26 @@
               <a:buNone/>
             </a:pPr>
             <a:r>
-              <a:rPr lang="en-GB" sz="1400" b="0" i="0" u="none" strike="noStrike" cap="none" dirty="0">
-                <a:solidFill>
-                  <a:srgbClr val="FFFF00"/>
-                </a:solidFill>
-                <a:latin typeface="Carlito"/>
-                <a:ea typeface="Carlito"/>
-                <a:cs typeface="Carlito"/>
-                <a:sym typeface="Carlito"/>
-              </a:rPr>
-              <a:t> </a:t>
-            </a:r>
-            <a:r>
-              <a:rPr lang="en-GB" sz="1600" b="0" i="0" u="none" strike="noStrike" cap="none" dirty="0">
-                <a:solidFill>
-                  <a:srgbClr val="FFFF00"/>
-                </a:solidFill>
-                <a:latin typeface="Carlito"/>
+              <a:rPr lang="en-GB" sz="1600" b="1" i="0" u="none" strike="noStrike" cap="none" dirty="0">
+                <a:solidFill>
+                  <a:schemeClr val="bg1">
+                    <a:lumMod val="95000"/>
+                  </a:schemeClr>
+                </a:solidFill>
+                <a:latin typeface="Arial Black" panose="020B0A04020102020204" pitchFamily="34" charset="0"/>
                 <a:ea typeface="Carlito"/>
                 <a:cs typeface="Carlito"/>
                 <a:sym typeface="Carlito"/>
               </a:rPr>
               <a:t>Recommended Analysis  Recommendations</a:t>
             </a:r>
-            <a:endParaRPr sz="1600" b="0" i="0" u="none" strike="noStrike" cap="none" dirty="0">
+            <a:endParaRPr sz="1600" b="1" i="0" u="none" strike="noStrike" cap="none" dirty="0">
               <a:solidFill>
-                <a:srgbClr val="FFFF00"/>
+                <a:schemeClr val="bg1">
+                  <a:lumMod val="95000"/>
+                </a:schemeClr>
               </a:solidFill>
-              <a:latin typeface="Carlito"/>
+              <a:latin typeface="Arial Black" panose="020B0A04020102020204" pitchFamily="34" charset="0"/>
               <a:ea typeface="Carlito"/>
               <a:cs typeface="Carlito"/>
               <a:sym typeface="Carlito"/>
@@ -13991,14 +14180,11 @@
           <a:prstGeom prst="rect">
             <a:avLst/>
           </a:prstGeom>
-          <a:blipFill rotWithShape="1">
-            <a:blip r:embed="rId3">
-              <a:alphaModFix/>
-            </a:blip>
-            <a:stretch>
-              <a:fillRect/>
-            </a:stretch>
-          </a:blipFill>
+          <a:solidFill>
+            <a:schemeClr val="bg1">
+              <a:lumMod val="85000"/>
+            </a:schemeClr>
+          </a:solidFill>
           <a:ln>
             <a:noFill/>
           </a:ln>
@@ -14050,8 +14236,8 @@
         </p:nvSpPr>
         <p:spPr>
           <a:xfrm>
-            <a:off x="457200" y="1219200"/>
-            <a:ext cx="4419600" cy="2107500"/>
+            <a:off x="188494" y="1204209"/>
+            <a:ext cx="4419600" cy="1846659"/>
           </a:xfrm>
           <a:prstGeom prst="rect">
             <a:avLst/>
@@ -14081,47 +14267,35 @@
               <a:buNone/>
             </a:pPr>
             <a:r>
-              <a:rPr lang="en-GB" dirty="0">
-                <a:solidFill>
-                  <a:schemeClr val="bg1"/>
-                </a:solidFill>
+              <a:rPr lang="en-GB" sz="4000" dirty="0">
+                <a:latin typeface="Arial Black" panose="020B0A04020102020204" pitchFamily="34" charset="0"/>
               </a:rPr>
-              <a:t>Analysis</a:t>
+              <a:t>ANALYSIS</a:t>
             </a:r>
             <a:br>
-              <a:rPr lang="en-GB" dirty="0">
-                <a:solidFill>
-                  <a:schemeClr val="bg1"/>
-                </a:solidFill>
+              <a:rPr lang="en-GB" sz="4000" dirty="0">
+                <a:latin typeface="Arial Black" panose="020B0A04020102020204" pitchFamily="34" charset="0"/>
               </a:rPr>
             </a:br>
             <a:r>
-              <a:rPr lang="en-GB" dirty="0">
-                <a:solidFill>
-                  <a:schemeClr val="bg1"/>
-                </a:solidFill>
+              <a:rPr lang="en-GB" sz="4000" dirty="0">
+                <a:latin typeface="Arial Black" panose="020B0A04020102020204" pitchFamily="34" charset="0"/>
               </a:rPr>
-              <a:t>from </a:t>
+              <a:t>FROM </a:t>
             </a:r>
             <a:br>
-              <a:rPr lang="en-GB" dirty="0">
-                <a:solidFill>
-                  <a:schemeClr val="bg1"/>
-                </a:solidFill>
+              <a:rPr lang="en-GB" sz="4000" dirty="0">
+                <a:latin typeface="Arial Black" panose="020B0A04020102020204" pitchFamily="34" charset="0"/>
               </a:rPr>
             </a:br>
             <a:r>
-              <a:rPr lang="en-GB" dirty="0">
-                <a:solidFill>
-                  <a:schemeClr val="bg1"/>
-                </a:solidFill>
+              <a:rPr lang="en-GB" sz="4000" dirty="0">
+                <a:latin typeface="Arial Black" panose="020B0A04020102020204" pitchFamily="34" charset="0"/>
               </a:rPr>
-              <a:t>Dashboard</a:t>
-            </a:r>
-            <a:endParaRPr dirty="0">
-              <a:solidFill>
-                <a:schemeClr val="bg1"/>
-              </a:solidFill>
+              <a:t>DASHBOARD</a:t>
+            </a:r>
+            <a:endParaRPr sz="4000" dirty="0">
+              <a:latin typeface="Arial Black" panose="020B0A04020102020204" pitchFamily="34" charset="0"/>
             </a:endParaRPr>
           </a:p>
         </p:txBody>
@@ -14140,7 +14314,7 @@
         </p:nvSpPr>
         <p:spPr>
           <a:xfrm>
-            <a:off x="4608094" y="768223"/>
+            <a:off x="4419600" y="663291"/>
             <a:ext cx="8041106" cy="6494085"/>
           </a:xfrm>
           <a:prstGeom prst="rect">
@@ -14157,100 +14331,70 @@
             <a:r>
               <a:rPr lang="en-US" sz="1600" b="1" dirty="0">
                 <a:solidFill>
-                  <a:schemeClr val="tx2">
-                    <a:lumMod val="90000"/>
-                    <a:lumOff val="10000"/>
-                  </a:schemeClr>
+                  <a:schemeClr val="bg1"/>
                 </a:solidFill>
               </a:rPr>
               <a:t>Product Category Analysis:</a:t>
             </a:r>
             <a:endParaRPr lang="en-US" sz="1600" dirty="0">
               <a:solidFill>
-                <a:schemeClr val="tx2">
-                  <a:lumMod val="90000"/>
-                  <a:lumOff val="10000"/>
-                </a:schemeClr>
+                <a:schemeClr val="bg1"/>
               </a:solidFill>
             </a:endParaRPr>
           </a:p>
           <a:p>
             <a:endParaRPr lang="en-US" sz="1400" dirty="0">
               <a:solidFill>
-                <a:schemeClr val="tx2">
-                  <a:lumMod val="90000"/>
-                  <a:lumOff val="10000"/>
-                </a:schemeClr>
+                <a:schemeClr val="bg1"/>
               </a:solidFill>
             </a:endParaRPr>
           </a:p>
           <a:p>
             <a:endParaRPr lang="en-US" sz="1600" b="1" dirty="0">
               <a:solidFill>
-                <a:schemeClr val="tx2">
-                  <a:lumMod val="90000"/>
-                  <a:lumOff val="10000"/>
-                </a:schemeClr>
+                <a:schemeClr val="bg1"/>
               </a:solidFill>
             </a:endParaRPr>
           </a:p>
           <a:p>
             <a:endParaRPr lang="en-US" sz="1600" b="1" dirty="0">
               <a:solidFill>
-                <a:schemeClr val="tx2">
-                  <a:lumMod val="90000"/>
-                  <a:lumOff val="10000"/>
-                </a:schemeClr>
+                <a:schemeClr val="bg1"/>
               </a:solidFill>
             </a:endParaRPr>
           </a:p>
           <a:p>
             <a:endParaRPr lang="en-US" sz="1600" b="1" dirty="0">
               <a:solidFill>
-                <a:schemeClr val="tx2">
-                  <a:lumMod val="90000"/>
-                  <a:lumOff val="10000"/>
-                </a:schemeClr>
+                <a:schemeClr val="bg1"/>
               </a:solidFill>
             </a:endParaRPr>
           </a:p>
           <a:p>
             <a:endParaRPr lang="en-US" sz="1600" b="1" dirty="0">
               <a:solidFill>
-                <a:schemeClr val="tx2">
-                  <a:lumMod val="90000"/>
-                  <a:lumOff val="10000"/>
-                </a:schemeClr>
+                <a:schemeClr val="bg1"/>
               </a:solidFill>
             </a:endParaRPr>
           </a:p>
           <a:p>
             <a:endParaRPr lang="en-US" sz="1600" b="1" dirty="0">
               <a:solidFill>
-                <a:schemeClr val="tx2">
-                  <a:lumMod val="90000"/>
-                  <a:lumOff val="10000"/>
-                </a:schemeClr>
+                <a:schemeClr val="bg1"/>
               </a:solidFill>
             </a:endParaRPr>
           </a:p>
           <a:p>
             <a:endParaRPr lang="en-US" sz="1600" b="1" dirty="0">
               <a:solidFill>
-                <a:schemeClr val="tx2">
-                  <a:lumMod val="90000"/>
-                  <a:lumOff val="10000"/>
-                </a:schemeClr>
+                <a:schemeClr val="bg1"/>
               </a:solidFill>
             </a:endParaRPr>
           </a:p>
           <a:p>
             <a:endParaRPr lang="en-US" sz="1600" b="1" dirty="0">
               <a:solidFill>
-                <a:schemeClr val="tx2">
-                  <a:lumMod val="90000"/>
-                  <a:lumOff val="10000"/>
-                </a:schemeClr>
+                <a:schemeClr val="bg1"/>
               </a:solidFill>
             </a:endParaRPr>
           </a:p>
@@ -14258,20 +14402,14 @@
             <a:r>
               <a:rPr lang="en-US" sz="1600" b="1" dirty="0">
                 <a:solidFill>
-                  <a:schemeClr val="tx2">
-                    <a:lumMod val="90000"/>
-                    <a:lumOff val="10000"/>
-                  </a:schemeClr>
+                  <a:schemeClr val="bg1"/>
                 </a:solidFill>
               </a:rPr>
               <a:t>Repeat Orders and Retention:</a:t>
             </a:r>
             <a:endParaRPr lang="en-US" sz="1600" dirty="0">
               <a:solidFill>
-                <a:schemeClr val="tx2">
-                  <a:lumMod val="90000"/>
-                  <a:lumOff val="10000"/>
-                </a:schemeClr>
+                <a:schemeClr val="bg1"/>
               </a:solidFill>
             </a:endParaRPr>
           </a:p>
@@ -14283,10 +14421,7 @@
             <a:r>
               <a:rPr lang="en-US" sz="1400" dirty="0">
                 <a:solidFill>
-                  <a:schemeClr val="tx2">
-                    <a:lumMod val="90000"/>
-                    <a:lumOff val="10000"/>
-                  </a:schemeClr>
+                  <a:schemeClr val="bg1"/>
                 </a:solidFill>
               </a:rPr>
               <a:t>More repeat orders than new orders, particularly in Office Supplies and Technology.</a:t>
@@ -14300,10 +14435,7 @@
             <a:r>
               <a:rPr lang="en-US" sz="1400" dirty="0">
                 <a:solidFill>
-                  <a:schemeClr val="tx2">
-                    <a:lumMod val="90000"/>
-                    <a:lumOff val="10000"/>
-                  </a:schemeClr>
+                  <a:schemeClr val="bg1"/>
                 </a:solidFill>
               </a:rPr>
               <a:t>High retention rate of 99%, increasing over time, indicating strong customer satisfaction.</a:t>
@@ -14317,10 +14449,7 @@
             <a:r>
               <a:rPr lang="en-US" sz="1400" dirty="0">
                 <a:solidFill>
-                  <a:schemeClr val="tx2">
-                    <a:lumMod val="90000"/>
-                    <a:lumOff val="10000"/>
-                  </a:schemeClr>
+                  <a:schemeClr val="bg1"/>
                 </a:solidFill>
               </a:rPr>
               <a:t>East and West regions show strong performance in repeat orders and retention.</a:t>
@@ -14329,10 +14458,7 @@
           <a:p>
             <a:endParaRPr lang="en-US" sz="1400" dirty="0">
               <a:solidFill>
-                <a:schemeClr val="tx2">
-                  <a:lumMod val="90000"/>
-                  <a:lumOff val="10000"/>
-                </a:schemeClr>
+                <a:schemeClr val="bg1"/>
               </a:solidFill>
             </a:endParaRPr>
           </a:p>
@@ -14340,20 +14466,14 @@
             <a:r>
               <a:rPr lang="en-US" sz="1600" b="1" dirty="0">
                 <a:solidFill>
-                  <a:schemeClr val="tx2">
-                    <a:lumMod val="90000"/>
-                    <a:lumOff val="10000"/>
-                  </a:schemeClr>
+                  <a:schemeClr val="bg1"/>
                 </a:solidFill>
               </a:rPr>
               <a:t>Profit Margin Analysis:</a:t>
             </a:r>
             <a:endParaRPr lang="en-US" sz="1600" dirty="0">
               <a:solidFill>
-                <a:schemeClr val="tx2">
-                  <a:lumMod val="90000"/>
-                  <a:lumOff val="10000"/>
-                </a:schemeClr>
+                <a:schemeClr val="bg1"/>
               </a:solidFill>
             </a:endParaRPr>
           </a:p>
@@ -14365,10 +14485,7 @@
             <a:r>
               <a:rPr lang="en-US" sz="1400" b="1" dirty="0">
                 <a:solidFill>
-                  <a:schemeClr val="tx2">
-                    <a:lumMod val="90000"/>
-                    <a:lumOff val="10000"/>
-                  </a:schemeClr>
+                  <a:schemeClr val="bg1"/>
                 </a:solidFill>
               </a:rPr>
               <a:t>High Profit Margin:</a:t>
@@ -14376,10 +14493,7 @@
             <a:r>
               <a:rPr lang="en-US" sz="1400" dirty="0">
                 <a:solidFill>
-                  <a:schemeClr val="tx2">
-                    <a:lumMod val="90000"/>
-                    <a:lumOff val="10000"/>
-                  </a:schemeClr>
+                  <a:schemeClr val="bg1"/>
                 </a:solidFill>
               </a:rPr>
               <a:t> Labels and Phones stand out with over 10% profit margin.</a:t>
@@ -14393,10 +14507,7 @@
             <a:r>
               <a:rPr lang="en-US" sz="1400" b="1" dirty="0">
                 <a:solidFill>
-                  <a:schemeClr val="tx2">
-                    <a:lumMod val="90000"/>
-                    <a:lumOff val="10000"/>
-                  </a:schemeClr>
+                  <a:schemeClr val="bg1"/>
                 </a:solidFill>
               </a:rPr>
               <a:t>Low Profit Margin:</a:t>
@@ -14404,10 +14515,7 @@
             <a:r>
               <a:rPr lang="en-US" sz="1400" dirty="0">
                 <a:solidFill>
-                  <a:schemeClr val="tx2">
-                    <a:lumMod val="90000"/>
-                    <a:lumOff val="10000"/>
-                  </a:schemeClr>
+                  <a:schemeClr val="bg1"/>
                 </a:solidFill>
               </a:rPr>
               <a:t> Storage, Chairs, Machines, Supplies, Bookcases, and Tables show margins below 10%.</a:t>
@@ -14420,10 +14528,7 @@
             </a:pPr>
             <a:endParaRPr lang="en-US" sz="1400" dirty="0">
               <a:solidFill>
-                <a:schemeClr val="tx2">
-                  <a:lumMod val="90000"/>
-                  <a:lumOff val="10000"/>
-                </a:schemeClr>
+                <a:schemeClr val="bg1"/>
               </a:solidFill>
             </a:endParaRPr>
           </a:p>
@@ -14431,20 +14536,14 @@
             <a:r>
               <a:rPr lang="en-US" sz="1600" b="1" dirty="0">
                 <a:solidFill>
-                  <a:schemeClr val="tx2">
-                    <a:lumMod val="90000"/>
-                    <a:lumOff val="10000"/>
-                  </a:schemeClr>
+                  <a:schemeClr val="bg1"/>
                 </a:solidFill>
               </a:rPr>
               <a:t>Cumulative Sales Over Time:</a:t>
             </a:r>
             <a:endParaRPr lang="en-US" sz="1600" dirty="0">
               <a:solidFill>
-                <a:schemeClr val="tx2">
-                  <a:lumMod val="90000"/>
-                  <a:lumOff val="10000"/>
-                </a:schemeClr>
+                <a:schemeClr val="bg1"/>
               </a:solidFill>
             </a:endParaRPr>
           </a:p>
@@ -14456,10 +14555,7 @@
             <a:r>
               <a:rPr lang="en-US" sz="1400" dirty="0">
                 <a:solidFill>
-                  <a:schemeClr val="tx2">
-                    <a:lumMod val="90000"/>
-                    <a:lumOff val="10000"/>
-                  </a:schemeClr>
+                  <a:schemeClr val="bg1"/>
                 </a:solidFill>
               </a:rPr>
               <a:t>Consistent cumulative sales growth across all categories.</a:t>
@@ -14473,10 +14569,7 @@
             <a:r>
               <a:rPr lang="en-US" sz="1400" dirty="0">
                 <a:solidFill>
-                  <a:schemeClr val="tx2">
-                    <a:lumMod val="90000"/>
-                    <a:lumOff val="10000"/>
-                  </a:schemeClr>
+                  <a:schemeClr val="bg1"/>
                 </a:solidFill>
               </a:rPr>
               <a:t>Technology (Phones, Machines), Office Supplies (Supplies, Storage), and Furniture (Tables, Furnishings) lead in cumulative sales.</a:t>
@@ -14485,10 +14578,7 @@
           <a:p>
             <a:endParaRPr lang="en-US" sz="1400" dirty="0">
               <a:solidFill>
-                <a:schemeClr val="tx2">
-                  <a:lumMod val="90000"/>
-                  <a:lumOff val="10000"/>
-                </a:schemeClr>
+                <a:schemeClr val="bg1"/>
               </a:solidFill>
             </a:endParaRPr>
           </a:p>
@@ -14496,20 +14586,14 @@
             <a:r>
               <a:rPr lang="en-US" sz="1600" b="1" dirty="0">
                 <a:solidFill>
-                  <a:schemeClr val="tx2">
-                    <a:lumMod val="90000"/>
-                    <a:lumOff val="10000"/>
-                  </a:schemeClr>
+                  <a:schemeClr val="bg1"/>
                 </a:solidFill>
               </a:rPr>
               <a:t>Sales Revenue Trend:</a:t>
             </a:r>
             <a:endParaRPr lang="en-US" sz="1600" dirty="0">
               <a:solidFill>
-                <a:schemeClr val="tx2">
-                  <a:lumMod val="90000"/>
-                  <a:lumOff val="10000"/>
-                </a:schemeClr>
+                <a:schemeClr val="bg1"/>
               </a:solidFill>
             </a:endParaRPr>
           </a:p>
@@ -14521,10 +14605,7 @@
             <a:r>
               <a:rPr lang="en-US" sz="1400" dirty="0">
                 <a:solidFill>
-                  <a:schemeClr val="tx2">
-                    <a:lumMod val="90000"/>
-                    <a:lumOff val="10000"/>
-                  </a:schemeClr>
+                  <a:schemeClr val="bg1"/>
                 </a:solidFill>
               </a:rPr>
               <a:t>Overall upward trend in sales revenue over time with seasonal variations.</a:t>
@@ -14538,10 +14619,7 @@
             <a:r>
               <a:rPr lang="en-US" sz="1400" dirty="0">
                 <a:solidFill>
-                  <a:schemeClr val="tx2">
-                    <a:lumMod val="90000"/>
-                    <a:lumOff val="10000"/>
-                  </a:schemeClr>
+                  <a:schemeClr val="bg1"/>
                 </a:solidFill>
               </a:rPr>
               <a:t>March and Quarter 4 show higher sales, especially in Technology products.</a:t>
@@ -14577,7 +14655,7 @@
           <p:nvPr/>
         </p:nvPicPr>
         <p:blipFill>
-          <a:blip r:embed="rId4"/>
+          <a:blip r:embed="rId3"/>
           <a:stretch>
             <a:fillRect/>
           </a:stretch>
@@ -14705,8 +14783,8 @@
         </p:nvGrpSpPr>
         <p:grpSpPr>
           <a:xfrm>
-            <a:off x="0" y="942153"/>
-            <a:ext cx="12794377" cy="6611392"/>
+            <a:off x="1" y="1199213"/>
+            <a:ext cx="12649200" cy="6354332"/>
             <a:chOff x="0" y="1999488"/>
             <a:chExt cx="11515344" cy="4610087"/>
           </a:xfrm>
@@ -14946,7 +15024,7 @@
         <p:spPr>
           <a:xfrm>
             <a:off x="173637" y="226829"/>
-            <a:ext cx="7488555" cy="715324"/>
+            <a:ext cx="8400736" cy="715324"/>
           </a:xfrm>
           <a:prstGeom prst="rect">
             <a:avLst/>
@@ -14981,9 +15059,27 @@
                   <a:srgbClr val="000000"/>
                 </a:solidFill>
               </a:rPr>
-              <a:t> Recommended Analysis</a:t>
-            </a:r>
-            <a:endParaRPr dirty="0"/>
+              <a:t> </a:t>
+            </a:r>
+            <a:r>
+              <a:rPr lang="en-GB" sz="4000" dirty="0">
+                <a:solidFill>
+                  <a:schemeClr val="bg1">
+                    <a:lumMod val="85000"/>
+                  </a:schemeClr>
+                </a:solidFill>
+                <a:latin typeface="Arial Black" panose="020B0A04020102020204" pitchFamily="34" charset="0"/>
+              </a:rPr>
+              <a:t>RECOMMENDED ANALYSIS</a:t>
+            </a:r>
+            <a:endParaRPr sz="4000" dirty="0">
+              <a:solidFill>
+                <a:schemeClr val="bg1">
+                  <a:lumMod val="85000"/>
+                </a:schemeClr>
+              </a:solidFill>
+              <a:latin typeface="Arial Black" panose="020B0A04020102020204" pitchFamily="34" charset="0"/>
+            </a:endParaRPr>
           </a:p>
         </p:txBody>
       </p:sp>
@@ -15401,7 +15497,7 @@
         </p:nvSpPr>
         <p:spPr>
           <a:xfrm>
-            <a:off x="7643" y="1349514"/>
+            <a:off x="56436" y="1465811"/>
             <a:ext cx="3380134" cy="523220"/>
           </a:xfrm>
           <a:prstGeom prst="rect">
@@ -15479,7 +15575,7 @@
 </file>
 
 <file path=ppt/slides/slide12.xml><?xml version="1.0" encoding="utf-8"?>
-<p:sld xmlns:a="http://schemas.openxmlformats.org/drawingml/2006/main" xmlns:r="http://schemas.openxmlformats.org/officeDocument/2006/relationships" xmlns:p="http://schemas.openxmlformats.org/presentationml/2006/main">
+<p:sld xmlns:a="http://schemas.openxmlformats.org/drawingml/2006/main" xmlns:r="http://schemas.openxmlformats.org/officeDocument/2006/relationships" xmlns:p="http://schemas.openxmlformats.org/presentationml/2006/main" showMasterSp="0">
   <p:cSld>
     <p:spTree>
       <p:nvGrpSpPr>
@@ -15583,8 +15679,8 @@
         </p:nvGrpSpPr>
         <p:grpSpPr>
           <a:xfrm>
-            <a:off x="14990" y="1230718"/>
-            <a:ext cx="12067054" cy="6084482"/>
+            <a:off x="0" y="1289154"/>
+            <a:ext cx="12067054" cy="6354984"/>
             <a:chOff x="0" y="1999488"/>
             <a:chExt cx="11515344" cy="4610087"/>
           </a:xfrm>
@@ -15824,7 +15920,7 @@
         <p:spPr>
           <a:xfrm>
             <a:off x="213171" y="365172"/>
-            <a:ext cx="7488555" cy="715324"/>
+            <a:ext cx="9140691" cy="751488"/>
           </a:xfrm>
           <a:prstGeom prst="rect">
             <a:avLst/>
@@ -15854,14 +15950,23 @@
               <a:buNone/>
             </a:pPr>
             <a:r>
-              <a:rPr lang="en-GB" dirty="0">
-                <a:solidFill>
-                  <a:srgbClr val="000000"/>
-                </a:solidFill>
+              <a:rPr lang="en-GB" sz="4800" dirty="0">
+                <a:solidFill>
+                  <a:schemeClr val="bg1">
+                    <a:lumMod val="85000"/>
+                  </a:schemeClr>
+                </a:solidFill>
+                <a:latin typeface="Arial Black" panose="020B0A04020102020204" pitchFamily="34" charset="0"/>
               </a:rPr>
-              <a:t>Recommended Analysis</a:t>
-            </a:r>
-            <a:endParaRPr dirty="0"/>
+              <a:t>RECOMMENDED ANALYSIS</a:t>
+            </a:r>
+            <a:endParaRPr dirty="0">
+              <a:solidFill>
+                <a:schemeClr val="bg1">
+                  <a:lumMod val="85000"/>
+                </a:schemeClr>
+              </a:solidFill>
+            </a:endParaRPr>
           </a:p>
         </p:txBody>
       </p:sp>
@@ -15880,7 +15985,7 @@
         <p:spPr>
           <a:xfrm>
             <a:off x="6282235" y="2204508"/>
-            <a:ext cx="5822416" cy="4031873"/>
+            <a:ext cx="5822416" cy="4770537"/>
           </a:xfrm>
           <a:prstGeom prst="rect">
             <a:avLst/>
@@ -15894,7 +15999,7 @@
           <a:lstStyle/>
           <a:p>
             <a:r>
-              <a:rPr lang="en-US" b="1" dirty="0">
+              <a:rPr lang="en-US" sz="2400" b="1" dirty="0">
                 <a:solidFill>
                   <a:srgbClr val="FF0000"/>
                 </a:solidFill>
@@ -15916,6 +16021,9 @@
             </a:r>
           </a:p>
           <a:p>
+            <a:endParaRPr lang="en-US" sz="1400" b="1" dirty="0"/>
+          </a:p>
+          <a:p>
             <a:r>
               <a:rPr lang="en-US" sz="1400" dirty="0"/>
               <a:t>Top products include </a:t>
@@ -15962,6 +16070,9 @@
             </a:r>
           </a:p>
           <a:p>
+            <a:endParaRPr lang="en-US" sz="1400" b="1" dirty="0"/>
+          </a:p>
+          <a:p>
             <a:r>
               <a:rPr lang="en-US" sz="1400" dirty="0"/>
               <a:t>Best-selling products are</a:t>
@@ -16002,6 +16113,9 @@
               <a:rPr lang="en-US" sz="1400" b="1" dirty="0"/>
               <a:t>3.Technology:</a:t>
             </a:r>
+          </a:p>
+          <a:p>
+            <a:endParaRPr lang="en-US" sz="1400" b="1" dirty="0"/>
           </a:p>
           <a:p>
             <a:r>
@@ -16056,7 +16170,7 @@
         <p:spPr>
           <a:xfrm>
             <a:off x="351100" y="2144942"/>
-            <a:ext cx="5473102" cy="4555093"/>
+            <a:ext cx="5473102" cy="4647426"/>
           </a:xfrm>
           <a:prstGeom prst="rect">
             <a:avLst/>
@@ -16070,7 +16184,7 @@
           <a:lstStyle/>
           <a:p>
             <a:r>
-              <a:rPr lang="en-US" b="1" dirty="0">
+              <a:rPr lang="en-US" sz="2400" b="1" dirty="0">
                 <a:solidFill>
                   <a:srgbClr val="FF0000"/>
                 </a:solidFill>
@@ -16233,35 +16347,8 @@
 </file>
 
 <file path=ppt/slides/slide13.xml><?xml version="1.0" encoding="utf-8"?>
-<p:sld xmlns:a="http://schemas.openxmlformats.org/drawingml/2006/main" xmlns:r="http://schemas.openxmlformats.org/officeDocument/2006/relationships" xmlns:p="http://schemas.openxmlformats.org/presentationml/2006/main">
+<p:sld xmlns:a="http://schemas.openxmlformats.org/drawingml/2006/main" xmlns:r="http://schemas.openxmlformats.org/officeDocument/2006/relationships" xmlns:p="http://schemas.openxmlformats.org/presentationml/2006/main" showMasterSp="0">
   <p:cSld>
-    <p:bg>
-      <p:bgPr>
-        <a:gradFill>
-          <a:gsLst>
-            <a:gs pos="8000">
-              <a:schemeClr val="bg1">
-                <a:lumMod val="85000"/>
-              </a:schemeClr>
-            </a:gs>
-            <a:gs pos="0">
-              <a:schemeClr val="tx1">
-                <a:lumMod val="95000"/>
-                <a:lumOff val="5000"/>
-              </a:schemeClr>
-            </a:gs>
-            <a:gs pos="100000">
-              <a:schemeClr val="bg1">
-                <a:lumMod val="95000"/>
-                <a:lumOff val="5000"/>
-              </a:schemeClr>
-            </a:gs>
-          </a:gsLst>
-          <a:lin ang="5400000" scaled="1"/>
-        </a:gradFill>
-        <a:effectLst/>
-      </p:bgPr>
-    </p:bg>
     <p:spTree>
       <p:nvGrpSpPr>
         <p:cNvPr id="1" name="Shape 258"/>
@@ -16308,7 +16395,7 @@
             <a:r>
               <a:rPr lang="en-US" sz="2400" b="1" dirty="0">
                 <a:solidFill>
-                  <a:srgbClr val="FF0000"/>
+                  <a:srgbClr val="FFC000"/>
                 </a:solidFill>
               </a:rPr>
               <a:t>Technology :</a:t>
@@ -16323,7 +16410,7 @@
             <a:r>
               <a:rPr lang="en-US" sz="1800" b="1" dirty="0">
                 <a:solidFill>
-                  <a:srgbClr val="002060"/>
+                  <a:schemeClr val="bg1"/>
                 </a:solidFill>
               </a:rPr>
               <a:t>Top Products:</a:t>
@@ -16331,7 +16418,7 @@
             <a:r>
               <a:rPr lang="en-US" sz="1800" dirty="0">
                 <a:solidFill>
-                  <a:srgbClr val="002060"/>
+                  <a:schemeClr val="bg1"/>
                 </a:solidFill>
               </a:rPr>
               <a:t> </a:t>
@@ -16339,7 +16426,7 @@
             <a:r>
               <a:rPr lang="en-US" sz="1400" dirty="0">
                 <a:solidFill>
-                  <a:srgbClr val="002060"/>
+                  <a:schemeClr val="bg1"/>
                 </a:solidFill>
               </a:rPr>
               <a:t>Canon imageCLASS 2200 Advanced Copier, Cisco TelePresence System EX90, Hewlett Packard LaserJet 3310.</a:t>
@@ -16347,14 +16434,14 @@
             <a:br>
               <a:rPr lang="en-US" sz="1400" dirty="0">
                 <a:solidFill>
-                  <a:srgbClr val="002060"/>
+                  <a:schemeClr val="bg1"/>
                 </a:solidFill>
               </a:rPr>
             </a:br>
             <a:r>
               <a:rPr lang="en-US" sz="1800" b="1" dirty="0">
                 <a:solidFill>
-                  <a:srgbClr val="002060"/>
+                  <a:schemeClr val="bg1"/>
                 </a:solidFill>
               </a:rPr>
               <a:t>Top Customers:</a:t>
@@ -16362,7 +16449,7 @@
             <a:r>
               <a:rPr lang="en-US" sz="1800" dirty="0">
                 <a:solidFill>
-                  <a:srgbClr val="002060"/>
+                  <a:schemeClr val="bg1"/>
                 </a:solidFill>
               </a:rPr>
               <a:t> </a:t>
@@ -16370,7 +16457,7 @@
             <a:r>
               <a:rPr lang="en-US" sz="1400" dirty="0">
                 <a:solidFill>
-                  <a:srgbClr val="002060"/>
+                  <a:schemeClr val="bg1"/>
                 </a:solidFill>
               </a:rPr>
               <a:t>Mick Hernandez (increasing orders), Laura Armstrong (uneven orders).</a:t>
@@ -16378,21 +16465,21 @@
             <a:br>
               <a:rPr lang="en-US" sz="1400" dirty="0">
                 <a:solidFill>
-                  <a:srgbClr val="002060"/>
+                  <a:schemeClr val="bg1"/>
                 </a:solidFill>
               </a:rPr>
             </a:br>
             <a:br>
               <a:rPr lang="en-US" sz="1400" dirty="0">
                 <a:solidFill>
-                  <a:srgbClr val="002060"/>
+                  <a:schemeClr val="bg1"/>
                 </a:solidFill>
               </a:rPr>
             </a:br>
             <a:r>
               <a:rPr lang="en-US" sz="1800" b="1" dirty="0">
                 <a:solidFill>
-                  <a:srgbClr val="002060"/>
+                  <a:schemeClr val="bg1"/>
                 </a:solidFill>
               </a:rPr>
               <a:t>Recommendations:</a:t>
@@ -16400,14 +16487,14 @@
             <a:br>
               <a:rPr lang="en-US" sz="1400" b="1" dirty="0">
                 <a:solidFill>
-                  <a:srgbClr val="002060"/>
+                  <a:schemeClr val="bg1"/>
                 </a:solidFill>
               </a:rPr>
             </a:br>
             <a:r>
               <a:rPr lang="en-US" sz="1800" b="1" dirty="0">
                 <a:solidFill>
-                  <a:srgbClr val="002060"/>
+                  <a:schemeClr val="bg1"/>
                 </a:solidFill>
               </a:rPr>
               <a:t>Focus on Copiers:</a:t>
@@ -16415,7 +16502,7 @@
             <a:r>
               <a:rPr lang="en-US" sz="1800" dirty="0">
                 <a:solidFill>
-                  <a:srgbClr val="002060"/>
+                  <a:schemeClr val="bg1"/>
                 </a:solidFill>
               </a:rPr>
               <a:t> Increase marketing and inventory for high-margin products like copiers to maximize profits.</a:t>
@@ -16423,14 +16510,14 @@
             <a:br>
               <a:rPr lang="en-US" sz="1800" dirty="0">
                 <a:solidFill>
-                  <a:srgbClr val="002060"/>
+                  <a:schemeClr val="bg1"/>
                 </a:solidFill>
               </a:rPr>
             </a:br>
             <a:r>
               <a:rPr lang="en-US" sz="1800" b="1" dirty="0">
                 <a:solidFill>
-                  <a:srgbClr val="002060"/>
+                  <a:schemeClr val="bg1"/>
                 </a:solidFill>
               </a:rPr>
               <a:t>Targeted Promotions:</a:t>
@@ -16438,7 +16525,7 @@
             <a:r>
               <a:rPr lang="en-US" sz="1800" dirty="0">
                 <a:solidFill>
-                  <a:srgbClr val="002060"/>
+                  <a:schemeClr val="bg1"/>
                 </a:solidFill>
               </a:rPr>
               <a:t> Create campaigns for Mick Hernandez's growing interest in phones and accessories to increase his engagement.</a:t>
@@ -16446,14 +16533,14 @@
             <a:br>
               <a:rPr lang="en-US" sz="1800" dirty="0">
                 <a:solidFill>
-                  <a:srgbClr val="002060"/>
+                  <a:schemeClr val="bg1"/>
                 </a:solidFill>
               </a:rPr>
             </a:br>
             <a:r>
               <a:rPr lang="en-US" sz="1800" b="1" dirty="0">
                 <a:solidFill>
-                  <a:srgbClr val="002060"/>
+                  <a:schemeClr val="bg1"/>
                 </a:solidFill>
               </a:rPr>
               <a:t>Seasonal Campaigns:</a:t>
@@ -16461,7 +16548,7 @@
             <a:r>
               <a:rPr lang="en-US" sz="1800" dirty="0">
                 <a:solidFill>
-                  <a:srgbClr val="002060"/>
+                  <a:schemeClr val="bg1"/>
                 </a:solidFill>
               </a:rPr>
               <a:t> Use peak sales periods in March and the fourth quarter to boost sales of Technology products.</a:t>
@@ -16469,7 +16556,7 @@
             <a:br>
               <a:rPr lang="en-US" sz="1800" dirty="0">
                 <a:solidFill>
-                  <a:srgbClr val="002060"/>
+                  <a:schemeClr val="bg1"/>
                 </a:solidFill>
               </a:rPr>
             </a:br>
@@ -16483,14 +16570,17 @@
             <a:br>
               <a:rPr lang="en-US" sz="2000" dirty="0">
                 <a:solidFill>
-                  <a:srgbClr val="002060"/>
-                </a:solidFill>
+                  <a:srgbClr val="FFC000"/>
+                </a:solidFill>
+                <a:highlight>
+                  <a:srgbClr val="FFFF00"/>
+                </a:highlight>
               </a:rPr>
             </a:br>
             <a:r>
               <a:rPr lang="en-US" sz="2400" b="1" dirty="0">
                 <a:solidFill>
-                  <a:srgbClr val="FF0000"/>
+                  <a:srgbClr val="FFC000"/>
                 </a:solidFill>
               </a:rPr>
               <a:t>Furniture :</a:t>
@@ -16498,14 +16588,14 @@
             <a:br>
               <a:rPr lang="en-US" sz="1800" b="1" dirty="0">
                 <a:solidFill>
-                  <a:srgbClr val="FF0000"/>
+                  <a:srgbClr val="FFC000"/>
                 </a:solidFill>
               </a:rPr>
             </a:br>
             <a:r>
               <a:rPr lang="en-US" sz="1800" b="1" dirty="0">
                 <a:solidFill>
-                  <a:srgbClr val="002060"/>
+                  <a:schemeClr val="bg1"/>
                 </a:solidFill>
               </a:rPr>
               <a:t>Top Products:</a:t>
@@ -16513,7 +16603,7 @@
             <a:r>
               <a:rPr lang="en-US" sz="1800" dirty="0">
                 <a:solidFill>
-                  <a:srgbClr val="002060"/>
+                  <a:schemeClr val="bg1"/>
                 </a:solidFill>
               </a:rPr>
               <a:t> </a:t>
@@ -16521,7 +16611,7 @@
             <a:r>
               <a:rPr lang="en-US" sz="1400" dirty="0">
                 <a:solidFill>
-                  <a:srgbClr val="002060"/>
+                  <a:schemeClr val="bg1"/>
                 </a:solidFill>
               </a:rPr>
               <a:t>HON 5400 Series Task Chairs, Riverside Palais Royal Lawyers Bookcase, Bretford Rectangular Conference Tabletops.</a:t>
@@ -16529,14 +16619,14 @@
             <a:br>
               <a:rPr lang="en-US" sz="1400" dirty="0">
                 <a:solidFill>
-                  <a:srgbClr val="002060"/>
+                  <a:schemeClr val="bg1"/>
                 </a:solidFill>
               </a:rPr>
             </a:br>
             <a:r>
               <a:rPr lang="en-US" sz="1800" b="1" dirty="0">
                 <a:solidFill>
-                  <a:srgbClr val="002060"/>
+                  <a:schemeClr val="bg1"/>
                 </a:solidFill>
               </a:rPr>
               <a:t>Top Customers:</a:t>
@@ -16544,7 +16634,7 @@
             <a:r>
               <a:rPr lang="en-US" sz="1800" dirty="0">
                 <a:solidFill>
-                  <a:srgbClr val="002060"/>
+                  <a:schemeClr val="bg1"/>
                 </a:solidFill>
               </a:rPr>
               <a:t> </a:t>
@@ -16552,7 +16642,7 @@
             <a:r>
               <a:rPr lang="en-US" sz="1400" dirty="0">
                 <a:solidFill>
-                  <a:srgbClr val="002060"/>
+                  <a:schemeClr val="bg1"/>
                 </a:solidFill>
               </a:rPr>
               <a:t>Seth Vernon (increasing orders), Caroline Jumper (increasing orders).</a:t>
@@ -16560,21 +16650,21 @@
             <a:br>
               <a:rPr lang="en-US" sz="1400" dirty="0">
                 <a:solidFill>
-                  <a:srgbClr val="002060"/>
+                  <a:schemeClr val="bg1"/>
                 </a:solidFill>
               </a:rPr>
             </a:br>
             <a:br>
               <a:rPr lang="en-US" sz="1400" dirty="0">
                 <a:solidFill>
-                  <a:srgbClr val="002060"/>
+                  <a:schemeClr val="bg1"/>
                 </a:solidFill>
               </a:rPr>
             </a:br>
             <a:r>
               <a:rPr lang="en-US" sz="1800" b="1" dirty="0">
                 <a:solidFill>
-                  <a:srgbClr val="002060"/>
+                  <a:schemeClr val="bg1"/>
                 </a:solidFill>
               </a:rPr>
               <a:t>Recommendations:</a:t>
@@ -16582,33 +16672,34 @@
             <a:br>
               <a:rPr lang="en-US" sz="1400" b="1" dirty="0">
                 <a:solidFill>
-                  <a:srgbClr val="002060"/>
+                  <a:schemeClr val="bg1"/>
                 </a:solidFill>
               </a:rPr>
             </a:br>
             <a:br>
               <a:rPr lang="en-US" sz="1400" dirty="0">
                 <a:solidFill>
-                  <a:srgbClr val="002060"/>
+                  <a:schemeClr val="bg1"/>
                 </a:solidFill>
               </a:rPr>
             </a:br>
             <a:br>
               <a:rPr lang="en-US" sz="1200" dirty="0">
                 <a:solidFill>
-                  <a:srgbClr val="002060"/>
+                  <a:schemeClr val="bg1"/>
                 </a:solidFill>
               </a:rPr>
             </a:br>
             <a:br>
-              <a:rPr lang="en-US" dirty="0"/>
+              <a:rPr lang="en-US" dirty="0">
+                <a:solidFill>
+                  <a:schemeClr val="bg1"/>
+                </a:solidFill>
+              </a:rPr>
             </a:br>
             <a:endParaRPr lang="en-US" sz="2000" dirty="0">
               <a:solidFill>
-                <a:schemeClr val="tx2">
-                  <a:lumMod val="90000"/>
-                  <a:lumOff val="10000"/>
-                </a:schemeClr>
+                <a:schemeClr val="bg1"/>
               </a:solidFill>
             </a:endParaRPr>
           </a:p>
@@ -16631,7 +16722,7 @@
         <p:spPr>
           <a:xfrm>
             <a:off x="572556" y="333658"/>
-            <a:ext cx="9305961" cy="689932"/>
+            <a:ext cx="9305961" cy="628377"/>
           </a:xfrm>
           <a:prstGeom prst="rect">
             <a:avLst/>
@@ -16784,15 +16875,15 @@
           <a:p>
             <a:pPr marL="12700"/>
             <a:r>
-              <a:rPr lang="en-GB" sz="4400" dirty="0">
-                <a:solidFill>
-                  <a:schemeClr val="bg2">
-                    <a:lumMod val="25000"/>
+              <a:rPr lang="en-GB" sz="4000" dirty="0">
+                <a:solidFill>
+                  <a:schemeClr val="bg1">
+                    <a:lumMod val="85000"/>
                   </a:schemeClr>
                 </a:solidFill>
-                <a:latin typeface="Algerian" panose="04020705040A02060702" pitchFamily="82" charset="0"/>
+                <a:latin typeface="Arial Black" panose="020B0A04020102020204" pitchFamily="34" charset="0"/>
               </a:rPr>
-              <a:t>Recommendations</a:t>
+              <a:t>RECOMMENDATIONS</a:t>
             </a:r>
           </a:p>
         </p:txBody>
@@ -16982,7 +17073,7 @@
                   <a:noFill/>
                 </a:ln>
                 <a:solidFill>
-                  <a:srgbClr val="002060"/>
+                  <a:schemeClr val="bg1"/>
                 </a:solidFill>
                 <a:effectLst/>
                 <a:latin typeface="Arial" panose="020B0604020202020204" pitchFamily="34" charset="0"/>
@@ -16995,7 +17086,7 @@
                   <a:noFill/>
                 </a:ln>
                 <a:solidFill>
-                  <a:srgbClr val="002060"/>
+                  <a:schemeClr val="bg1"/>
                 </a:solidFill>
                 <a:effectLst/>
                 <a:latin typeface="Arial" panose="020B0604020202020204" pitchFamily="34" charset="0"/>
@@ -17026,7 +17117,7 @@
                   <a:noFill/>
                 </a:ln>
                 <a:solidFill>
-                  <a:srgbClr val="002060"/>
+                  <a:schemeClr val="bg1"/>
                 </a:solidFill>
                 <a:effectLst/>
                 <a:latin typeface="Arial" panose="020B0604020202020204" pitchFamily="34" charset="0"/>
@@ -17039,7 +17130,7 @@
                   <a:noFill/>
                 </a:ln>
                 <a:solidFill>
-                  <a:srgbClr val="002060"/>
+                  <a:schemeClr val="bg1"/>
                 </a:solidFill>
                 <a:effectLst/>
                 <a:latin typeface="Arial" panose="020B0604020202020204" pitchFamily="34" charset="0"/>
@@ -17058,35 +17149,8 @@
 </file>
 
 <file path=ppt/slides/slide14.xml><?xml version="1.0" encoding="utf-8"?>
-<p:sld xmlns:a="http://schemas.openxmlformats.org/drawingml/2006/main" xmlns:r="http://schemas.openxmlformats.org/officeDocument/2006/relationships" xmlns:p="http://schemas.openxmlformats.org/presentationml/2006/main">
+<p:sld xmlns:a="http://schemas.openxmlformats.org/drawingml/2006/main" xmlns:r="http://schemas.openxmlformats.org/officeDocument/2006/relationships" xmlns:p="http://schemas.openxmlformats.org/presentationml/2006/main" showMasterSp="0">
   <p:cSld>
-    <p:bg>
-      <p:bgPr>
-        <a:gradFill>
-          <a:gsLst>
-            <a:gs pos="8000">
-              <a:schemeClr val="bg1">
-                <a:lumMod val="85000"/>
-              </a:schemeClr>
-            </a:gs>
-            <a:gs pos="0">
-              <a:schemeClr val="tx1">
-                <a:lumMod val="95000"/>
-                <a:lumOff val="5000"/>
-              </a:schemeClr>
-            </a:gs>
-            <a:gs pos="100000">
-              <a:schemeClr val="bg1">
-                <a:lumMod val="95000"/>
-                <a:lumOff val="5000"/>
-              </a:schemeClr>
-            </a:gs>
-          </a:gsLst>
-          <a:lin ang="5400000" scaled="1"/>
-        </a:gradFill>
-        <a:effectLst/>
-      </p:bgPr>
-    </p:bg>
     <p:spTree>
       <p:nvGrpSpPr>
         <p:cNvPr id="1" name="Shape 258"/>
@@ -17147,7 +17211,7 @@
             <a:r>
               <a:rPr lang="en-US" sz="2400" b="1" dirty="0">
                 <a:solidFill>
-                  <a:srgbClr val="FF0000"/>
+                  <a:srgbClr val="FFC000"/>
                 </a:solidFill>
               </a:rPr>
               <a:t>Office Supplies :</a:t>
@@ -17162,7 +17226,7 @@
             <a:r>
               <a:rPr lang="en-US" sz="1800" b="1" dirty="0">
                 <a:solidFill>
-                  <a:srgbClr val="002060"/>
+                  <a:schemeClr val="bg1"/>
                 </a:solidFill>
               </a:rPr>
               <a:t>Top Products:</a:t>
@@ -17170,7 +17234,7 @@
             <a:r>
               <a:rPr lang="en-US" sz="1800" dirty="0">
                 <a:solidFill>
-                  <a:srgbClr val="002060"/>
+                  <a:schemeClr val="bg1"/>
                 </a:solidFill>
               </a:rPr>
               <a:t> </a:t>
@@ -17178,7 +17242,7 @@
             <a:r>
               <a:rPr lang="en-US" sz="1400" dirty="0">
                 <a:solidFill>
-                  <a:srgbClr val="002060"/>
+                  <a:schemeClr val="bg1"/>
                 </a:solidFill>
               </a:rPr>
               <a:t>Fellowes PB500 Electric Punch, GBC DocuBind TL300, GBC Ibimaster 500.</a:t>
@@ -17186,14 +17250,14 @@
             <a:br>
               <a:rPr lang="en-US" sz="1400" dirty="0">
                 <a:solidFill>
-                  <a:srgbClr val="002060"/>
+                  <a:schemeClr val="bg1"/>
                 </a:solidFill>
               </a:rPr>
             </a:br>
             <a:r>
               <a:rPr lang="en-US" sz="1800" b="1" dirty="0">
                 <a:solidFill>
-                  <a:srgbClr val="002060"/>
+                  <a:schemeClr val="bg1"/>
                 </a:solidFill>
               </a:rPr>
               <a:t>Top Customers:</a:t>
@@ -17201,7 +17265,7 @@
             <a:r>
               <a:rPr lang="en-US" sz="1800" dirty="0">
                 <a:solidFill>
-                  <a:srgbClr val="002060"/>
+                  <a:schemeClr val="bg1"/>
                 </a:solidFill>
               </a:rPr>
               <a:t> </a:t>
@@ -17209,7 +17273,7 @@
             <a:r>
               <a:rPr lang="en-US" sz="1400" dirty="0">
                 <a:solidFill>
-                  <a:srgbClr val="002060"/>
+                  <a:schemeClr val="bg1"/>
                 </a:solidFill>
               </a:rPr>
               <a:t>Edward Hooks (peak orders in 2016), William Brown (peak orders in 2016).</a:t>
@@ -17217,21 +17281,21 @@
             <a:br>
               <a:rPr lang="en-US" sz="1400" dirty="0">
                 <a:solidFill>
-                  <a:srgbClr val="002060"/>
+                  <a:schemeClr val="bg1"/>
                 </a:solidFill>
               </a:rPr>
             </a:br>
             <a:br>
               <a:rPr lang="en-US" sz="1400" dirty="0">
                 <a:solidFill>
-                  <a:srgbClr val="002060"/>
+                  <a:schemeClr val="bg1"/>
                 </a:solidFill>
               </a:rPr>
             </a:br>
             <a:r>
               <a:rPr lang="en-US" sz="1800" b="1" dirty="0">
                 <a:solidFill>
-                  <a:srgbClr val="002060"/>
+                  <a:schemeClr val="bg1"/>
                 </a:solidFill>
               </a:rPr>
               <a:t>Recommendations:</a:t>
@@ -17239,14 +17303,14 @@
             <a:br>
               <a:rPr lang="en-US" sz="1400" dirty="0">
                 <a:solidFill>
-                  <a:srgbClr val="002060"/>
+                  <a:schemeClr val="bg1"/>
                 </a:solidFill>
               </a:rPr>
             </a:br>
             <a:r>
               <a:rPr lang="en-US" sz="1600" b="1" dirty="0">
                 <a:solidFill>
-                  <a:srgbClr val="002060"/>
+                  <a:schemeClr val="bg1"/>
                 </a:solidFill>
               </a:rPr>
               <a:t>Re-engage Declining Customers:</a:t>
@@ -17254,7 +17318,7 @@
             <a:r>
               <a:rPr lang="en-US" sz="1600" dirty="0">
                 <a:solidFill>
-                  <a:srgbClr val="002060"/>
+                  <a:schemeClr val="bg1"/>
                 </a:solidFill>
               </a:rPr>
               <a:t> </a:t>
@@ -17262,7 +17326,7 @@
             <a:r>
               <a:rPr lang="en-US" sz="1400" dirty="0">
                 <a:solidFill>
-                  <a:srgbClr val="002060"/>
+                  <a:schemeClr val="bg1"/>
                 </a:solidFill>
               </a:rPr>
               <a:t>Investigate and address reasons for the decline in orders post-2016.</a:t>
@@ -17270,14 +17334,14 @@
             <a:br>
               <a:rPr lang="en-US" sz="1400" dirty="0">
                 <a:solidFill>
-                  <a:srgbClr val="002060"/>
+                  <a:schemeClr val="bg1"/>
                 </a:solidFill>
               </a:rPr>
             </a:br>
             <a:r>
               <a:rPr lang="en-US" sz="1600" b="1" dirty="0">
                 <a:solidFill>
-                  <a:srgbClr val="002060"/>
+                  <a:schemeClr val="bg1"/>
                 </a:solidFill>
               </a:rPr>
               <a:t>Maintain Inventory:</a:t>
@@ -17285,7 +17349,7 @@
             <a:r>
               <a:rPr lang="en-US" sz="1600" dirty="0">
                 <a:solidFill>
-                  <a:srgbClr val="002060"/>
+                  <a:schemeClr val="bg1"/>
                 </a:solidFill>
               </a:rPr>
               <a:t> </a:t>
@@ -17293,7 +17357,7 @@
             <a:r>
               <a:rPr lang="en-US" sz="1400" dirty="0">
                 <a:solidFill>
-                  <a:srgbClr val="002060"/>
+                  <a:schemeClr val="bg1"/>
                 </a:solidFill>
               </a:rPr>
               <a:t>Ensure availability of top-selling office supplies and consider introducing new models.</a:t>
@@ -17301,21 +17365,21 @@
             <a:br>
               <a:rPr lang="en-US" sz="1400" dirty="0">
                 <a:solidFill>
-                  <a:srgbClr val="002060"/>
+                  <a:schemeClr val="bg1"/>
                 </a:solidFill>
               </a:rPr>
             </a:br>
             <a:br>
               <a:rPr lang="en-US" sz="1200" dirty="0">
                 <a:solidFill>
-                  <a:srgbClr val="002060"/>
+                  <a:srgbClr val="FFC000"/>
                 </a:solidFill>
               </a:rPr>
             </a:br>
             <a:r>
               <a:rPr lang="en-US" sz="2400" b="1" dirty="0">
                 <a:solidFill>
-                  <a:srgbClr val="FF0000"/>
+                  <a:srgbClr val="FFC000"/>
                 </a:solidFill>
               </a:rPr>
               <a:t>Customer Engagement and Profitability:</a:t>
@@ -17330,7 +17394,7 @@
             <a:r>
               <a:rPr lang="en-US" sz="1800" b="1" dirty="0">
                 <a:solidFill>
-                  <a:srgbClr val="002060"/>
+                  <a:schemeClr val="bg1"/>
                 </a:solidFill>
               </a:rPr>
               <a:t>High LTV Customers:</a:t>
@@ -17338,7 +17402,7 @@
             <a:r>
               <a:rPr lang="en-US" sz="1800" dirty="0">
                 <a:solidFill>
-                  <a:srgbClr val="002060"/>
+                  <a:schemeClr val="bg1"/>
                 </a:solidFill>
               </a:rPr>
               <a:t> </a:t>
@@ -17346,7 +17410,7 @@
             <a:r>
               <a:rPr lang="en-US" sz="1400" dirty="0">
                 <a:solidFill>
-                  <a:srgbClr val="002060"/>
+                  <a:schemeClr val="bg1"/>
                 </a:solidFill>
               </a:rPr>
               <a:t>Raymond Buch, Tamara Chand, Sanjit Chand, Hunter Lopez, Adrian Barton.</a:t>
@@ -17354,14 +17418,14 @@
             <a:br>
               <a:rPr lang="en-US" sz="1400" dirty="0">
                 <a:solidFill>
-                  <a:srgbClr val="002060"/>
+                  <a:schemeClr val="bg1"/>
                 </a:solidFill>
               </a:rPr>
             </a:br>
             <a:r>
               <a:rPr lang="en-US" sz="1800" b="1" dirty="0">
                 <a:solidFill>
-                  <a:srgbClr val="002060"/>
+                  <a:schemeClr val="bg1"/>
                 </a:solidFill>
               </a:rPr>
               <a:t>High Profit Margin Customers:</a:t>
@@ -17369,7 +17433,7 @@
             <a:r>
               <a:rPr lang="en-US" sz="1800" dirty="0">
                 <a:solidFill>
-                  <a:srgbClr val="002060"/>
+                  <a:schemeClr val="bg1"/>
                 </a:solidFill>
               </a:rPr>
               <a:t> </a:t>
@@ -17377,7 +17441,7 @@
             <a:r>
               <a:rPr lang="en-US" sz="1400" dirty="0">
                 <a:solidFill>
-                  <a:srgbClr val="002060"/>
+                  <a:schemeClr val="bg1"/>
                 </a:solidFill>
               </a:rPr>
               <a:t>Jenna Caffey, Tamara Chand, Raymond Buch, Steven Roelle, Bobby Odegard, Hunter Lopez.</a:t>
@@ -17385,21 +17449,21 @@
             <a:br>
               <a:rPr lang="en-US" sz="1400" dirty="0">
                 <a:solidFill>
-                  <a:srgbClr val="002060"/>
+                  <a:schemeClr val="bg1"/>
                 </a:solidFill>
               </a:rPr>
             </a:br>
             <a:br>
               <a:rPr lang="en-US" sz="1400" dirty="0">
                 <a:solidFill>
-                  <a:srgbClr val="002060"/>
+                  <a:schemeClr val="bg1"/>
                 </a:solidFill>
               </a:rPr>
             </a:br>
             <a:r>
               <a:rPr lang="en-US" sz="1800" b="1" dirty="0">
                 <a:solidFill>
-                  <a:srgbClr val="002060"/>
+                  <a:schemeClr val="bg1"/>
                 </a:solidFill>
               </a:rPr>
               <a:t>Recommendations:</a:t>
@@ -17407,14 +17471,14 @@
             <a:br>
               <a:rPr lang="en-US" sz="1400" dirty="0">
                 <a:solidFill>
-                  <a:srgbClr val="002060"/>
+                  <a:schemeClr val="bg1"/>
                 </a:solidFill>
               </a:rPr>
             </a:br>
             <a:r>
               <a:rPr lang="en-US" sz="1600" b="1" dirty="0">
                 <a:solidFill>
-                  <a:srgbClr val="002060"/>
+                  <a:schemeClr val="bg1"/>
                 </a:solidFill>
               </a:rPr>
               <a:t>Targeted Campaigns:</a:t>
@@ -17422,30 +17486,22 @@
             <a:r>
               <a:rPr lang="en-US" sz="1600" dirty="0">
                 <a:solidFill>
-                  <a:srgbClr val="002060"/>
+                  <a:schemeClr val="bg1"/>
                 </a:solidFill>
               </a:rPr>
-              <a:t> </a:t>
-            </a:r>
-            <a:r>
-              <a:rPr lang="en-US" sz="1400" dirty="0">
-                <a:solidFill>
-                  <a:srgbClr val="002060"/>
-                </a:solidFill>
-              </a:rPr>
-              <a:t>Create campaigns and bundles focusing on high-margin products (copiers, binders) for high LTV and high-margin customers.</a:t>
+              <a:t> Create campaigns and bundles focusing on high-margin products (copiers, binders) for high LTV and high-margin customers.</a:t>
             </a:r>
             <a:br>
               <a:rPr lang="en-US" sz="1400" dirty="0">
                 <a:solidFill>
-                  <a:srgbClr val="002060"/>
+                  <a:schemeClr val="bg1"/>
                 </a:solidFill>
               </a:rPr>
             </a:br>
             <a:r>
               <a:rPr lang="en-US" sz="1600" b="1" dirty="0">
                 <a:solidFill>
-                  <a:srgbClr val="002060"/>
+                  <a:schemeClr val="bg1"/>
                 </a:solidFill>
               </a:rPr>
               <a:t>Optimize Inventory:</a:t>
@@ -17453,28 +17509,21 @@
             <a:r>
               <a:rPr lang="en-US" sz="1600" dirty="0">
                 <a:solidFill>
-                  <a:srgbClr val="002060"/>
+                  <a:schemeClr val="bg1"/>
                 </a:solidFill>
               </a:rPr>
-              <a:t> </a:t>
-            </a:r>
-            <a:r>
-              <a:rPr lang="en-US" sz="1400" dirty="0">
-                <a:solidFill>
-                  <a:srgbClr val="002060"/>
+              <a:t> Ensure top products are well-stocked based on customer preferences and purchasing patterns.</a:t>
+            </a:r>
+            <a:br>
+              <a:rPr lang="en-US" sz="1600" dirty="0">
+                <a:solidFill>
+                  <a:schemeClr val="bg1"/>
                 </a:solidFill>
               </a:rPr>
-              <a:t>Ensure top products are well-stocked based on customer preferences and purchasing patterns.</a:t>
-            </a:r>
-            <a:br>
-              <a:rPr lang="en-US" dirty="0"/>
             </a:br>
-            <a:endParaRPr lang="en-US" sz="2000" dirty="0">
+            <a:endParaRPr lang="en-US" sz="1600" dirty="0">
               <a:solidFill>
-                <a:schemeClr val="tx2">
-                  <a:lumMod val="90000"/>
-                  <a:lumOff val="10000"/>
-                </a:schemeClr>
+                <a:schemeClr val="bg1"/>
               </a:solidFill>
             </a:endParaRPr>
           </a:p>
@@ -17497,7 +17546,7 @@
         <p:spPr>
           <a:xfrm>
             <a:off x="572556" y="729323"/>
-            <a:ext cx="9305961" cy="689932"/>
+            <a:ext cx="9305961" cy="628377"/>
           </a:xfrm>
           <a:prstGeom prst="rect">
             <a:avLst/>
@@ -17650,15 +17699,15 @@
           <a:p>
             <a:pPr marL="12700"/>
             <a:r>
-              <a:rPr lang="en-GB" sz="4400" dirty="0">
-                <a:solidFill>
-                  <a:schemeClr val="bg2">
-                    <a:lumMod val="25000"/>
+              <a:rPr lang="en-GB" sz="4000" dirty="0">
+                <a:solidFill>
+                  <a:schemeClr val="bg1">
+                    <a:lumMod val="85000"/>
                   </a:schemeClr>
                 </a:solidFill>
-                <a:latin typeface="Algerian" panose="04020705040A02060702" pitchFamily="82" charset="0"/>
+                <a:latin typeface="Arial Black" panose="020B0A04020102020204" pitchFamily="34" charset="0"/>
               </a:rPr>
-              <a:t>Recommendations</a:t>
+              <a:t>RECOMMENDATIONS</a:t>
             </a:r>
           </a:p>
         </p:txBody>
@@ -17769,7 +17818,7 @@
     </p:extLst>
   </p:cSld>
   <p:clrMapOvr>
-    <a:masterClrMapping/>
+    <a:overrideClrMapping bg1="lt1" tx1="dk1" bg2="lt2" tx2="dk2" accent1="accent1" accent2="accent2" accent3="accent3" accent4="accent4" accent5="accent5" accent6="accent6" hlink="hlink" folHlink="folHlink"/>
   </p:clrMapOvr>
 </p:sld>
 </file>
@@ -17924,7 +17973,9 @@
               </a:pathLst>
             </a:custGeom>
             <a:solidFill>
-              <a:srgbClr val="FFC000"/>
+              <a:schemeClr val="bg1">
+                <a:lumMod val="75000"/>
+              </a:schemeClr>
             </a:solidFill>
             <a:ln>
               <a:noFill/>
@@ -18252,33 +18303,6 @@
 <file path=ppt/slides/slide2.xml><?xml version="1.0" encoding="utf-8"?>
 <p:sld xmlns:a="http://schemas.openxmlformats.org/drawingml/2006/main" xmlns:r="http://schemas.openxmlformats.org/officeDocument/2006/relationships" xmlns:p="http://schemas.openxmlformats.org/presentationml/2006/main" showMasterSp="0">
   <p:cSld>
-    <p:bg>
-      <p:bgPr>
-        <a:gradFill>
-          <a:gsLst>
-            <a:gs pos="59500">
-              <a:srgbClr val="8B9FB2"/>
-            </a:gs>
-            <a:gs pos="50000">
-              <a:schemeClr val="bg1">
-                <a:lumMod val="95000"/>
-              </a:schemeClr>
-            </a:gs>
-            <a:gs pos="7000">
-              <a:schemeClr val="tx2">
-                <a:lumMod val="50000"/>
-                <a:lumOff val="50000"/>
-              </a:schemeClr>
-            </a:gs>
-            <a:gs pos="99000">
-              <a:srgbClr val="28336C"/>
-            </a:gs>
-          </a:gsLst>
-          <a:lin ang="5400000" scaled="1"/>
-        </a:gradFill>
-        <a:effectLst/>
-      </p:bgPr>
-    </p:bg>
     <p:spTree>
       <p:nvGrpSpPr>
         <p:cNvPr id="1" name="Shape 117"/>
@@ -18306,7 +18330,7 @@
         <p:spPr>
           <a:xfrm>
             <a:off x="182880" y="350108"/>
-            <a:ext cx="6800913" cy="715324"/>
+            <a:ext cx="6800913" cy="628377"/>
           </a:xfrm>
           <a:prstGeom prst="rect">
             <a:avLst/>
@@ -18336,23 +18360,23 @@
               <a:buNone/>
             </a:pPr>
             <a:r>
-              <a:rPr lang="en-GB" dirty="0">
-                <a:solidFill>
-                  <a:schemeClr val="tx2">
-                    <a:lumMod val="90000"/>
-                    <a:lumOff val="10000"/>
+              <a:rPr lang="en-GB" sz="4000" dirty="0">
+                <a:solidFill>
+                  <a:schemeClr val="bg1">
+                    <a:lumMod val="95000"/>
                   </a:schemeClr>
                 </a:solidFill>
+                <a:latin typeface="Arial Black" panose="020B0A04020102020204" pitchFamily="34" charset="0"/>
               </a:rPr>
               <a:t>PROJECT OVERVIEW</a:t>
             </a:r>
-            <a:endParaRPr dirty="0">
+            <a:endParaRPr sz="4000" dirty="0">
               <a:solidFill>
-                <a:schemeClr val="tx2">
-                  <a:lumMod val="90000"/>
-                  <a:lumOff val="10000"/>
+                <a:schemeClr val="bg1">
+                  <a:lumMod val="95000"/>
                 </a:schemeClr>
               </a:solidFill>
+              <a:latin typeface="Arial Black" panose="020B0A04020102020204" pitchFamily="34" charset="0"/>
             </a:endParaRPr>
           </a:p>
         </p:txBody>
@@ -18365,10 +18389,10 @@
         </p:nvGrpSpPr>
         <p:grpSpPr>
           <a:xfrm>
-            <a:off x="0" y="1411166"/>
-            <a:ext cx="17988742" cy="5194714"/>
-            <a:chOff x="0" y="1997964"/>
-            <a:chExt cx="17597628" cy="4594860"/>
+            <a:off x="0" y="1578090"/>
+            <a:ext cx="12067081" cy="5042963"/>
+            <a:chOff x="0" y="2150564"/>
+            <a:chExt cx="11727455" cy="4460632"/>
           </a:xfrm>
         </p:grpSpPr>
         <p:sp>
@@ -18379,8 +18403,8 @@
           </p:nvSpPr>
           <p:spPr>
             <a:xfrm>
-              <a:off x="0" y="1999488"/>
-              <a:ext cx="11454765" cy="782320"/>
+              <a:off x="0" y="2150564"/>
+              <a:ext cx="11454765" cy="631244"/>
             </a:xfrm>
             <a:custGeom>
               <a:avLst/>
@@ -18410,9 +18434,8 @@
               </a:pathLst>
             </a:custGeom>
             <a:solidFill>
-              <a:schemeClr val="tx2">
-                <a:lumMod val="90000"/>
-                <a:lumOff val="10000"/>
+              <a:schemeClr val="bg1">
+                <a:lumMod val="75000"/>
               </a:schemeClr>
             </a:solidFill>
             <a:ln>
@@ -18444,68 +18467,9 @@
               </a:pPr>
               <a:endParaRPr sz="1800" b="0" i="0" u="none" strike="noStrike" cap="none">
                 <a:solidFill>
-                  <a:schemeClr val="dk1"/>
-                </a:solidFill>
-                <a:latin typeface="Calibri"/>
-                <a:ea typeface="Calibri"/>
-                <a:cs typeface="Calibri"/>
-                <a:sym typeface="Calibri"/>
-              </a:endParaRPr>
-            </a:p>
-          </p:txBody>
-        </p:sp>
-        <p:sp>
-          <p:nvSpPr>
-            <p:cNvPr id="121" name="Google Shape;121;p3"/>
-            <p:cNvSpPr/>
-            <p:nvPr/>
-          </p:nvSpPr>
-          <p:spPr>
-            <a:xfrm>
-              <a:off x="6082284" y="2051304"/>
-              <a:ext cx="11515344" cy="4541520"/>
-            </a:xfrm>
-            <a:prstGeom prst="rect">
-              <a:avLst/>
-            </a:prstGeom>
-            <a:blipFill rotWithShape="1">
-              <a:blip r:embed="rId3">
-                <a:alphaModFix/>
-              </a:blip>
-              <a:stretch>
-                <a:fillRect/>
-              </a:stretch>
-            </a:blipFill>
-            <a:ln>
-              <a:noFill/>
-            </a:ln>
-          </p:spPr>
-          <p:txBody>
-            <a:bodyPr spcFirstLastPara="1" wrap="square" lIns="0" tIns="0" rIns="0" bIns="0" anchor="t" anchorCtr="0">
-              <a:noAutofit/>
-            </a:bodyPr>
-            <a:lstStyle/>
-            <a:p>
-              <a:pPr marL="0" marR="0" lvl="0" indent="0" algn="l" rtl="0">
-                <a:lnSpc>
-                  <a:spcPct val="100000"/>
-                </a:lnSpc>
-                <a:spcBef>
-                  <a:spcPts val="0"/>
-                </a:spcBef>
-                <a:spcAft>
-                  <a:spcPts val="0"/>
-                </a:spcAft>
-                <a:buClr>
-                  <a:srgbClr val="000000"/>
-                </a:buClr>
-                <a:buSzPts val="1800"/>
-                <a:buFont typeface="Arial"/>
-                <a:buNone/>
-              </a:pPr>
-              <a:endParaRPr sz="1800" b="0" i="0" u="none" strike="noStrike" cap="none">
-                <a:solidFill>
-                  <a:schemeClr val="dk1"/>
+                  <a:schemeClr val="bg1">
+                    <a:lumMod val="95000"/>
+                  </a:schemeClr>
                 </a:solidFill>
                 <a:latin typeface="Calibri"/>
                 <a:ea typeface="Calibri"/>
@@ -18523,7 +18487,7 @@
           </p:nvSpPr>
           <p:spPr>
             <a:xfrm>
-              <a:off x="0" y="2325624"/>
+              <a:off x="0" y="2343996"/>
               <a:ext cx="11383010" cy="4267200"/>
             </a:xfrm>
             <a:custGeom>
@@ -18554,9 +18518,92 @@
               </a:pathLst>
             </a:custGeom>
             <a:solidFill>
-              <a:schemeClr val="tx2">
-                <a:lumMod val="10000"/>
-                <a:lumOff val="90000"/>
+              <a:schemeClr val="bg1"/>
+            </a:solidFill>
+            <a:ln>
+              <a:noFill/>
+            </a:ln>
+            <a:effectLst/>
+          </p:spPr>
+          <p:txBody>
+            <a:bodyPr spcFirstLastPara="1" wrap="square" lIns="0" tIns="0" rIns="0" bIns="0" anchor="t" anchorCtr="0">
+              <a:noAutofit/>
+            </a:bodyPr>
+            <a:lstStyle/>
+            <a:p>
+              <a:pPr marL="0" marR="0" lvl="0" indent="0" algn="l" rtl="0">
+                <a:lnSpc>
+                  <a:spcPct val="100000"/>
+                </a:lnSpc>
+                <a:spcBef>
+                  <a:spcPts val="0"/>
+                </a:spcBef>
+                <a:spcAft>
+                  <a:spcPts val="0"/>
+                </a:spcAft>
+                <a:buClr>
+                  <a:srgbClr val="000000"/>
+                </a:buClr>
+                <a:buSzPts val="1800"/>
+                <a:buFont typeface="Arial"/>
+                <a:buNone/>
+              </a:pPr>
+              <a:endParaRPr sz="1800" b="0" i="0" u="none" strike="noStrike" cap="none" dirty="0">
+                <a:solidFill>
+                  <a:schemeClr val="tx1">
+                    <a:lumMod val="95000"/>
+                    <a:lumOff val="5000"/>
+                  </a:schemeClr>
+                </a:solidFill>
+                <a:latin typeface="Calibri"/>
+                <a:ea typeface="Calibri"/>
+                <a:cs typeface="Calibri"/>
+                <a:sym typeface="Calibri"/>
+              </a:endParaRPr>
+            </a:p>
+          </p:txBody>
+        </p:sp>
+        <p:sp>
+          <p:nvSpPr>
+            <p:cNvPr id="123" name="Google Shape;123;p3"/>
+            <p:cNvSpPr/>
+            <p:nvPr/>
+          </p:nvSpPr>
+          <p:spPr>
+            <a:xfrm flipH="1">
+              <a:off x="11568176" y="2150564"/>
+              <a:ext cx="159279" cy="631244"/>
+            </a:xfrm>
+            <a:custGeom>
+              <a:avLst/>
+              <a:gdLst/>
+              <a:ahLst/>
+              <a:cxnLst/>
+              <a:rect l="l" t="t" r="r" b="b"/>
+              <a:pathLst>
+                <a:path w="152400" h="782319" extrusionOk="0">
+                  <a:moveTo>
+                    <a:pt x="152400" y="0"/>
+                  </a:moveTo>
+                  <a:lnTo>
+                    <a:pt x="0" y="0"/>
+                  </a:lnTo>
+                  <a:lnTo>
+                    <a:pt x="0" y="781812"/>
+                  </a:lnTo>
+                  <a:lnTo>
+                    <a:pt x="152400" y="781812"/>
+                  </a:lnTo>
+                  <a:lnTo>
+                    <a:pt x="152400" y="0"/>
+                  </a:lnTo>
+                  <a:close/>
+                </a:path>
+              </a:pathLst>
+            </a:custGeom>
+            <a:solidFill>
+              <a:schemeClr val="bg1">
+                <a:lumMod val="75000"/>
               </a:schemeClr>
             </a:solidFill>
             <a:ln>
@@ -18586,89 +18633,11 @@
                 <a:buFont typeface="Arial"/>
                 <a:buNone/>
               </a:pPr>
-              <a:endParaRPr sz="1800" b="0" i="0" u="none" strike="noStrike" cap="none" dirty="0">
-                <a:solidFill>
-                  <a:schemeClr val="dk1"/>
-                </a:solidFill>
-                <a:latin typeface="Calibri"/>
-                <a:ea typeface="Calibri"/>
-                <a:cs typeface="Calibri"/>
-                <a:sym typeface="Calibri"/>
-              </a:endParaRPr>
-            </a:p>
-          </p:txBody>
-        </p:sp>
-        <p:sp>
-          <p:nvSpPr>
-            <p:cNvPr id="123" name="Google Shape;123;p3"/>
-            <p:cNvSpPr/>
-            <p:nvPr/>
-          </p:nvSpPr>
-          <p:spPr>
-            <a:xfrm>
-              <a:off x="11542776" y="1997964"/>
-              <a:ext cx="152400" cy="782320"/>
-            </a:xfrm>
-            <a:custGeom>
-              <a:avLst/>
-              <a:gdLst/>
-              <a:ahLst/>
-              <a:cxnLst/>
-              <a:rect l="l" t="t" r="r" b="b"/>
-              <a:pathLst>
-                <a:path w="152400" h="782319" extrusionOk="0">
-                  <a:moveTo>
-                    <a:pt x="152400" y="0"/>
-                  </a:moveTo>
-                  <a:lnTo>
-                    <a:pt x="0" y="0"/>
-                  </a:lnTo>
-                  <a:lnTo>
-                    <a:pt x="0" y="781812"/>
-                  </a:lnTo>
-                  <a:lnTo>
-                    <a:pt x="152400" y="781812"/>
-                  </a:lnTo>
-                  <a:lnTo>
-                    <a:pt x="152400" y="0"/>
-                  </a:lnTo>
-                  <a:close/>
-                </a:path>
-              </a:pathLst>
-            </a:custGeom>
-            <a:solidFill>
-              <a:srgbClr val="28336C"/>
-            </a:solidFill>
-            <a:ln>
-              <a:noFill/>
-            </a:ln>
-          </p:spPr>
-          <p:txBody>
-            <a:bodyPr spcFirstLastPara="1" wrap="square" lIns="0" tIns="0" rIns="0" bIns="0" anchor="t" anchorCtr="0">
-              <a:noAutofit/>
-            </a:bodyPr>
-            <a:lstStyle/>
-            <a:p>
-              <a:pPr marL="0" marR="0" lvl="0" indent="0" algn="l" rtl="0">
-                <a:lnSpc>
-                  <a:spcPct val="100000"/>
-                </a:lnSpc>
-                <a:spcBef>
-                  <a:spcPts val="0"/>
-                </a:spcBef>
-                <a:spcAft>
-                  <a:spcPts val="0"/>
-                </a:spcAft>
-                <a:buClr>
-                  <a:srgbClr val="000000"/>
-                </a:buClr>
-                <a:buSzPts val="1800"/>
-                <a:buFont typeface="Arial"/>
-                <a:buNone/>
-              </a:pPr>
               <a:endParaRPr sz="1800" b="0" i="0" u="none" strike="noStrike" cap="none">
                 <a:solidFill>
-                  <a:schemeClr val="dk1"/>
+                  <a:schemeClr val="bg1">
+                    <a:lumMod val="95000"/>
+                  </a:schemeClr>
                 </a:solidFill>
                 <a:latin typeface="Calibri"/>
                 <a:ea typeface="Calibri"/>
@@ -18801,7 +18770,7 @@
               </a:pathLst>
             </a:custGeom>
             <a:solidFill>
-              <a:srgbClr val="5B9BD4"/>
+              <a:schemeClr val="bg1"/>
             </a:solidFill>
             <a:ln>
               <a:noFill/>
@@ -18832,7 +18801,10 @@
               </a:pPr>
               <a:endParaRPr sz="1800" b="0" i="0" u="none" strike="noStrike" cap="none">
                 <a:solidFill>
-                  <a:schemeClr val="dk1"/>
+                  <a:schemeClr val="tx1">
+                    <a:lumMod val="95000"/>
+                    <a:lumOff val="5000"/>
+                  </a:schemeClr>
                 </a:solidFill>
                 <a:latin typeface="Calibri"/>
                 <a:ea typeface="Calibri"/>
@@ -18967,7 +18939,7 @@
             <a:noFill/>
             <a:ln w="12700" cap="flat" cmpd="sng">
               <a:solidFill>
-                <a:srgbClr val="FFFFFF"/>
+                <a:schemeClr val="tx1"/>
               </a:solidFill>
               <a:prstDash val="solid"/>
               <a:round/>
@@ -19000,7 +18972,10 @@
               </a:pPr>
               <a:endParaRPr sz="1800" b="0" i="0" u="none" strike="noStrike" cap="none">
                 <a:solidFill>
-                  <a:schemeClr val="dk1"/>
+                  <a:schemeClr val="tx1">
+                    <a:lumMod val="95000"/>
+                    <a:lumOff val="5000"/>
+                  </a:schemeClr>
                 </a:solidFill>
                 <a:latin typeface="Calibri"/>
                 <a:ea typeface="Calibri"/>
@@ -19047,12 +19022,6 @@
             </a:pPr>
             <a:r>
               <a:rPr lang="en-US" sz="2000" b="1" kern="100" dirty="0">
-                <a:solidFill>
-                  <a:schemeClr val="bg1">
-                    <a:lumMod val="85000"/>
-                    <a:lumOff val="15000"/>
-                  </a:schemeClr>
-                </a:solidFill>
                 <a:effectLst/>
                 <a:latin typeface="Aptos" panose="020B0004020202020204" pitchFamily="34" charset="0"/>
                 <a:ea typeface="Aptos" panose="020B0004020202020204" pitchFamily="34" charset="0"/>
@@ -19061,12 +19030,6 @@
               <a:t>This project is dedicated to analyzing sales order data to drive strategic improvements and enhance profitability. Our goal was to extract meaningful insights that can directly impact business decisions and operations.</a:t>
             </a:r>
             <a:endParaRPr lang="en-IN" sz="2000" kern="100" dirty="0">
-              <a:solidFill>
-                <a:schemeClr val="bg1">
-                  <a:lumMod val="85000"/>
-                  <a:lumOff val="15000"/>
-                </a:schemeClr>
-              </a:solidFill>
               <a:effectLst/>
               <a:latin typeface="Aptos" panose="020B0004020202020204" pitchFamily="34" charset="0"/>
               <a:ea typeface="Aptos" panose="020B0004020202020204" pitchFamily="34" charset="0"/>
@@ -19136,7 +19099,7 @@
           <a:noFill/>
           <a:ln w="12700" cap="flat" cmpd="sng">
             <a:solidFill>
-              <a:srgbClr val="4471C4"/>
+              <a:schemeClr val="tx1"/>
             </a:solidFill>
             <a:prstDash val="solid"/>
             <a:round/>
@@ -19207,9 +19170,9 @@
             <a:r>
               <a:rPr lang="en-US" sz="2000" b="1" dirty="0">
                 <a:solidFill>
-                  <a:schemeClr val="tx2">
-                    <a:lumMod val="90000"/>
-                    <a:lumOff val="10000"/>
+                  <a:schemeClr val="tx1">
+                    <a:lumMod val="95000"/>
+                    <a:lumOff val="5000"/>
                   </a:schemeClr>
                 </a:solidFill>
               </a:rPr>
@@ -19220,9 +19183,9 @@
             <a:r>
               <a:rPr lang="en-US" b="1" dirty="0">
                 <a:solidFill>
-                  <a:schemeClr val="tx2">
-                    <a:lumMod val="90000"/>
-                    <a:lumOff val="10000"/>
+                  <a:schemeClr val="tx1">
+                    <a:lumMod val="95000"/>
+                    <a:lumOff val="5000"/>
                   </a:schemeClr>
                 </a:solidFill>
               </a:rPr>
@@ -19230,9 +19193,9 @@
             </a:r>
             <a:endParaRPr lang="en-US" dirty="0">
               <a:solidFill>
-                <a:schemeClr val="tx2">
-                  <a:lumMod val="90000"/>
-                  <a:lumOff val="10000"/>
+                <a:schemeClr val="tx1">
+                  <a:lumMod val="95000"/>
+                  <a:lumOff val="5000"/>
                 </a:schemeClr>
               </a:solidFill>
             </a:endParaRPr>
@@ -19257,8 +19220,8 @@
             </a:pPr>
             <a:endParaRPr sz="2000" b="0" i="0" u="none" strike="noStrike" cap="none" dirty="0">
               <a:solidFill>
-                <a:schemeClr val="accent6">
-                  <a:lumMod val="50000"/>
+                <a:schemeClr val="bg1">
+                  <a:lumMod val="65000"/>
                 </a:schemeClr>
               </a:solidFill>
               <a:latin typeface="Carlito"/>
@@ -19300,7 +19263,7 @@
           <a:noFill/>
           <a:ln w="12700" cap="flat" cmpd="sng">
             <a:solidFill>
-              <a:srgbClr val="4471C4"/>
+              <a:schemeClr val="tx1"/>
             </a:solidFill>
             <a:prstDash val="solid"/>
             <a:round/>
@@ -19333,7 +19296,10 @@
             </a:pPr>
             <a:endParaRPr sz="1800" b="0" i="0" u="none" strike="noStrike" cap="none">
               <a:solidFill>
-                <a:schemeClr val="dk1"/>
+                <a:schemeClr val="tx1">
+                  <a:lumMod val="95000"/>
+                  <a:lumOff val="5000"/>
+                </a:schemeClr>
               </a:solidFill>
               <a:latin typeface="Calibri"/>
               <a:ea typeface="Calibri"/>
@@ -19388,9 +19354,9 @@
             <a:r>
               <a:rPr lang="en-GB" sz="2000" b="1" i="0" u="none" strike="noStrike" cap="none" dirty="0">
                 <a:solidFill>
-                  <a:schemeClr val="tx2">
-                    <a:lumMod val="90000"/>
-                    <a:lumOff val="10000"/>
+                  <a:schemeClr val="tx1">
+                    <a:lumMod val="95000"/>
+                    <a:lumOff val="5000"/>
                   </a:schemeClr>
                 </a:solidFill>
                 <a:latin typeface="Carlito"/>
@@ -19402,9 +19368,9 @@
             </a:r>
             <a:endParaRPr sz="2000" b="1" i="0" u="none" strike="noStrike" cap="none" dirty="0">
               <a:solidFill>
-                <a:schemeClr val="tx2">
-                  <a:lumMod val="90000"/>
-                  <a:lumOff val="10000"/>
+                <a:schemeClr val="tx1">
+                  <a:lumMod val="95000"/>
+                  <a:lumOff val="5000"/>
                 </a:schemeClr>
               </a:solidFill>
               <a:latin typeface="Carlito"/>
@@ -19434,9 +19400,9 @@
             <a:r>
               <a:rPr lang="en-GB" sz="2000" b="1" i="0" u="none" strike="noStrike" cap="none" dirty="0">
                 <a:solidFill>
-                  <a:schemeClr val="tx2">
-                    <a:lumMod val="90000"/>
-                    <a:lumOff val="10000"/>
+                  <a:schemeClr val="tx1">
+                    <a:lumMod val="95000"/>
+                    <a:lumOff val="5000"/>
                   </a:schemeClr>
                 </a:solidFill>
                 <a:latin typeface="Carlito"/>
@@ -19448,9 +19414,9 @@
             </a:r>
             <a:endParaRPr sz="2000" b="1" i="0" u="none" strike="noStrike" cap="none" dirty="0">
               <a:solidFill>
-                <a:schemeClr val="tx2">
-                  <a:lumMod val="90000"/>
-                  <a:lumOff val="10000"/>
+                <a:schemeClr val="tx1">
+                  <a:lumMod val="95000"/>
+                  <a:lumOff val="5000"/>
                 </a:schemeClr>
               </a:solidFill>
               <a:latin typeface="Carlito"/>
@@ -19492,7 +19458,7 @@
           <a:noFill/>
           <a:ln w="12700" cap="flat" cmpd="sng">
             <a:solidFill>
-              <a:srgbClr val="4471C4"/>
+              <a:schemeClr val="tx1"/>
             </a:solidFill>
             <a:prstDash val="solid"/>
             <a:round/>
@@ -19546,34 +19512,6 @@
 <file path=ppt/slides/slide3.xml><?xml version="1.0" encoding="utf-8"?>
 <p:sld xmlns:a="http://schemas.openxmlformats.org/drawingml/2006/main" xmlns:r="http://schemas.openxmlformats.org/officeDocument/2006/relationships" xmlns:p="http://schemas.openxmlformats.org/presentationml/2006/main" showMasterSp="0">
   <p:cSld>
-    <p:bg>
-      <p:bgPr>
-        <a:gradFill>
-          <a:gsLst>
-            <a:gs pos="50000">
-              <a:schemeClr val="bg1">
-                <a:lumMod val="95000"/>
-                <a:lumOff val="5000"/>
-              </a:schemeClr>
-            </a:gs>
-            <a:gs pos="0">
-              <a:schemeClr val="bg1">
-                <a:lumMod val="65000"/>
-                <a:lumOff val="35000"/>
-              </a:schemeClr>
-            </a:gs>
-            <a:gs pos="100000">
-              <a:schemeClr val="bg1">
-                <a:lumMod val="95000"/>
-                <a:lumOff val="5000"/>
-              </a:schemeClr>
-            </a:gs>
-          </a:gsLst>
-          <a:lin ang="5400000" scaled="1"/>
-        </a:gradFill>
-        <a:effectLst/>
-      </p:bgPr>
-    </p:bg>
     <p:spTree>
       <p:nvGrpSpPr>
         <p:cNvPr id="1" name="Shape 44"/>
@@ -19601,7 +19539,7 @@
         <p:spPr>
           <a:xfrm>
             <a:off x="304800" y="858400"/>
-            <a:ext cx="6019799" cy="651460"/>
+            <a:ext cx="6019799" cy="628377"/>
           </a:xfrm>
           <a:prstGeom prst="rect">
             <a:avLst/>
@@ -19631,17 +19569,23 @@
               <a:buNone/>
             </a:pPr>
             <a:r>
-              <a:rPr lang="en-GB" b="1" dirty="0">
-                <a:solidFill>
-                  <a:srgbClr val="92D050"/>
-                </a:solidFill>
+              <a:rPr lang="en-GB" sz="4000" b="1" dirty="0">
+                <a:solidFill>
+                  <a:schemeClr val="bg1">
+                    <a:lumMod val="95000"/>
+                  </a:schemeClr>
+                </a:solidFill>
+                <a:latin typeface="Arial Black" panose="020B0A04020102020204" pitchFamily="34" charset="0"/>
               </a:rPr>
               <a:t>INTRODUCTION</a:t>
             </a:r>
-            <a:endParaRPr b="1" dirty="0">
+            <a:endParaRPr sz="4000" b="1" dirty="0">
               <a:solidFill>
-                <a:srgbClr val="92D050"/>
+                <a:schemeClr val="bg1">
+                  <a:lumMod val="95000"/>
+                </a:schemeClr>
               </a:solidFill>
+              <a:latin typeface="Arial Black" panose="020B0A04020102020204" pitchFamily="34" charset="0"/>
             </a:endParaRPr>
           </a:p>
         </p:txBody>
@@ -19654,7 +19598,7 @@
         </p:nvGrpSpPr>
         <p:grpSpPr>
           <a:xfrm>
-            <a:off x="304800" y="1892968"/>
+            <a:off x="769" y="1892968"/>
             <a:ext cx="11390383" cy="4837016"/>
             <a:chOff x="0" y="1997964"/>
             <a:chExt cx="11695176" cy="4732020"/>
@@ -19699,7 +19643,9 @@
               </a:pathLst>
             </a:custGeom>
             <a:solidFill>
-              <a:srgbClr val="FFC000"/>
+              <a:schemeClr val="bg1">
+                <a:lumMod val="85000"/>
+              </a:schemeClr>
             </a:solidFill>
             <a:ln>
               <a:noFill/>
@@ -19990,6 +19936,36 @@
           <a:prstGeom prst="rect">
             <a:avLst/>
           </a:prstGeom>
+          <a:solidFill>
+            <a:srgbClr val="FFFFFF">
+              <a:shade val="85000"/>
+            </a:srgbClr>
+          </a:solidFill>
+          <a:ln w="88900" cap="sq">
+            <a:solidFill>
+              <a:srgbClr val="FFFFFF"/>
+            </a:solidFill>
+            <a:miter lim="800000"/>
+          </a:ln>
+          <a:effectLst>
+            <a:outerShdw blurRad="55000" dist="18000" dir="5400000" algn="tl" rotWithShape="0">
+              <a:srgbClr val="000000">
+                <a:alpha val="40000"/>
+              </a:srgbClr>
+            </a:outerShdw>
+          </a:effectLst>
+          <a:scene3d>
+            <a:camera prst="orthographicFront"/>
+            <a:lightRig rig="twoPt" dir="t">
+              <a:rot lat="0" lon="0" rev="7200000"/>
+            </a:lightRig>
+          </a:scene3d>
+          <a:sp3d>
+            <a:bevelT w="25400" h="19050"/>
+            <a:contourClr>
+              <a:srgbClr val="FFFFFF"/>
+            </a:contourClr>
+          </a:sp3d>
         </p:spPr>
       </p:pic>
       <p:sp>
@@ -20006,7 +19982,7 @@
         </p:nvSpPr>
         <p:spPr>
           <a:xfrm>
-            <a:off x="1002082" y="3133933"/>
+            <a:off x="714803" y="3186588"/>
             <a:ext cx="9304422" cy="3161935"/>
           </a:xfrm>
           <a:prstGeom prst="rect">
@@ -20055,8 +20031,8 @@
         </p:nvSpPr>
         <p:spPr bwMode="auto">
           <a:xfrm>
-            <a:off x="1258048" y="3426713"/>
-            <a:ext cx="8559720" cy="1815882"/>
+            <a:off x="1258048" y="3195881"/>
+            <a:ext cx="8559720" cy="2277547"/>
           </a:xfrm>
           <a:prstGeom prst="rect">
             <a:avLst/>
@@ -20121,30 +20097,20 @@
               <a:tabLst/>
             </a:pPr>
             <a:r>
-              <a:rPr kumimoji="0" lang="en-US" altLang="en-US" sz="1600" b="1" i="0" u="none" strike="noStrike" cap="none" normalizeH="0" baseline="0" dirty="0">
+              <a:rPr kumimoji="0" lang="en-US" altLang="en-US" b="1" i="0" u="none" strike="noStrike" cap="none" normalizeH="0" baseline="0" dirty="0">
                 <a:ln>
                   <a:noFill/>
                 </a:ln>
-                <a:solidFill>
-                  <a:schemeClr val="accent4">
-                    <a:lumMod val="50000"/>
-                  </a:schemeClr>
-                </a:solidFill>
                 <a:effectLst/>
                 <a:latin typeface="Arial" panose="020B0604020202020204" pitchFamily="34" charset="0"/>
               </a:rPr>
               <a:t> Background:</a:t>
             </a:r>
             <a:r>
-              <a:rPr kumimoji="0" lang="en-US" altLang="en-US" sz="1600" b="0" i="0" u="none" strike="noStrike" cap="none" normalizeH="0" baseline="0" dirty="0">
+              <a:rPr kumimoji="0" lang="en-US" altLang="en-US" b="0" i="0" u="none" strike="noStrike" cap="none" normalizeH="0" baseline="0" dirty="0">
                 <a:ln>
                   <a:noFill/>
                 </a:ln>
-                <a:solidFill>
-                  <a:schemeClr val="accent4">
-                    <a:lumMod val="50000"/>
-                  </a:schemeClr>
-                </a:solidFill>
                 <a:effectLst/>
                 <a:latin typeface="Arial" panose="020B0604020202020204" pitchFamily="34" charset="0"/>
                 <a:cs typeface="Arial" panose="020B0604020202020204" pitchFamily="34" charset="0"/>
@@ -20152,54 +20118,30 @@
               <a:t> </a:t>
             </a:r>
             <a:r>
-              <a:rPr lang="en-US" sz="1600" dirty="0">
-                <a:solidFill>
-                  <a:schemeClr val="tx2">
-                    <a:lumMod val="90000"/>
-                    <a:lumOff val="10000"/>
-                  </a:schemeClr>
-                </a:solidFill>
+              <a:rPr lang="en-US" dirty="0">
                 <a:latin typeface="Arial" panose="020B0604020202020204" pitchFamily="34" charset="0"/>
                 <a:cs typeface="Arial" panose="020B0604020202020204" pitchFamily="34" charset="0"/>
               </a:rPr>
               <a:t>This project involves analyzing orders data from a US Superstore to evaluate and enhance its sales performance </a:t>
             </a:r>
             <a:r>
-              <a:rPr lang="en-IN" sz="1600" dirty="0">
-                <a:solidFill>
-                  <a:schemeClr val="tx2">
-                    <a:lumMod val="90000"/>
-                    <a:lumOff val="10000"/>
-                  </a:schemeClr>
-                </a:solidFill>
+              <a:rPr lang="en-IN" dirty="0">
                 <a:latin typeface="Arial" panose="020B0604020202020204" pitchFamily="34" charset="0"/>
                 <a:cs typeface="Arial" panose="020B0604020202020204" pitchFamily="34" charset="0"/>
               </a:rPr>
               <a:t>and boosting profitability</a:t>
             </a:r>
             <a:r>
-              <a:rPr lang="en-US" sz="1600" dirty="0">
-                <a:solidFill>
-                  <a:schemeClr val="tx2">
-                    <a:lumMod val="90000"/>
-                    <a:lumOff val="10000"/>
-                  </a:schemeClr>
-                </a:solidFill>
+              <a:rPr lang="en-US" dirty="0">
                 <a:latin typeface="Arial" panose="020B0604020202020204" pitchFamily="34" charset="0"/>
                 <a:cs typeface="Arial" panose="020B0604020202020204" pitchFamily="34" charset="0"/>
               </a:rPr>
               <a:t>. Understanding these aspects is essential for identifying strengths and areas for improvement within the store’s operations.</a:t>
             </a:r>
-            <a:endParaRPr kumimoji="0" lang="en-US" altLang="en-US" sz="1600" b="0" i="0" u="none" strike="noStrike" cap="none" normalizeH="0" baseline="0" dirty="0">
+            <a:endParaRPr kumimoji="0" lang="en-US" altLang="en-US" b="0" i="0" u="none" strike="noStrike" cap="none" normalizeH="0" baseline="0" dirty="0">
               <a:ln>
                 <a:noFill/>
               </a:ln>
-              <a:solidFill>
-                <a:schemeClr val="tx2">
-                  <a:lumMod val="90000"/>
-                  <a:lumOff val="10000"/>
-                </a:schemeClr>
-              </a:solidFill>
               <a:effectLst/>
               <a:latin typeface="Arial" panose="020B0604020202020204" pitchFamily="34" charset="0"/>
               <a:cs typeface="Arial" panose="020B0604020202020204" pitchFamily="34" charset="0"/>
@@ -20223,30 +20165,20 @@
               <a:tabLst/>
             </a:pPr>
             <a:r>
-              <a:rPr kumimoji="0" lang="en-US" altLang="en-US" sz="1600" b="1" i="0" u="none" strike="noStrike" cap="none" normalizeH="0" baseline="0" dirty="0">
+              <a:rPr kumimoji="0" lang="en-US" altLang="en-US" b="1" i="0" u="none" strike="noStrike" cap="none" normalizeH="0" baseline="0" dirty="0">
                 <a:ln>
                   <a:noFill/>
                 </a:ln>
-                <a:solidFill>
-                  <a:schemeClr val="accent4">
-                    <a:lumMod val="50000"/>
-                  </a:schemeClr>
-                </a:solidFill>
                 <a:effectLst/>
                 <a:latin typeface="Arial" panose="020B0604020202020204" pitchFamily="34" charset="0"/>
               </a:rPr>
               <a:t> Context:</a:t>
             </a:r>
             <a:r>
-              <a:rPr kumimoji="0" lang="en-US" altLang="en-US" sz="1600" b="0" i="0" u="none" strike="noStrike" cap="none" normalizeH="0" baseline="0" dirty="0">
+              <a:rPr kumimoji="0" lang="en-US" altLang="en-US" b="0" i="0" u="none" strike="noStrike" cap="none" normalizeH="0" baseline="0" dirty="0">
                 <a:ln>
                   <a:noFill/>
                 </a:ln>
-                <a:solidFill>
-                  <a:schemeClr val="accent4">
-                    <a:lumMod val="50000"/>
-                  </a:schemeClr>
-                </a:solidFill>
                 <a:effectLst/>
                 <a:latin typeface="Arial" panose="020B0604020202020204" pitchFamily="34" charset="0"/>
               </a:rPr>
@@ -20271,15 +20203,10 @@
               <a:tabLst/>
             </a:pPr>
             <a:r>
-              <a:rPr kumimoji="0" lang="en-US" altLang="en-US" sz="1600" b="1" i="0" u="none" strike="noStrike" cap="none" normalizeH="0" baseline="0" dirty="0">
+              <a:rPr kumimoji="0" lang="en-US" altLang="en-US" b="1" i="0" u="none" strike="noStrike" cap="none" normalizeH="0" baseline="0" dirty="0">
                 <a:ln>
                   <a:noFill/>
                 </a:ln>
-                <a:solidFill>
-                  <a:schemeClr val="accent4">
-                    <a:lumMod val="50000"/>
-                  </a:schemeClr>
-                </a:solidFill>
                 <a:effectLst/>
                 <a:latin typeface="Arial" panose="020B0604020202020204" pitchFamily="34" charset="0"/>
               </a:rPr>
@@ -20343,8 +20270,8 @@
         </p:nvSpPr>
         <p:spPr bwMode="auto">
           <a:xfrm>
-            <a:off x="1805612" y="5042093"/>
-            <a:ext cx="8213613" cy="1077218"/>
+            <a:off x="1805612" y="5102209"/>
+            <a:ext cx="8213613" cy="1200329"/>
           </a:xfrm>
           <a:prstGeom prst="rect">
             <a:avLst/>
@@ -20409,32 +20336,20 @@
               <a:tabLst/>
             </a:pPr>
             <a:r>
-              <a:rPr kumimoji="0" lang="en-US" altLang="en-US" sz="1600" b="1" i="0" u="none" strike="noStrike" cap="none" normalizeH="0" baseline="0" dirty="0">
+              <a:rPr kumimoji="0" lang="en-US" altLang="en-US" b="1" i="0" u="none" strike="noStrike" cap="none" normalizeH="0" baseline="0" dirty="0">
                 <a:ln>
                   <a:noFill/>
                 </a:ln>
-                <a:solidFill>
-                  <a:schemeClr val="tx2">
-                    <a:lumMod val="90000"/>
-                    <a:lumOff val="10000"/>
-                  </a:schemeClr>
-                </a:solidFill>
                 <a:effectLst/>
                 <a:latin typeface="Arial" panose="020B0604020202020204" pitchFamily="34" charset="0"/>
               </a:rPr>
               <a:t>Data Cleaning and Quality:</a:t>
             </a:r>
             <a:r>
-              <a:rPr kumimoji="0" lang="en-US" altLang="en-US" sz="1600" b="0" i="0" u="none" strike="noStrike" cap="none" normalizeH="0" baseline="0" dirty="0">
+              <a:rPr kumimoji="0" lang="en-US" altLang="en-US" b="0" i="0" u="none" strike="noStrike" cap="none" normalizeH="0" baseline="0" dirty="0">
                 <a:ln>
                   <a:noFill/>
                 </a:ln>
-                <a:solidFill>
-                  <a:schemeClr val="tx2">
-                    <a:lumMod val="90000"/>
-                    <a:lumOff val="10000"/>
-                  </a:schemeClr>
-                </a:solidFill>
                 <a:effectLst/>
                 <a:latin typeface="Arial" panose="020B0604020202020204" pitchFamily="34" charset="0"/>
               </a:rPr>
@@ -20459,32 +20374,20 @@
               <a:tabLst/>
             </a:pPr>
             <a:r>
-              <a:rPr kumimoji="0" lang="en-US" altLang="en-US" sz="1600" b="1" i="0" u="none" strike="noStrike" cap="none" normalizeH="0" baseline="0" dirty="0">
+              <a:rPr kumimoji="0" lang="en-US" altLang="en-US" b="1" i="0" u="none" strike="noStrike" cap="none" normalizeH="0" baseline="0" dirty="0">
                 <a:ln>
                   <a:noFill/>
                 </a:ln>
-                <a:solidFill>
-                  <a:schemeClr val="tx2">
-                    <a:lumMod val="90000"/>
-                    <a:lumOff val="10000"/>
-                  </a:schemeClr>
-                </a:solidFill>
                 <a:effectLst/>
                 <a:latin typeface="Arial" panose="020B0604020202020204" pitchFamily="34" charset="0"/>
               </a:rPr>
               <a:t>DAX Measures:</a:t>
             </a:r>
             <a:r>
-              <a:rPr kumimoji="0" lang="en-US" altLang="en-US" sz="1600" b="0" i="0" u="none" strike="noStrike" cap="none" normalizeH="0" baseline="0" dirty="0">
+              <a:rPr kumimoji="0" lang="en-US" altLang="en-US" b="0" i="0" u="none" strike="noStrike" cap="none" normalizeH="0" baseline="0" dirty="0">
                 <a:ln>
                   <a:noFill/>
                 </a:ln>
-                <a:solidFill>
-                  <a:schemeClr val="tx2">
-                    <a:lumMod val="90000"/>
-                    <a:lumOff val="10000"/>
-                  </a:schemeClr>
-                </a:solidFill>
                 <a:effectLst/>
                 <a:latin typeface="Arial" panose="020B0604020202020204" pitchFamily="34" charset="0"/>
               </a:rPr>
@@ -20504,46 +20407,6 @@
 <file path=ppt/slides/slide4.xml><?xml version="1.0" encoding="utf-8"?>
 <p:sld xmlns:a="http://schemas.openxmlformats.org/drawingml/2006/main" xmlns:r="http://schemas.openxmlformats.org/officeDocument/2006/relationships" xmlns:p="http://schemas.openxmlformats.org/presentationml/2006/main" showMasterSp="0">
   <p:cSld>
-    <p:bg>
-      <p:bgPr>
-        <a:gradFill>
-          <a:gsLst>
-            <a:gs pos="92000">
-              <a:schemeClr val="tx2">
-                <a:lumMod val="90000"/>
-                <a:lumOff val="10000"/>
-              </a:schemeClr>
-            </a:gs>
-            <a:gs pos="47000">
-              <a:schemeClr val="tx2">
-                <a:lumMod val="50000"/>
-                <a:lumOff val="50000"/>
-              </a:schemeClr>
-            </a:gs>
-            <a:gs pos="55000">
-              <a:schemeClr val="tx2">
-                <a:lumMod val="50000"/>
-                <a:lumOff val="50000"/>
-              </a:schemeClr>
-            </a:gs>
-            <a:gs pos="23000">
-              <a:schemeClr val="tx2">
-                <a:lumMod val="90000"/>
-                <a:lumOff val="10000"/>
-              </a:schemeClr>
-            </a:gs>
-            <a:gs pos="100000">
-              <a:schemeClr val="tx1">
-                <a:lumMod val="95000"/>
-                <a:lumOff val="5000"/>
-              </a:schemeClr>
-            </a:gs>
-          </a:gsLst>
-          <a:lin ang="5400000" scaled="1"/>
-        </a:gradFill>
-        <a:effectLst/>
-      </p:bgPr>
-    </p:bg>
     <p:spTree>
       <p:nvGrpSpPr>
         <p:cNvPr id="1" name="Shape 96"/>
@@ -20571,7 +20434,7 @@
         <p:spPr>
           <a:xfrm>
             <a:off x="272716" y="650200"/>
-            <a:ext cx="5231959" cy="843900"/>
+            <a:ext cx="5231959" cy="628377"/>
           </a:xfrm>
           <a:prstGeom prst="rect">
             <a:avLst/>
@@ -20601,26 +20464,24 @@
               <a:buNone/>
             </a:pPr>
             <a:r>
-              <a:rPr lang="en-GB" sz="5400" b="1" dirty="0">
-                <a:solidFill>
-                  <a:schemeClr val="tx2">
-                    <a:lumMod val="25000"/>
-                    <a:lumOff val="75000"/>
+              <a:rPr lang="en-GB" sz="4000" b="1" dirty="0">
+                <a:solidFill>
+                  <a:schemeClr val="bg1">
+                    <a:lumMod val="95000"/>
                   </a:schemeClr>
                 </a:solidFill>
-                <a:latin typeface="Arial" panose="020B0604020202020204" pitchFamily="34" charset="0"/>
+                <a:latin typeface="Arial Black" panose="020B0A04020102020204" pitchFamily="34" charset="0"/>
                 <a:cs typeface="Arial" panose="020B0604020202020204" pitchFamily="34" charset="0"/>
               </a:rPr>
               <a:t>OBJECTIVES</a:t>
             </a:r>
-            <a:endParaRPr sz="5400" b="1" dirty="0">
+            <a:endParaRPr sz="4000" b="1" dirty="0">
               <a:solidFill>
-                <a:schemeClr val="tx2">
-                  <a:lumMod val="25000"/>
-                  <a:lumOff val="75000"/>
+                <a:schemeClr val="bg1">
+                  <a:lumMod val="95000"/>
                 </a:schemeClr>
               </a:solidFill>
-              <a:latin typeface="Arial" panose="020B0604020202020204" pitchFamily="34" charset="0"/>
+              <a:latin typeface="Arial Black" panose="020B0A04020102020204" pitchFamily="34" charset="0"/>
               <a:cs typeface="Arial" panose="020B0604020202020204" pitchFamily="34" charset="0"/>
             </a:endParaRPr>
           </a:p>
@@ -20937,702 +20798,6 @@
           </p:txBody>
         </p:sp>
       </p:grpSp>
-      <p:grpSp>
-        <p:nvGrpSpPr>
-          <p:cNvPr id="4" name="Google Shape;98;p2">
-            <a:extLst>
-              <a:ext uri="{FF2B5EF4-FFF2-40B4-BE49-F238E27FC236}">
-                <a16:creationId xmlns:a16="http://schemas.microsoft.com/office/drawing/2014/main" id="{366C271A-BCAA-70C3-D680-FCA8EA1BE27D}"/>
-              </a:ext>
-            </a:extLst>
-          </p:cNvPr>
-          <p:cNvGrpSpPr/>
-          <p:nvPr/>
-        </p:nvGrpSpPr>
-        <p:grpSpPr>
-          <a:xfrm>
-            <a:off x="-14883" y="3422611"/>
-            <a:ext cx="11596123" cy="3887563"/>
-            <a:chOff x="-14875" y="2188451"/>
-            <a:chExt cx="11596123" cy="4421124"/>
-          </a:xfrm>
-        </p:grpSpPr>
-        <p:sp>
-          <p:nvSpPr>
-            <p:cNvPr id="5" name="Google Shape;99;p2">
-              <a:extLst>
-                <a:ext uri="{FF2B5EF4-FFF2-40B4-BE49-F238E27FC236}">
-                  <a16:creationId xmlns:a16="http://schemas.microsoft.com/office/drawing/2014/main" id="{9F876778-3795-BA84-A37F-932FC007C692}"/>
-                </a:ext>
-              </a:extLst>
-            </p:cNvPr>
-            <p:cNvSpPr/>
-            <p:nvPr/>
-          </p:nvSpPr>
-          <p:spPr>
-            <a:xfrm>
-              <a:off x="-14875" y="2231571"/>
-              <a:ext cx="11596123" cy="895782"/>
-            </a:xfrm>
-            <a:custGeom>
-              <a:avLst/>
-              <a:gdLst/>
-              <a:ahLst/>
-              <a:cxnLst/>
-              <a:rect l="l" t="t" r="r" b="b"/>
-              <a:pathLst>
-                <a:path w="11695430" h="783589" extrusionOk="0">
-                  <a:moveTo>
-                    <a:pt x="11454371" y="1524"/>
-                  </a:moveTo>
-                  <a:lnTo>
-                    <a:pt x="0" y="1524"/>
-                  </a:lnTo>
-                  <a:lnTo>
-                    <a:pt x="0" y="783336"/>
-                  </a:lnTo>
-                  <a:lnTo>
-                    <a:pt x="11454371" y="783336"/>
-                  </a:lnTo>
-                  <a:lnTo>
-                    <a:pt x="11454371" y="1524"/>
-                  </a:lnTo>
-                  <a:close/>
-                </a:path>
-                <a:path w="11695430" h="783589" extrusionOk="0">
-                  <a:moveTo>
-                    <a:pt x="11695176" y="0"/>
-                  </a:moveTo>
-                  <a:lnTo>
-                    <a:pt x="11542776" y="0"/>
-                  </a:lnTo>
-                  <a:lnTo>
-                    <a:pt x="11542776" y="781812"/>
-                  </a:lnTo>
-                  <a:lnTo>
-                    <a:pt x="11695176" y="781812"/>
-                  </a:lnTo>
-                  <a:lnTo>
-                    <a:pt x="11695176" y="0"/>
-                  </a:lnTo>
-                  <a:close/>
-                </a:path>
-              </a:pathLst>
-            </a:custGeom>
-            <a:solidFill>
-              <a:schemeClr val="bg1">
-                <a:lumMod val="95000"/>
-                <a:lumOff val="5000"/>
-              </a:schemeClr>
-            </a:solidFill>
-            <a:ln>
-              <a:noFill/>
-            </a:ln>
-          </p:spPr>
-          <p:txBody>
-            <a:bodyPr spcFirstLastPara="1" wrap="square" lIns="0" tIns="0" rIns="0" bIns="0" anchor="t" anchorCtr="0">
-              <a:noAutofit/>
-            </a:bodyPr>
-            <a:lstStyle/>
-            <a:p>
-              <a:pPr marL="0" marR="0" lvl="0" indent="0" algn="l" rtl="0">
-                <a:lnSpc>
-                  <a:spcPct val="100000"/>
-                </a:lnSpc>
-                <a:spcBef>
-                  <a:spcPts val="0"/>
-                </a:spcBef>
-                <a:spcAft>
-                  <a:spcPts val="0"/>
-                </a:spcAft>
-                <a:buClr>
-                  <a:srgbClr val="000000"/>
-                </a:buClr>
-                <a:buSzPts val="1800"/>
-                <a:buFont typeface="Arial"/>
-                <a:buNone/>
-              </a:pPr>
-              <a:endParaRPr sz="1800" b="0" i="0" u="none" strike="noStrike" cap="none">
-                <a:solidFill>
-                  <a:schemeClr val="dk1"/>
-                </a:solidFill>
-                <a:latin typeface="Calibri"/>
-                <a:ea typeface="Calibri"/>
-                <a:cs typeface="Calibri"/>
-                <a:sym typeface="Calibri"/>
-              </a:endParaRPr>
-            </a:p>
-          </p:txBody>
-        </p:sp>
-        <p:sp>
-          <p:nvSpPr>
-            <p:cNvPr id="6" name="Google Shape;100;p2">
-              <a:extLst>
-                <a:ext uri="{FF2B5EF4-FFF2-40B4-BE49-F238E27FC236}">
-                  <a16:creationId xmlns:a16="http://schemas.microsoft.com/office/drawing/2014/main" id="{06A989B9-CDFF-2817-AB8B-9A777F817BCD}"/>
-                </a:ext>
-              </a:extLst>
-            </p:cNvPr>
-            <p:cNvSpPr/>
-            <p:nvPr/>
-          </p:nvSpPr>
-          <p:spPr>
-            <a:xfrm>
-              <a:off x="0" y="2188451"/>
-              <a:ext cx="11515344" cy="4421124"/>
-            </a:xfrm>
-            <a:prstGeom prst="rect">
-              <a:avLst/>
-            </a:prstGeom>
-            <a:blipFill rotWithShape="1">
-              <a:blip r:embed="rId4">
-                <a:alphaModFix/>
-              </a:blip>
-              <a:stretch>
-                <a:fillRect/>
-              </a:stretch>
-            </a:blipFill>
-            <a:ln>
-              <a:noFill/>
-            </a:ln>
-          </p:spPr>
-          <p:txBody>
-            <a:bodyPr spcFirstLastPara="1" wrap="square" lIns="0" tIns="0" rIns="0" bIns="0" anchor="t" anchorCtr="0">
-              <a:noAutofit/>
-            </a:bodyPr>
-            <a:lstStyle/>
-            <a:p>
-              <a:pPr marL="0" marR="0" lvl="0" indent="0" algn="l" rtl="0">
-                <a:lnSpc>
-                  <a:spcPct val="100000"/>
-                </a:lnSpc>
-                <a:spcBef>
-                  <a:spcPts val="0"/>
-                </a:spcBef>
-                <a:spcAft>
-                  <a:spcPts val="0"/>
-                </a:spcAft>
-                <a:buClr>
-                  <a:srgbClr val="000000"/>
-                </a:buClr>
-                <a:buSzPts val="1800"/>
-                <a:buFont typeface="Arial"/>
-                <a:buNone/>
-              </a:pPr>
-              <a:endParaRPr sz="1800" b="0" i="0" u="none" strike="noStrike" cap="none">
-                <a:solidFill>
-                  <a:schemeClr val="dk1"/>
-                </a:solidFill>
-                <a:latin typeface="Calibri"/>
-                <a:ea typeface="Calibri"/>
-                <a:cs typeface="Calibri"/>
-                <a:sym typeface="Calibri"/>
-              </a:endParaRPr>
-            </a:p>
-          </p:txBody>
-        </p:sp>
-        <p:sp>
-          <p:nvSpPr>
-            <p:cNvPr id="7" name="Google Shape;103;p2">
-              <a:extLst>
-                <a:ext uri="{FF2B5EF4-FFF2-40B4-BE49-F238E27FC236}">
-                  <a16:creationId xmlns:a16="http://schemas.microsoft.com/office/drawing/2014/main" id="{53AEB8A4-9306-88DA-B4F5-69D6304C1A07}"/>
-                </a:ext>
-              </a:extLst>
-            </p:cNvPr>
-            <p:cNvSpPr/>
-            <p:nvPr/>
-          </p:nvSpPr>
-          <p:spPr>
-            <a:xfrm>
-              <a:off x="5690672" y="3514454"/>
-              <a:ext cx="26034" cy="288290"/>
-            </a:xfrm>
-            <a:custGeom>
-              <a:avLst/>
-              <a:gdLst/>
-              <a:ahLst/>
-              <a:cxnLst/>
-              <a:rect l="l" t="t" r="r" b="b"/>
-              <a:pathLst>
-                <a:path w="26035" h="288289" extrusionOk="0">
-                  <a:moveTo>
-                    <a:pt x="25508" y="0"/>
-                  </a:moveTo>
-                  <a:lnTo>
-                    <a:pt x="0" y="0"/>
-                  </a:lnTo>
-                  <a:lnTo>
-                    <a:pt x="0" y="287868"/>
-                  </a:lnTo>
-                  <a:lnTo>
-                    <a:pt x="25508" y="262360"/>
-                  </a:lnTo>
-                  <a:lnTo>
-                    <a:pt x="25508" y="0"/>
-                  </a:lnTo>
-                  <a:close/>
-                </a:path>
-              </a:pathLst>
-            </a:custGeom>
-            <a:solidFill>
-              <a:srgbClr val="FFFFFF"/>
-            </a:solidFill>
-            <a:ln>
-              <a:noFill/>
-            </a:ln>
-          </p:spPr>
-          <p:txBody>
-            <a:bodyPr spcFirstLastPara="1" wrap="square" lIns="0" tIns="0" rIns="0" bIns="0" anchor="t" anchorCtr="0">
-              <a:noAutofit/>
-            </a:bodyPr>
-            <a:lstStyle/>
-            <a:p>
-              <a:pPr marL="0" marR="0" lvl="0" indent="0" algn="l" rtl="0">
-                <a:lnSpc>
-                  <a:spcPct val="100000"/>
-                </a:lnSpc>
-                <a:spcBef>
-                  <a:spcPts val="0"/>
-                </a:spcBef>
-                <a:spcAft>
-                  <a:spcPts val="0"/>
-                </a:spcAft>
-                <a:buClr>
-                  <a:srgbClr val="000000"/>
-                </a:buClr>
-                <a:buSzPts val="1800"/>
-                <a:buFont typeface="Arial"/>
-                <a:buNone/>
-              </a:pPr>
-              <a:endParaRPr sz="1800" b="0" i="0" u="none" strike="noStrike" cap="none">
-                <a:solidFill>
-                  <a:schemeClr val="dk1"/>
-                </a:solidFill>
-                <a:latin typeface="Calibri"/>
-                <a:ea typeface="Calibri"/>
-                <a:cs typeface="Calibri"/>
-                <a:sym typeface="Calibri"/>
-              </a:endParaRPr>
-            </a:p>
-          </p:txBody>
-        </p:sp>
-        <p:sp>
-          <p:nvSpPr>
-            <p:cNvPr id="8" name="Google Shape;104;p2">
-              <a:extLst>
-                <a:ext uri="{FF2B5EF4-FFF2-40B4-BE49-F238E27FC236}">
-                  <a16:creationId xmlns:a16="http://schemas.microsoft.com/office/drawing/2014/main" id="{3C4EF72A-DD52-3D37-5F23-4666B82DCBB2}"/>
-                </a:ext>
-              </a:extLst>
-            </p:cNvPr>
-            <p:cNvSpPr/>
-            <p:nvPr/>
-          </p:nvSpPr>
-          <p:spPr>
-            <a:xfrm>
-              <a:off x="5732761" y="3637004"/>
-              <a:ext cx="100079" cy="94891"/>
-            </a:xfrm>
-            <a:prstGeom prst="rect">
-              <a:avLst/>
-            </a:prstGeom>
-            <a:blipFill rotWithShape="1">
-              <a:blip r:embed="rId3">
-                <a:alphaModFix/>
-              </a:blip>
-              <a:stretch>
-                <a:fillRect/>
-              </a:stretch>
-            </a:blipFill>
-            <a:ln>
-              <a:noFill/>
-            </a:ln>
-          </p:spPr>
-          <p:txBody>
-            <a:bodyPr spcFirstLastPara="1" wrap="square" lIns="0" tIns="0" rIns="0" bIns="0" anchor="t" anchorCtr="0">
-              <a:noAutofit/>
-            </a:bodyPr>
-            <a:lstStyle/>
-            <a:p>
-              <a:pPr marL="0" marR="0" lvl="0" indent="0" algn="l" rtl="0">
-                <a:lnSpc>
-                  <a:spcPct val="100000"/>
-                </a:lnSpc>
-                <a:spcBef>
-                  <a:spcPts val="0"/>
-                </a:spcBef>
-                <a:spcAft>
-                  <a:spcPts val="0"/>
-                </a:spcAft>
-                <a:buClr>
-                  <a:srgbClr val="000000"/>
-                </a:buClr>
-                <a:buSzPts val="1800"/>
-                <a:buFont typeface="Arial"/>
-                <a:buNone/>
-              </a:pPr>
-              <a:endParaRPr sz="1800" b="0" i="0" u="none" strike="noStrike" cap="none">
-                <a:solidFill>
-                  <a:schemeClr val="dk1"/>
-                </a:solidFill>
-                <a:latin typeface="Calibri"/>
-                <a:ea typeface="Calibri"/>
-                <a:cs typeface="Calibri"/>
-                <a:sym typeface="Calibri"/>
-              </a:endParaRPr>
-            </a:p>
-          </p:txBody>
-        </p:sp>
-      </p:grpSp>
-      <p:grpSp>
-        <p:nvGrpSpPr>
-          <p:cNvPr id="9" name="Google Shape;98;p2">
-            <a:extLst>
-              <a:ext uri="{FF2B5EF4-FFF2-40B4-BE49-F238E27FC236}">
-                <a16:creationId xmlns:a16="http://schemas.microsoft.com/office/drawing/2014/main" id="{9410D336-A4C3-1139-6BB0-B8C492D95B3E}"/>
-              </a:ext>
-            </a:extLst>
-          </p:cNvPr>
-          <p:cNvGrpSpPr/>
-          <p:nvPr/>
-        </p:nvGrpSpPr>
-        <p:grpSpPr>
-          <a:xfrm>
-            <a:off x="14958" y="4540802"/>
-            <a:ext cx="11596123" cy="3887563"/>
-            <a:chOff x="-14875" y="2188451"/>
-            <a:chExt cx="11596123" cy="4421124"/>
-          </a:xfrm>
-        </p:grpSpPr>
-        <p:sp>
-          <p:nvSpPr>
-            <p:cNvPr id="10" name="Google Shape;99;p2">
-              <a:extLst>
-                <a:ext uri="{FF2B5EF4-FFF2-40B4-BE49-F238E27FC236}">
-                  <a16:creationId xmlns:a16="http://schemas.microsoft.com/office/drawing/2014/main" id="{72E082E2-6FA3-A394-918A-72166E80A375}"/>
-                </a:ext>
-              </a:extLst>
-            </p:cNvPr>
-            <p:cNvSpPr/>
-            <p:nvPr/>
-          </p:nvSpPr>
-          <p:spPr>
-            <a:xfrm>
-              <a:off x="-14875" y="2231571"/>
-              <a:ext cx="11596123" cy="895782"/>
-            </a:xfrm>
-            <a:custGeom>
-              <a:avLst/>
-              <a:gdLst/>
-              <a:ahLst/>
-              <a:cxnLst/>
-              <a:rect l="l" t="t" r="r" b="b"/>
-              <a:pathLst>
-                <a:path w="11695430" h="783589" extrusionOk="0">
-                  <a:moveTo>
-                    <a:pt x="11454371" y="1524"/>
-                  </a:moveTo>
-                  <a:lnTo>
-                    <a:pt x="0" y="1524"/>
-                  </a:lnTo>
-                  <a:lnTo>
-                    <a:pt x="0" y="783336"/>
-                  </a:lnTo>
-                  <a:lnTo>
-                    <a:pt x="11454371" y="783336"/>
-                  </a:lnTo>
-                  <a:lnTo>
-                    <a:pt x="11454371" y="1524"/>
-                  </a:lnTo>
-                  <a:close/>
-                </a:path>
-                <a:path w="11695430" h="783589" extrusionOk="0">
-                  <a:moveTo>
-                    <a:pt x="11695176" y="0"/>
-                  </a:moveTo>
-                  <a:lnTo>
-                    <a:pt x="11542776" y="0"/>
-                  </a:lnTo>
-                  <a:lnTo>
-                    <a:pt x="11542776" y="781812"/>
-                  </a:lnTo>
-                  <a:lnTo>
-                    <a:pt x="11695176" y="781812"/>
-                  </a:lnTo>
-                  <a:lnTo>
-                    <a:pt x="11695176" y="0"/>
-                  </a:lnTo>
-                  <a:close/>
-                </a:path>
-              </a:pathLst>
-            </a:custGeom>
-            <a:solidFill>
-              <a:schemeClr val="bg1">
-                <a:lumMod val="95000"/>
-                <a:lumOff val="5000"/>
-              </a:schemeClr>
-            </a:solidFill>
-            <a:ln>
-              <a:noFill/>
-            </a:ln>
-          </p:spPr>
-          <p:txBody>
-            <a:bodyPr spcFirstLastPara="1" wrap="square" lIns="0" tIns="0" rIns="0" bIns="0" anchor="t" anchorCtr="0">
-              <a:noAutofit/>
-            </a:bodyPr>
-            <a:lstStyle/>
-            <a:p>
-              <a:pPr marL="0" marR="0" lvl="0" indent="0" algn="l" rtl="0">
-                <a:lnSpc>
-                  <a:spcPct val="100000"/>
-                </a:lnSpc>
-                <a:spcBef>
-                  <a:spcPts val="0"/>
-                </a:spcBef>
-                <a:spcAft>
-                  <a:spcPts val="0"/>
-                </a:spcAft>
-                <a:buClr>
-                  <a:srgbClr val="000000"/>
-                </a:buClr>
-                <a:buSzPts val="1800"/>
-                <a:buFont typeface="Arial"/>
-                <a:buNone/>
-              </a:pPr>
-              <a:endParaRPr sz="1800" b="0" i="0" u="none" strike="noStrike" cap="none">
-                <a:solidFill>
-                  <a:schemeClr val="dk1"/>
-                </a:solidFill>
-                <a:latin typeface="Calibri"/>
-                <a:ea typeface="Calibri"/>
-                <a:cs typeface="Calibri"/>
-                <a:sym typeface="Calibri"/>
-              </a:endParaRPr>
-            </a:p>
-          </p:txBody>
-        </p:sp>
-        <p:sp>
-          <p:nvSpPr>
-            <p:cNvPr id="11" name="Google Shape;100;p2">
-              <a:extLst>
-                <a:ext uri="{FF2B5EF4-FFF2-40B4-BE49-F238E27FC236}">
-                  <a16:creationId xmlns:a16="http://schemas.microsoft.com/office/drawing/2014/main" id="{2FD45DE9-3D59-D5A3-C46D-FAD48327237D}"/>
-                </a:ext>
-              </a:extLst>
-            </p:cNvPr>
-            <p:cNvSpPr/>
-            <p:nvPr/>
-          </p:nvSpPr>
-          <p:spPr>
-            <a:xfrm>
-              <a:off x="0" y="2188451"/>
-              <a:ext cx="11515344" cy="4421124"/>
-            </a:xfrm>
-            <a:prstGeom prst="rect">
-              <a:avLst/>
-            </a:prstGeom>
-            <a:blipFill rotWithShape="1">
-              <a:blip r:embed="rId4">
-                <a:alphaModFix/>
-              </a:blip>
-              <a:stretch>
-                <a:fillRect/>
-              </a:stretch>
-            </a:blipFill>
-            <a:ln>
-              <a:noFill/>
-            </a:ln>
-          </p:spPr>
-          <p:txBody>
-            <a:bodyPr spcFirstLastPara="1" wrap="square" lIns="0" tIns="0" rIns="0" bIns="0" anchor="t" anchorCtr="0">
-              <a:noAutofit/>
-            </a:bodyPr>
-            <a:lstStyle/>
-            <a:p>
-              <a:pPr marL="0" marR="0" lvl="0" indent="0" algn="l" rtl="0">
-                <a:lnSpc>
-                  <a:spcPct val="100000"/>
-                </a:lnSpc>
-                <a:spcBef>
-                  <a:spcPts val="0"/>
-                </a:spcBef>
-                <a:spcAft>
-                  <a:spcPts val="0"/>
-                </a:spcAft>
-                <a:buClr>
-                  <a:srgbClr val="000000"/>
-                </a:buClr>
-                <a:buSzPts val="1800"/>
-                <a:buFont typeface="Arial"/>
-                <a:buNone/>
-              </a:pPr>
-              <a:endParaRPr sz="1800" b="0" i="0" u="none" strike="noStrike" cap="none">
-                <a:solidFill>
-                  <a:schemeClr val="dk1"/>
-                </a:solidFill>
-                <a:latin typeface="Calibri"/>
-                <a:ea typeface="Calibri"/>
-                <a:cs typeface="Calibri"/>
-                <a:sym typeface="Calibri"/>
-              </a:endParaRPr>
-            </a:p>
-          </p:txBody>
-        </p:sp>
-        <p:sp>
-          <p:nvSpPr>
-            <p:cNvPr id="12" name="Google Shape;103;p2">
-              <a:extLst>
-                <a:ext uri="{FF2B5EF4-FFF2-40B4-BE49-F238E27FC236}">
-                  <a16:creationId xmlns:a16="http://schemas.microsoft.com/office/drawing/2014/main" id="{C53D9D66-2F20-5D5F-A653-0EED8C694FC5}"/>
-                </a:ext>
-              </a:extLst>
-            </p:cNvPr>
-            <p:cNvSpPr/>
-            <p:nvPr/>
-          </p:nvSpPr>
-          <p:spPr>
-            <a:xfrm>
-              <a:off x="5690672" y="3514454"/>
-              <a:ext cx="26034" cy="288290"/>
-            </a:xfrm>
-            <a:custGeom>
-              <a:avLst/>
-              <a:gdLst/>
-              <a:ahLst/>
-              <a:cxnLst/>
-              <a:rect l="l" t="t" r="r" b="b"/>
-              <a:pathLst>
-                <a:path w="26035" h="288289" extrusionOk="0">
-                  <a:moveTo>
-                    <a:pt x="25508" y="0"/>
-                  </a:moveTo>
-                  <a:lnTo>
-                    <a:pt x="0" y="0"/>
-                  </a:lnTo>
-                  <a:lnTo>
-                    <a:pt x="0" y="287868"/>
-                  </a:lnTo>
-                  <a:lnTo>
-                    <a:pt x="25508" y="262360"/>
-                  </a:lnTo>
-                  <a:lnTo>
-                    <a:pt x="25508" y="0"/>
-                  </a:lnTo>
-                  <a:close/>
-                </a:path>
-              </a:pathLst>
-            </a:custGeom>
-            <a:solidFill>
-              <a:srgbClr val="FFFFFF"/>
-            </a:solidFill>
-            <a:ln>
-              <a:noFill/>
-            </a:ln>
-          </p:spPr>
-          <p:txBody>
-            <a:bodyPr spcFirstLastPara="1" wrap="square" lIns="0" tIns="0" rIns="0" bIns="0" anchor="t" anchorCtr="0">
-              <a:noAutofit/>
-            </a:bodyPr>
-            <a:lstStyle/>
-            <a:p>
-              <a:pPr marL="0" marR="0" lvl="0" indent="0" algn="l" rtl="0">
-                <a:lnSpc>
-                  <a:spcPct val="100000"/>
-                </a:lnSpc>
-                <a:spcBef>
-                  <a:spcPts val="0"/>
-                </a:spcBef>
-                <a:spcAft>
-                  <a:spcPts val="0"/>
-                </a:spcAft>
-                <a:buClr>
-                  <a:srgbClr val="000000"/>
-                </a:buClr>
-                <a:buSzPts val="1800"/>
-                <a:buFont typeface="Arial"/>
-                <a:buNone/>
-              </a:pPr>
-              <a:endParaRPr sz="1800" b="0" i="0" u="none" strike="noStrike" cap="none">
-                <a:solidFill>
-                  <a:schemeClr val="dk1"/>
-                </a:solidFill>
-                <a:latin typeface="Calibri"/>
-                <a:ea typeface="Calibri"/>
-                <a:cs typeface="Calibri"/>
-                <a:sym typeface="Calibri"/>
-              </a:endParaRPr>
-            </a:p>
-          </p:txBody>
-        </p:sp>
-        <p:sp>
-          <p:nvSpPr>
-            <p:cNvPr id="13" name="Google Shape;104;p2">
-              <a:extLst>
-                <a:ext uri="{FF2B5EF4-FFF2-40B4-BE49-F238E27FC236}">
-                  <a16:creationId xmlns:a16="http://schemas.microsoft.com/office/drawing/2014/main" id="{E411D136-7BD8-8C56-44B5-81E682051500}"/>
-                </a:ext>
-              </a:extLst>
-            </p:cNvPr>
-            <p:cNvSpPr/>
-            <p:nvPr/>
-          </p:nvSpPr>
-          <p:spPr>
-            <a:xfrm>
-              <a:off x="5732761" y="3637004"/>
-              <a:ext cx="100079" cy="94891"/>
-            </a:xfrm>
-            <a:prstGeom prst="rect">
-              <a:avLst/>
-            </a:prstGeom>
-            <a:blipFill rotWithShape="1">
-              <a:blip r:embed="rId3">
-                <a:alphaModFix/>
-              </a:blip>
-              <a:stretch>
-                <a:fillRect/>
-              </a:stretch>
-            </a:blipFill>
-            <a:ln>
-              <a:noFill/>
-            </a:ln>
-          </p:spPr>
-          <p:txBody>
-            <a:bodyPr spcFirstLastPara="1" wrap="square" lIns="0" tIns="0" rIns="0" bIns="0" anchor="t" anchorCtr="0">
-              <a:noAutofit/>
-            </a:bodyPr>
-            <a:lstStyle/>
-            <a:p>
-              <a:pPr marL="0" marR="0" lvl="0" indent="0" algn="l" rtl="0">
-                <a:lnSpc>
-                  <a:spcPct val="100000"/>
-                </a:lnSpc>
-                <a:spcBef>
-                  <a:spcPts val="0"/>
-                </a:spcBef>
-                <a:spcAft>
-                  <a:spcPts val="0"/>
-                </a:spcAft>
-                <a:buClr>
-                  <a:srgbClr val="000000"/>
-                </a:buClr>
-                <a:buSzPts val="1800"/>
-                <a:buFont typeface="Arial"/>
-                <a:buNone/>
-              </a:pPr>
-              <a:endParaRPr sz="1800" b="0" i="0" u="none" strike="noStrike" cap="none">
-                <a:solidFill>
-                  <a:schemeClr val="dk1"/>
-                </a:solidFill>
-                <a:latin typeface="Calibri"/>
-                <a:ea typeface="Calibri"/>
-                <a:cs typeface="Calibri"/>
-                <a:sym typeface="Calibri"/>
-              </a:endParaRPr>
-            </a:p>
-          </p:txBody>
-        </p:sp>
-      </p:grpSp>
       <p:sp>
         <p:nvSpPr>
           <p:cNvPr id="15" name="TextBox 14">
@@ -21648,7 +20813,7 @@
         <p:spPr>
           <a:xfrm>
             <a:off x="403284" y="2460089"/>
-            <a:ext cx="10890357" cy="369332"/>
+            <a:ext cx="10890357" cy="707886"/>
           </a:xfrm>
           <a:prstGeom prst="rect">
             <a:avLst/>
@@ -21662,7 +20827,7 @@
           <a:lstStyle/>
           <a:p>
             <a:r>
-              <a:rPr lang="en-US" b="1" dirty="0">
+              <a:rPr lang="en-US" sz="2000" b="1" dirty="0">
                 <a:solidFill>
                   <a:schemeClr val="accent3">
                     <a:lumMod val="50000"/>
@@ -21672,7 +20837,7 @@
               <a:t>Identify Top Customer Insights</a:t>
             </a:r>
             <a:r>
-              <a:rPr lang="en-US" dirty="0">
+              <a:rPr lang="en-US" sz="2000" dirty="0">
                 <a:solidFill>
                   <a:schemeClr val="accent3">
                     <a:lumMod val="50000"/>
@@ -21681,135 +20846,7 @@
               </a:rPr>
               <a:t>: Provide strategic insights into customer loyalty and profitability leaders.</a:t>
             </a:r>
-            <a:endParaRPr lang="en-IN" dirty="0">
-              <a:solidFill>
-                <a:schemeClr val="accent3">
-                  <a:lumMod val="50000"/>
-                </a:schemeClr>
-              </a:solidFill>
-            </a:endParaRPr>
-          </a:p>
-        </p:txBody>
-      </p:sp>
-      <p:sp>
-        <p:nvSpPr>
-          <p:cNvPr id="17" name="TextBox 16">
-            <a:extLst>
-              <a:ext uri="{FF2B5EF4-FFF2-40B4-BE49-F238E27FC236}">
-                <a16:creationId xmlns:a16="http://schemas.microsoft.com/office/drawing/2014/main" id="{65283A69-BA75-CDC7-5CE0-C21C0A7D5281}"/>
-              </a:ext>
-            </a:extLst>
-          </p:cNvPr>
-          <p:cNvSpPr txBox="1"/>
-          <p:nvPr/>
-        </p:nvSpPr>
-        <p:spPr>
-          <a:xfrm>
-            <a:off x="393012" y="3517917"/>
-            <a:ext cx="10908631" cy="646331"/>
-          </a:xfrm>
-          <a:prstGeom prst="rect">
-            <a:avLst/>
-          </a:prstGeom>
-          <a:noFill/>
-        </p:spPr>
-        <p:txBody>
-          <a:bodyPr wrap="square">
-            <a:spAutoFit/>
-          </a:bodyPr>
-          <a:lstStyle/>
-          <a:p>
-            <a:r>
-              <a:rPr lang="en-US" b="1" dirty="0">
-                <a:solidFill>
-                  <a:schemeClr val="accent3">
-                    <a:lumMod val="50000"/>
-                  </a:schemeClr>
-                </a:solidFill>
-              </a:rPr>
-              <a:t>Evaluate Sales and Profit Performance</a:t>
-            </a:r>
-            <a:r>
-              <a:rPr lang="en-US" dirty="0">
-                <a:solidFill>
-                  <a:schemeClr val="accent3">
-                    <a:lumMod val="50000"/>
-                  </a:schemeClr>
-                </a:solidFill>
-              </a:rPr>
-              <a:t>: Present a comprehensive analysis of sales performance across various product categories</a:t>
-            </a:r>
-            <a:r>
-              <a:rPr lang="en-US" dirty="0">
-                <a:solidFill>
-                  <a:schemeClr val="tx2">
-                    <a:lumMod val="90000"/>
-                    <a:lumOff val="10000"/>
-                  </a:schemeClr>
-                </a:solidFill>
-              </a:rPr>
-              <a:t>.</a:t>
-            </a:r>
-            <a:endParaRPr lang="en-IN" dirty="0">
-              <a:solidFill>
-                <a:schemeClr val="tx2">
-                  <a:lumMod val="90000"/>
-                  <a:lumOff val="10000"/>
-                </a:schemeClr>
-              </a:solidFill>
-            </a:endParaRPr>
-          </a:p>
-        </p:txBody>
-      </p:sp>
-      <p:sp>
-        <p:nvSpPr>
-          <p:cNvPr id="19" name="TextBox 18">
-            <a:extLst>
-              <a:ext uri="{FF2B5EF4-FFF2-40B4-BE49-F238E27FC236}">
-                <a16:creationId xmlns:a16="http://schemas.microsoft.com/office/drawing/2014/main" id="{6A20DB3C-D5AD-6533-53E6-A631E834CA70}"/>
-              </a:ext>
-            </a:extLst>
-          </p:cNvPr>
-          <p:cNvSpPr txBox="1"/>
-          <p:nvPr/>
-        </p:nvSpPr>
-        <p:spPr>
-          <a:xfrm>
-            <a:off x="438660" y="4616679"/>
-            <a:ext cx="11085658" cy="646331"/>
-          </a:xfrm>
-          <a:prstGeom prst="rect">
-            <a:avLst/>
-          </a:prstGeom>
-          <a:noFill/>
-        </p:spPr>
-        <p:txBody>
-          <a:bodyPr wrap="square">
-            <a:spAutoFit/>
-          </a:bodyPr>
-          <a:lstStyle/>
-          <a:p>
-            <a:r>
-              <a:rPr lang="en-US" b="1" dirty="0">
-                <a:solidFill>
-                  <a:schemeClr val="accent3">
-                    <a:lumMod val="50000"/>
-                  </a:schemeClr>
-                </a:solidFill>
-              </a:rPr>
-              <a:t>Analyze Customer Behavior</a:t>
-            </a:r>
-            <a:r>
-              <a:rPr lang="en-US" dirty="0">
-                <a:solidFill>
-                  <a:schemeClr val="accent3">
-                    <a:lumMod val="50000"/>
-                  </a:schemeClr>
-                </a:solidFill>
-              </a:rPr>
-              <a:t>: Provide detailed analysis of customer behavior patterns and product popularity trends.</a:t>
-            </a:r>
-            <a:endParaRPr lang="en-IN" dirty="0">
+            <a:endParaRPr lang="en-IN" sz="2000" dirty="0">
               <a:solidFill>
                 <a:schemeClr val="accent3">
                   <a:lumMod val="50000"/>
@@ -21874,7 +20911,300 @@
       </p:sp>
       <p:sp>
         <p:nvSpPr>
-          <p:cNvPr id="21" name="Arrow: Chevron 20">
+          <p:cNvPr id="2" name="Google Shape;99;p2">
+            <a:extLst>
+              <a:ext uri="{FF2B5EF4-FFF2-40B4-BE49-F238E27FC236}">
+                <a16:creationId xmlns:a16="http://schemas.microsoft.com/office/drawing/2014/main" id="{BB96C13A-D269-2AE1-F9E8-E40DFE8E7E8D}"/>
+              </a:ext>
+            </a:extLst>
+          </p:cNvPr>
+          <p:cNvSpPr/>
+          <p:nvPr/>
+        </p:nvSpPr>
+        <p:spPr>
+          <a:xfrm>
+            <a:off x="-25515" y="4521900"/>
+            <a:ext cx="11596123" cy="787675"/>
+          </a:xfrm>
+          <a:custGeom>
+            <a:avLst/>
+            <a:gdLst/>
+            <a:ahLst/>
+            <a:cxnLst/>
+            <a:rect l="l" t="t" r="r" b="b"/>
+            <a:pathLst>
+              <a:path w="11695430" h="783589" extrusionOk="0">
+                <a:moveTo>
+                  <a:pt x="11454371" y="1524"/>
+                </a:moveTo>
+                <a:lnTo>
+                  <a:pt x="0" y="1524"/>
+                </a:lnTo>
+                <a:lnTo>
+                  <a:pt x="0" y="783336"/>
+                </a:lnTo>
+                <a:lnTo>
+                  <a:pt x="11454371" y="783336"/>
+                </a:lnTo>
+                <a:lnTo>
+                  <a:pt x="11454371" y="1524"/>
+                </a:lnTo>
+                <a:close/>
+              </a:path>
+              <a:path w="11695430" h="783589" extrusionOk="0">
+                <a:moveTo>
+                  <a:pt x="11695176" y="0"/>
+                </a:moveTo>
+                <a:lnTo>
+                  <a:pt x="11542776" y="0"/>
+                </a:lnTo>
+                <a:lnTo>
+                  <a:pt x="11542776" y="781812"/>
+                </a:lnTo>
+                <a:lnTo>
+                  <a:pt x="11695176" y="781812"/>
+                </a:lnTo>
+                <a:lnTo>
+                  <a:pt x="11695176" y="0"/>
+                </a:lnTo>
+                <a:close/>
+              </a:path>
+            </a:pathLst>
+          </a:custGeom>
+          <a:solidFill>
+            <a:schemeClr val="bg1">
+              <a:lumMod val="95000"/>
+              <a:lumOff val="5000"/>
+            </a:schemeClr>
+          </a:solidFill>
+          <a:ln>
+            <a:noFill/>
+          </a:ln>
+        </p:spPr>
+        <p:txBody>
+          <a:bodyPr spcFirstLastPara="1" wrap="square" lIns="0" tIns="0" rIns="0" bIns="0" anchor="t" anchorCtr="0">
+            <a:noAutofit/>
+          </a:bodyPr>
+          <a:lstStyle/>
+          <a:p>
+            <a:pPr lvl="1"/>
+            <a:r>
+              <a:rPr lang="en-US" b="1" dirty="0">
+                <a:solidFill>
+                  <a:schemeClr val="accent3">
+                    <a:lumMod val="50000"/>
+                  </a:schemeClr>
+                </a:solidFill>
+              </a:rPr>
+              <a:t>  </a:t>
+            </a:r>
+            <a:r>
+              <a:rPr lang="en-US" sz="2000" b="1" dirty="0">
+                <a:solidFill>
+                  <a:schemeClr val="accent3">
+                    <a:lumMod val="50000"/>
+                  </a:schemeClr>
+                </a:solidFill>
+              </a:rPr>
+              <a:t>Analyze Customer Behavior</a:t>
+            </a:r>
+            <a:r>
+              <a:rPr lang="en-US" sz="2000" dirty="0">
+                <a:solidFill>
+                  <a:schemeClr val="accent3">
+                    <a:lumMod val="50000"/>
+                  </a:schemeClr>
+                </a:solidFill>
+              </a:rPr>
+              <a:t>: Provide detailed analysis of customer behavior patterns and product popularity trends.</a:t>
+            </a:r>
+            <a:endParaRPr lang="en-IN" sz="2000" dirty="0">
+              <a:solidFill>
+                <a:schemeClr val="accent3">
+                  <a:lumMod val="50000"/>
+                </a:schemeClr>
+              </a:solidFill>
+            </a:endParaRPr>
+          </a:p>
+        </p:txBody>
+      </p:sp>
+      <p:sp>
+        <p:nvSpPr>
+          <p:cNvPr id="3" name="Google Shape;99;p2">
+            <a:extLst>
+              <a:ext uri="{FF2B5EF4-FFF2-40B4-BE49-F238E27FC236}">
+                <a16:creationId xmlns:a16="http://schemas.microsoft.com/office/drawing/2014/main" id="{12A6B06C-C143-8DAB-6541-57477F5BAFCD}"/>
+              </a:ext>
+            </a:extLst>
+          </p:cNvPr>
+          <p:cNvSpPr/>
+          <p:nvPr/>
+        </p:nvSpPr>
+        <p:spPr>
+          <a:xfrm>
+            <a:off x="0" y="3466042"/>
+            <a:ext cx="11596123" cy="787675"/>
+          </a:xfrm>
+          <a:custGeom>
+            <a:avLst/>
+            <a:gdLst/>
+            <a:ahLst/>
+            <a:cxnLst/>
+            <a:rect l="l" t="t" r="r" b="b"/>
+            <a:pathLst>
+              <a:path w="11695430" h="783589" extrusionOk="0">
+                <a:moveTo>
+                  <a:pt x="11454371" y="1524"/>
+                </a:moveTo>
+                <a:lnTo>
+                  <a:pt x="0" y="1524"/>
+                </a:lnTo>
+                <a:lnTo>
+                  <a:pt x="0" y="783336"/>
+                </a:lnTo>
+                <a:lnTo>
+                  <a:pt x="11454371" y="783336"/>
+                </a:lnTo>
+                <a:lnTo>
+                  <a:pt x="11454371" y="1524"/>
+                </a:lnTo>
+                <a:close/>
+              </a:path>
+              <a:path w="11695430" h="783589" extrusionOk="0">
+                <a:moveTo>
+                  <a:pt x="11695176" y="0"/>
+                </a:moveTo>
+                <a:lnTo>
+                  <a:pt x="11542776" y="0"/>
+                </a:lnTo>
+                <a:lnTo>
+                  <a:pt x="11542776" y="781812"/>
+                </a:lnTo>
+                <a:lnTo>
+                  <a:pt x="11695176" y="781812"/>
+                </a:lnTo>
+                <a:lnTo>
+                  <a:pt x="11695176" y="0"/>
+                </a:lnTo>
+                <a:close/>
+              </a:path>
+            </a:pathLst>
+          </a:custGeom>
+          <a:solidFill>
+            <a:schemeClr val="bg1">
+              <a:lumMod val="95000"/>
+              <a:lumOff val="5000"/>
+            </a:schemeClr>
+          </a:solidFill>
+          <a:ln>
+            <a:noFill/>
+          </a:ln>
+        </p:spPr>
+        <p:txBody>
+          <a:bodyPr spcFirstLastPara="1" wrap="square" lIns="0" tIns="0" rIns="0" bIns="0" anchor="t" anchorCtr="0">
+            <a:noAutofit/>
+          </a:bodyPr>
+          <a:lstStyle/>
+          <a:p>
+            <a:pPr lvl="1"/>
+            <a:r>
+              <a:rPr lang="en-US" sz="2000" b="1" dirty="0">
+                <a:solidFill>
+                  <a:schemeClr val="accent3">
+                    <a:lumMod val="50000"/>
+                  </a:schemeClr>
+                </a:solidFill>
+              </a:rPr>
+              <a:t>Evaluate Sales and Profit Performance</a:t>
+            </a:r>
+            <a:r>
+              <a:rPr lang="en-US" sz="2000" dirty="0">
+                <a:solidFill>
+                  <a:schemeClr val="accent3">
+                    <a:lumMod val="50000"/>
+                  </a:schemeClr>
+                </a:solidFill>
+              </a:rPr>
+              <a:t>: Present a comprehensive analysis of sales performance across various product categories</a:t>
+            </a:r>
+            <a:r>
+              <a:rPr lang="en-US" dirty="0">
+                <a:solidFill>
+                  <a:schemeClr val="tx2">
+                    <a:lumMod val="90000"/>
+                    <a:lumOff val="10000"/>
+                  </a:schemeClr>
+                </a:solidFill>
+              </a:rPr>
+              <a:t>.</a:t>
+            </a:r>
+            <a:endParaRPr lang="en-IN" dirty="0">
+              <a:solidFill>
+                <a:schemeClr val="tx2">
+                  <a:lumMod val="90000"/>
+                  <a:lumOff val="10000"/>
+                </a:schemeClr>
+              </a:solidFill>
+            </a:endParaRPr>
+          </a:p>
+        </p:txBody>
+      </p:sp>
+      <p:sp>
+        <p:nvSpPr>
+          <p:cNvPr id="14" name="Arrow: Chevron 13">
+            <a:extLst>
+              <a:ext uri="{FF2B5EF4-FFF2-40B4-BE49-F238E27FC236}">
+                <a16:creationId xmlns:a16="http://schemas.microsoft.com/office/drawing/2014/main" id="{BAFC2B30-0978-96FF-1080-6911D34B1C69}"/>
+              </a:ext>
+            </a:extLst>
+          </p:cNvPr>
+          <p:cNvSpPr/>
+          <p:nvPr/>
+        </p:nvSpPr>
+        <p:spPr>
+          <a:xfrm>
+            <a:off x="29833" y="4632647"/>
+            <a:ext cx="368732" cy="373441"/>
+          </a:xfrm>
+          <a:prstGeom prst="chevron">
+            <a:avLst/>
+          </a:prstGeom>
+          <a:solidFill>
+            <a:srgbClr val="FFFF00"/>
+          </a:solidFill>
+        </p:spPr>
+        <p:style>
+          <a:lnRef idx="2">
+            <a:schemeClr val="accent1">
+              <a:shade val="15000"/>
+            </a:schemeClr>
+          </a:lnRef>
+          <a:fillRef idx="1">
+            <a:schemeClr val="accent1"/>
+          </a:fillRef>
+          <a:effectRef idx="0">
+            <a:schemeClr val="accent1"/>
+          </a:effectRef>
+          <a:fontRef idx="minor">
+            <a:schemeClr val="lt1"/>
+          </a:fontRef>
+        </p:style>
+        <p:txBody>
+          <a:bodyPr rtlCol="0" anchor="ctr"/>
+          <a:lstStyle/>
+          <a:p>
+            <a:pPr algn="ctr"/>
+            <a:endParaRPr lang="en-IN">
+              <a:solidFill>
+                <a:schemeClr val="tx1"/>
+              </a:solidFill>
+            </a:endParaRPr>
+          </a:p>
+        </p:txBody>
+      </p:sp>
+      <p:sp>
+        <p:nvSpPr>
+          <p:cNvPr id="16" name="Arrow: Chevron 15">
             <a:extLst>
               <a:ext uri="{FF2B5EF4-FFF2-40B4-BE49-F238E27FC236}">
                 <a16:creationId xmlns:a16="http://schemas.microsoft.com/office/drawing/2014/main" id="{4C8ED36E-CA23-E4A5-30F5-E52A9A7B0404}"/>
@@ -21886,7 +21216,7 @@
         </p:nvSpPr>
         <p:spPr>
           <a:xfrm>
-            <a:off x="69919" y="3582898"/>
+            <a:off x="23043" y="3602164"/>
             <a:ext cx="333366" cy="391688"/>
           </a:xfrm>
           <a:prstGeom prst="chevron">
@@ -21925,59 +21255,6 @@
           </a:p>
         </p:txBody>
       </p:sp>
-      <p:sp>
-        <p:nvSpPr>
-          <p:cNvPr id="22" name="Arrow: Chevron 21">
-            <a:extLst>
-              <a:ext uri="{FF2B5EF4-FFF2-40B4-BE49-F238E27FC236}">
-                <a16:creationId xmlns:a16="http://schemas.microsoft.com/office/drawing/2014/main" id="{BAFC2B30-0978-96FF-1080-6911D34B1C69}"/>
-              </a:ext>
-            </a:extLst>
-          </p:cNvPr>
-          <p:cNvSpPr/>
-          <p:nvPr/>
-        </p:nvSpPr>
-        <p:spPr>
-          <a:xfrm>
-            <a:off x="60946" y="4715335"/>
-            <a:ext cx="368732" cy="373441"/>
-          </a:xfrm>
-          <a:prstGeom prst="chevron">
-            <a:avLst/>
-          </a:prstGeom>
-          <a:solidFill>
-            <a:srgbClr val="FFFF00"/>
-          </a:solidFill>
-        </p:spPr>
-        <p:style>
-          <a:lnRef idx="2">
-            <a:schemeClr val="accent1">
-              <a:shade val="15000"/>
-            </a:schemeClr>
-          </a:lnRef>
-          <a:fillRef idx="1">
-            <a:schemeClr val="accent1"/>
-          </a:fillRef>
-          <a:effectRef idx="0">
-            <a:schemeClr val="accent1"/>
-          </a:effectRef>
-          <a:fontRef idx="minor">
-            <a:schemeClr val="lt1"/>
-          </a:fontRef>
-        </p:style>
-        <p:txBody>
-          <a:bodyPr rtlCol="0" anchor="ctr"/>
-          <a:lstStyle/>
-          <a:p>
-            <a:pPr algn="ctr"/>
-            <a:endParaRPr lang="en-IN">
-              <a:solidFill>
-                <a:schemeClr val="tx1"/>
-              </a:solidFill>
-            </a:endParaRPr>
-          </a:p>
-        </p:txBody>
-      </p:sp>
     </p:spTree>
   </p:cSld>
   <p:clrMapOvr>
@@ -21989,33 +21266,6 @@
 <file path=ppt/slides/slide5.xml><?xml version="1.0" encoding="utf-8"?>
 <p:sld xmlns:a="http://schemas.openxmlformats.org/drawingml/2006/main" xmlns:r="http://schemas.openxmlformats.org/officeDocument/2006/relationships" xmlns:p="http://schemas.openxmlformats.org/presentationml/2006/main" showMasterSp="0">
   <p:cSld>
-    <p:bg>
-      <p:bgPr>
-        <a:gradFill>
-          <a:gsLst>
-            <a:gs pos="32000">
-              <a:schemeClr val="bg1">
-                <a:lumMod val="95000"/>
-              </a:schemeClr>
-            </a:gs>
-            <a:gs pos="62000">
-              <a:srgbClr val="FFFF00"/>
-            </a:gs>
-            <a:gs pos="0">
-              <a:srgbClr val="FFFF00"/>
-            </a:gs>
-            <a:gs pos="100000">
-              <a:schemeClr val="bg1">
-                <a:lumMod val="95000"/>
-                <a:lumOff val="5000"/>
-              </a:schemeClr>
-            </a:gs>
-          </a:gsLst>
-          <a:lin ang="5400000" scaled="1"/>
-        </a:gradFill>
-        <a:effectLst/>
-      </p:bgPr>
-    </p:bg>
     <p:spTree>
       <p:nvGrpSpPr>
         <p:cNvPr id="1" name="Shape 136"/>
@@ -22042,8 +21292,8 @@
         </p:nvSpPr>
         <p:spPr>
           <a:xfrm>
-            <a:off x="454858" y="810539"/>
-            <a:ext cx="3144253" cy="651460"/>
+            <a:off x="554636" y="810539"/>
+            <a:ext cx="3044475" cy="628377"/>
           </a:xfrm>
           <a:prstGeom prst="rect">
             <a:avLst/>
@@ -22073,35 +21323,31 @@
               <a:buNone/>
             </a:pPr>
             <a:r>
-              <a:rPr lang="en-GB" b="1" cap="none" dirty="0">
+              <a:rPr lang="en-GB" sz="4000" b="1" cap="none" dirty="0">
                 <a:ln w="22225">
                   <a:solidFill>
-                    <a:schemeClr val="accent2"/>
+                    <a:schemeClr val="tx1"/>
                   </a:solidFill>
                   <a:prstDash val="solid"/>
                 </a:ln>
                 <a:solidFill>
-                  <a:schemeClr val="accent2">
-                    <a:lumMod val="40000"/>
-                    <a:lumOff val="60000"/>
-                  </a:schemeClr>
-                </a:solidFill>
+                  <a:schemeClr val="bg1"/>
+                </a:solidFill>
+                <a:latin typeface="Arial Black" panose="020B0A04020102020204" pitchFamily="34" charset="0"/>
               </a:rPr>
-              <a:t>Dataset</a:t>
-            </a:r>
-            <a:endParaRPr b="1" cap="none" dirty="0">
+              <a:t>DATASET</a:t>
+            </a:r>
+            <a:endParaRPr sz="4000" b="1" cap="none" dirty="0">
               <a:ln w="22225">
                 <a:solidFill>
-                  <a:schemeClr val="accent2"/>
+                  <a:schemeClr val="tx1"/>
                 </a:solidFill>
                 <a:prstDash val="solid"/>
               </a:ln>
               <a:solidFill>
-                <a:schemeClr val="accent2">
-                  <a:lumMod val="40000"/>
-                  <a:lumOff val="60000"/>
-                </a:schemeClr>
+                <a:schemeClr val="bg1"/>
               </a:solidFill>
+              <a:latin typeface="Arial Black" panose="020B0A04020102020204" pitchFamily="34" charset="0"/>
             </a:endParaRPr>
           </a:p>
         </p:txBody>
@@ -22159,7 +21405,9 @@
               </a:pathLst>
             </a:custGeom>
             <a:solidFill>
-              <a:srgbClr val="FFC000"/>
+              <a:schemeClr val="bg1">
+                <a:lumMod val="85000"/>
+              </a:schemeClr>
             </a:solidFill>
             <a:ln>
               <a:noFill/>
@@ -22380,7 +21628,9 @@
               </a:pathLst>
             </a:custGeom>
             <a:solidFill>
-              <a:srgbClr val="FFC000"/>
+              <a:schemeClr val="bg1">
+                <a:lumMod val="85000"/>
+              </a:schemeClr>
             </a:solidFill>
             <a:ln>
               <a:noFill/>
@@ -23073,8 +22323,8 @@
         </p:nvSpPr>
         <p:spPr bwMode="auto">
           <a:xfrm>
-            <a:off x="1133856" y="2429358"/>
-            <a:ext cx="2763587" cy="2031325"/>
+            <a:off x="1133856" y="2383192"/>
+            <a:ext cx="2763587" cy="2123658"/>
           </a:xfrm>
           <a:prstGeom prst="rect">
             <a:avLst/>
@@ -23156,11 +22406,11 @@
               <a:buChar char="•"/>
             </a:pPr>
             <a:r>
-              <a:rPr lang="en-US" b="1" dirty="0"/>
+              <a:rPr lang="en-US" sz="2000" b="1" dirty="0"/>
               <a:t>Table Name:</a:t>
             </a:r>
             <a:r>
-              <a:rPr lang="en-US" dirty="0"/>
+              <a:rPr lang="en-US" sz="2000" dirty="0"/>
               <a:t> Orders</a:t>
             </a:r>
           </a:p>
@@ -23170,11 +22420,11 @@
               <a:buChar char="•"/>
             </a:pPr>
             <a:r>
-              <a:rPr lang="en-US" b="1" dirty="0"/>
+              <a:rPr lang="en-US" sz="2000" b="1" dirty="0"/>
               <a:t>Rows:</a:t>
             </a:r>
             <a:r>
-              <a:rPr lang="en-US" dirty="0"/>
+              <a:rPr lang="en-US" sz="2000" dirty="0"/>
               <a:t> 9994</a:t>
             </a:r>
           </a:p>
@@ -23184,11 +22434,11 @@
               <a:buChar char="•"/>
             </a:pPr>
             <a:r>
-              <a:rPr lang="en-US" b="1" dirty="0"/>
+              <a:rPr lang="en-US" sz="2000" b="1" dirty="0"/>
               <a:t>Columns:</a:t>
             </a:r>
             <a:r>
-              <a:rPr lang="en-US" dirty="0"/>
+              <a:rPr lang="en-US" sz="2000" dirty="0"/>
               <a:t> 21</a:t>
             </a:r>
           </a:p>
@@ -23242,7 +22492,7 @@
         <p:spPr>
           <a:xfrm>
             <a:off x="659865" y="4934909"/>
-            <a:ext cx="9728317" cy="1200329"/>
+            <a:ext cx="9728317" cy="1323439"/>
           </a:xfrm>
           <a:prstGeom prst="rect">
             <a:avLst/>
@@ -23256,11 +22506,11 @@
           <a:lstStyle/>
           <a:p>
             <a:r>
-              <a:rPr lang="en-US" b="1" dirty="0"/>
+              <a:rPr lang="en-US" sz="2000" b="1" dirty="0"/>
               <a:t>Description:</a:t>
             </a:r>
             <a:r>
-              <a:rPr lang="en-US" dirty="0"/>
+              <a:rPr lang="en-US" sz="2000" dirty="0"/>
               <a:t> The dataset named "Orders" contains detailed information about customer orders. It includes essential data points such as order details, customer information, and product specifics. Each row represents a unique order, while columns capture various attributes of the orders, customers, and products.</a:t>
             </a:r>
           </a:p>
@@ -23307,38 +22557,6 @@
 <file path=ppt/slides/slide6.xml><?xml version="1.0" encoding="utf-8"?>
 <p:sld xmlns:a="http://schemas.openxmlformats.org/drawingml/2006/main" xmlns:r="http://schemas.openxmlformats.org/officeDocument/2006/relationships" xmlns:p="http://schemas.openxmlformats.org/presentationml/2006/main" showMasterSp="0">
   <p:cSld>
-    <p:bg>
-      <p:bgPr>
-        <a:gradFill>
-          <a:gsLst>
-            <a:gs pos="50000">
-              <a:schemeClr val="accent2">
-                <a:lumMod val="60000"/>
-                <a:lumOff val="40000"/>
-              </a:schemeClr>
-            </a:gs>
-            <a:gs pos="74000">
-              <a:schemeClr val="accent2">
-                <a:lumMod val="40000"/>
-                <a:lumOff val="60000"/>
-              </a:schemeClr>
-            </a:gs>
-            <a:gs pos="0">
-              <a:schemeClr val="accent2">
-                <a:lumMod val="50000"/>
-              </a:schemeClr>
-            </a:gs>
-            <a:gs pos="100000">
-              <a:schemeClr val="accent2">
-                <a:lumMod val="50000"/>
-              </a:schemeClr>
-            </a:gs>
-          </a:gsLst>
-          <a:lin ang="5400000" scaled="1"/>
-        </a:gradFill>
-        <a:effectLst/>
-      </p:bgPr>
-    </p:bg>
     <p:spTree>
       <p:nvGrpSpPr>
         <p:cNvPr id="1" name="Shape 163"/>
@@ -23366,7 +22584,7 @@
         <p:spPr>
           <a:xfrm>
             <a:off x="336884" y="856225"/>
-            <a:ext cx="4572000" cy="751488"/>
+            <a:ext cx="4572000" cy="628377"/>
           </a:xfrm>
           <a:prstGeom prst="rect">
             <a:avLst/>
@@ -23396,25 +22614,23 @@
               <a:buNone/>
             </a:pPr>
             <a:r>
-              <a:rPr lang="en-GB" dirty="0">
-                <a:solidFill>
-                  <a:schemeClr val="accent3">
-                    <a:lumMod val="60000"/>
-                    <a:lumOff val="40000"/>
+              <a:rPr lang="en-GB" sz="4000" dirty="0">
+                <a:solidFill>
+                  <a:schemeClr val="bg1">
+                    <a:lumMod val="95000"/>
                   </a:schemeClr>
                 </a:solidFill>
-                <a:latin typeface="Algerian" panose="04020705040A02060702" pitchFamily="82" charset="0"/>
+                <a:latin typeface="Arial Black" panose="020B0A04020102020204" pitchFamily="34" charset="0"/>
               </a:rPr>
-              <a:t>TOOLS Used</a:t>
-            </a:r>
-            <a:endParaRPr dirty="0">
+              <a:t>TOOLS USED</a:t>
+            </a:r>
+            <a:endParaRPr sz="4000" dirty="0">
               <a:solidFill>
-                <a:schemeClr val="accent3">
-                  <a:lumMod val="60000"/>
-                  <a:lumOff val="40000"/>
+                <a:schemeClr val="bg1">
+                  <a:lumMod val="95000"/>
                 </a:schemeClr>
               </a:solidFill>
-              <a:latin typeface="Algerian" panose="04020705040A02060702" pitchFamily="82" charset="0"/>
+              <a:latin typeface="Arial Black" panose="020B0A04020102020204" pitchFamily="34" charset="0"/>
             </a:endParaRPr>
           </a:p>
         </p:txBody>
@@ -23427,10 +22643,10 @@
         </p:nvGrpSpPr>
         <p:grpSpPr>
           <a:xfrm>
-            <a:off x="0" y="2173689"/>
-            <a:ext cx="11695176" cy="4732020"/>
-            <a:chOff x="0" y="1997964"/>
-            <a:chExt cx="11695176" cy="4732020"/>
+            <a:off x="0" y="2299968"/>
+            <a:ext cx="11695176" cy="4670126"/>
+            <a:chOff x="-27432" y="2059858"/>
+            <a:chExt cx="11695176" cy="4670126"/>
           </a:xfrm>
         </p:grpSpPr>
         <p:sp>
@@ -23441,7 +22657,7 @@
           </p:nvSpPr>
           <p:spPr>
             <a:xfrm>
-              <a:off x="0" y="1999488"/>
+              <a:off x="-27432" y="2059858"/>
               <a:ext cx="11454765" cy="782320"/>
             </a:xfrm>
             <a:custGeom>
@@ -23472,7 +22688,9 @@
               </a:pathLst>
             </a:custGeom>
             <a:solidFill>
-              <a:srgbClr val="FFC000"/>
+              <a:schemeClr val="bg1">
+                <a:lumMod val="85000"/>
+              </a:schemeClr>
             </a:solidFill>
             <a:ln>
               <a:noFill/>
@@ -23501,7 +22719,7 @@
                 <a:buFont typeface="Arial"/>
                 <a:buNone/>
               </a:pPr>
-              <a:endParaRPr sz="1800" b="0" i="0" u="none" strike="noStrike" cap="none">
+              <a:endParaRPr sz="1800" b="0" i="0" u="none" strike="noStrike" cap="none" dirty="0">
                 <a:solidFill>
                   <a:schemeClr val="dk1"/>
                 </a:solidFill>
@@ -23582,7 +22800,7 @@
           </p:nvSpPr>
           <p:spPr>
             <a:xfrm>
-              <a:off x="0" y="2243501"/>
+              <a:off x="-27432" y="2209409"/>
               <a:ext cx="11383010" cy="4267200"/>
             </a:xfrm>
             <a:custGeom>
@@ -23662,7 +22880,7 @@
           </p:nvSpPr>
           <p:spPr>
             <a:xfrm>
-              <a:off x="11542776" y="1997964"/>
+              <a:off x="11515344" y="2059858"/>
               <a:ext cx="152400" cy="782320"/>
             </a:xfrm>
             <a:custGeom>
@@ -23693,7 +22911,9 @@
               </a:pathLst>
             </a:custGeom>
             <a:solidFill>
-              <a:srgbClr val="FFC000"/>
+              <a:schemeClr val="bg1">
+                <a:lumMod val="85000"/>
+              </a:schemeClr>
             </a:solidFill>
             <a:ln>
               <a:noFill/>
@@ -23765,7 +22985,7 @@
             <a:noFill/>
             <a:ln w="12700" cap="flat" cmpd="sng">
               <a:solidFill>
-                <a:srgbClr val="EC7C30"/>
+                <a:schemeClr val="tx1"/>
               </a:solidFill>
               <a:prstDash val="solid"/>
               <a:round/>
@@ -23816,8 +23036,8 @@
           </p:nvSpPr>
           <p:spPr>
             <a:xfrm>
-              <a:off x="481626" y="2641974"/>
-              <a:ext cx="4733976" cy="45719"/>
+              <a:off x="639060" y="2598536"/>
+              <a:ext cx="4576541" cy="89158"/>
             </a:xfrm>
             <a:custGeom>
               <a:avLst/>
@@ -23839,7 +23059,7 @@
             <a:noFill/>
             <a:ln w="12700" cap="flat" cmpd="sng">
               <a:solidFill>
-                <a:srgbClr val="A4A4A4"/>
+                <a:schemeClr val="tx1"/>
               </a:solidFill>
               <a:prstDash val="solid"/>
               <a:round/>
@@ -23913,7 +23133,7 @@
             <a:noFill/>
             <a:ln w="12700" cap="flat" cmpd="sng">
               <a:solidFill>
-                <a:srgbClr val="FFC000"/>
+                <a:schemeClr val="tx1"/>
               </a:solidFill>
               <a:prstDash val="solid"/>
               <a:round/>
@@ -23973,8 +23193,8 @@
         </p:nvSpPr>
         <p:spPr bwMode="auto">
           <a:xfrm>
-            <a:off x="545825" y="2928184"/>
-            <a:ext cx="4660250" cy="2308324"/>
+            <a:off x="528609" y="2919481"/>
+            <a:ext cx="5157181" cy="2523768"/>
           </a:xfrm>
           <a:prstGeom prst="rect">
             <a:avLst/>
@@ -24051,17 +23271,22 @@
                 <a:effectLst/>
                 <a:latin typeface="Arial" panose="020B0604020202020204" pitchFamily="34" charset="0"/>
               </a:rPr>
-              <a:t> SQL:</a:t>
-            </a:r>
-            <a:endParaRPr kumimoji="0" lang="en-US" altLang="en-US" sz="1800" b="0" i="0" u="none" strike="noStrike" cap="none" normalizeH="0" baseline="0" dirty="0">
+              <a:t> </a:t>
+            </a:r>
+            <a:r>
+              <a:rPr kumimoji="0" lang="en-US" altLang="en-US" sz="2000" b="1" i="0" u="none" strike="noStrike" cap="none" normalizeH="0" baseline="0" dirty="0">
+                <a:ln>
+                  <a:noFill/>
+                </a:ln>
+                <a:effectLst/>
+                <a:latin typeface="Arial" panose="020B0604020202020204" pitchFamily="34" charset="0"/>
+              </a:rPr>
+              <a:t>SQL:</a:t>
+            </a:r>
+            <a:endParaRPr kumimoji="0" lang="en-US" altLang="en-US" sz="2000" b="0" i="0" u="none" strike="noStrike" cap="none" normalizeH="0" baseline="0" dirty="0">
               <a:ln>
                 <a:noFill/>
               </a:ln>
-              <a:solidFill>
-                <a:schemeClr val="accent4">
-                  <a:lumMod val="50000"/>
-                </a:schemeClr>
-              </a:solidFill>
               <a:effectLst/>
               <a:latin typeface="Arial" panose="020B0604020202020204" pitchFamily="34" charset="0"/>
             </a:endParaRPr>
@@ -24082,15 +23307,10 @@
               <a:tabLst/>
             </a:pPr>
             <a:r>
-              <a:rPr kumimoji="0" lang="en-US" altLang="en-US" sz="1800" b="0" i="0" u="none" strike="noStrike" cap="none" normalizeH="0" baseline="0" dirty="0">
+              <a:rPr kumimoji="0" lang="en-US" altLang="en-US" sz="2000" b="0" i="0" u="none" strike="noStrike" cap="none" normalizeH="0" baseline="0" dirty="0">
                 <a:ln>
                   <a:noFill/>
                 </a:ln>
-                <a:solidFill>
-                  <a:schemeClr val="accent4">
-                    <a:lumMod val="50000"/>
-                  </a:schemeClr>
-                </a:solidFill>
                 <a:effectLst/>
                 <a:latin typeface="Arial" panose="020B0604020202020204" pitchFamily="34" charset="0"/>
               </a:rPr>
@@ -24112,15 +23332,10 @@
               <a:buSzTx/>
               <a:tabLst/>
             </a:pPr>
-            <a:endParaRPr kumimoji="0" lang="en-US" altLang="en-US" sz="1800" b="0" i="0" u="none" strike="noStrike" cap="none" normalizeH="0" baseline="0" dirty="0">
+            <a:endParaRPr kumimoji="0" lang="en-US" altLang="en-US" sz="2000" b="0" i="0" u="none" strike="noStrike" cap="none" normalizeH="0" baseline="0" dirty="0">
               <a:ln>
                 <a:noFill/>
               </a:ln>
-              <a:solidFill>
-                <a:schemeClr val="accent4">
-                  <a:lumMod val="50000"/>
-                </a:schemeClr>
-              </a:solidFill>
               <a:effectLst/>
               <a:latin typeface="Arial" panose="020B0604020202020204" pitchFamily="34" charset="0"/>
             </a:endParaRPr>
@@ -24140,15 +23355,10 @@
               <a:buSzTx/>
               <a:tabLst/>
             </a:pPr>
-            <a:endParaRPr kumimoji="0" lang="en-US" altLang="en-US" sz="1800" b="0" i="0" u="none" strike="noStrike" cap="none" normalizeH="0" baseline="0" dirty="0">
+            <a:endParaRPr kumimoji="0" lang="en-US" altLang="en-US" sz="2000" b="0" i="0" u="none" strike="noStrike" cap="none" normalizeH="0" baseline="0" dirty="0">
               <a:ln>
                 <a:noFill/>
               </a:ln>
-              <a:solidFill>
-                <a:schemeClr val="accent4">
-                  <a:lumMod val="50000"/>
-                </a:schemeClr>
-              </a:solidFill>
               <a:effectLst/>
               <a:latin typeface="Arial" panose="020B0604020202020204" pitchFamily="34" charset="0"/>
             </a:endParaRPr>
@@ -24171,29 +23381,19 @@
               <a:tabLst/>
             </a:pPr>
             <a:r>
-              <a:rPr kumimoji="0" lang="en-US" altLang="en-US" sz="1800" b="1" i="0" u="none" strike="noStrike" cap="none" normalizeH="0" baseline="0" dirty="0">
+              <a:rPr kumimoji="0" lang="en-US" altLang="en-US" sz="2000" b="1" i="0" u="none" strike="noStrike" cap="none" normalizeH="0" baseline="0" dirty="0">
                 <a:ln>
                   <a:noFill/>
                 </a:ln>
-                <a:solidFill>
-                  <a:schemeClr val="accent4">
-                    <a:lumMod val="50000"/>
-                  </a:schemeClr>
-                </a:solidFill>
                 <a:effectLst/>
                 <a:latin typeface="Arial" panose="020B0604020202020204" pitchFamily="34" charset="0"/>
               </a:rPr>
               <a:t> MS PowerPoint:</a:t>
             </a:r>
-            <a:endParaRPr kumimoji="0" lang="en-US" altLang="en-US" sz="1800" b="0" i="0" u="none" strike="noStrike" cap="none" normalizeH="0" baseline="0" dirty="0">
+            <a:endParaRPr kumimoji="0" lang="en-US" altLang="en-US" sz="2000" b="0" i="0" u="none" strike="noStrike" cap="none" normalizeH="0" baseline="0" dirty="0">
               <a:ln>
                 <a:noFill/>
               </a:ln>
-              <a:solidFill>
-                <a:schemeClr val="accent4">
-                  <a:lumMod val="50000"/>
-                </a:schemeClr>
-              </a:solidFill>
               <a:effectLst/>
               <a:latin typeface="Arial" panose="020B0604020202020204" pitchFamily="34" charset="0"/>
             </a:endParaRPr>
@@ -24214,15 +23414,10 @@
               <a:tabLst/>
             </a:pPr>
             <a:r>
-              <a:rPr kumimoji="0" lang="en-US" altLang="en-US" sz="1800" b="0" i="0" u="none" strike="noStrike" cap="none" normalizeH="0" baseline="0" dirty="0">
+              <a:rPr kumimoji="0" lang="en-US" altLang="en-US" sz="2000" b="0" i="0" u="none" strike="noStrike" cap="none" normalizeH="0" baseline="0" dirty="0">
                 <a:ln>
                   <a:noFill/>
                 </a:ln>
-                <a:solidFill>
-                  <a:schemeClr val="accent4">
-                    <a:lumMod val="50000"/>
-                  </a:schemeClr>
-                </a:solidFill>
                 <a:effectLst/>
                 <a:latin typeface="Arial" panose="020B0604020202020204" pitchFamily="34" charset="0"/>
               </a:rPr>
@@ -24245,32 +23440,14 @@
               <a:tabLst/>
             </a:pPr>
             <a:r>
-              <a:rPr kumimoji="0" lang="en-US" altLang="en-US" sz="1800" b="0" i="0" u="none" strike="noStrike" cap="none" normalizeH="0" baseline="0" dirty="0">
+              <a:rPr kumimoji="0" lang="en-US" altLang="en-US" sz="2000" b="0" i="0" u="none" strike="noStrike" cap="none" normalizeH="0" baseline="0" dirty="0">
                 <a:ln>
                   <a:noFill/>
                 </a:ln>
-                <a:solidFill>
-                  <a:schemeClr val="accent4">
-                    <a:lumMod val="50000"/>
-                  </a:schemeClr>
-                </a:solidFill>
                 <a:effectLst/>
                 <a:latin typeface="Arial" panose="020B0604020202020204" pitchFamily="34" charset="0"/>
               </a:rPr>
-              <a:t>  recommendations</a:t>
-            </a:r>
-            <a:r>
-              <a:rPr kumimoji="0" lang="en-US" altLang="en-US" sz="1800" b="0" i="0" u="none" strike="noStrike" cap="none" normalizeH="0" baseline="0" dirty="0">
-                <a:ln>
-                  <a:noFill/>
-                </a:ln>
-                <a:solidFill>
-                  <a:schemeClr val="tx1"/>
-                </a:solidFill>
-                <a:effectLst/>
-                <a:latin typeface="Arial" panose="020B0604020202020204" pitchFamily="34" charset="0"/>
-              </a:rPr>
-              <a:t>.</a:t>
+              <a:t>  recommendations.</a:t>
             </a:r>
           </a:p>
           <a:p>
@@ -24319,7 +23496,7 @@
         </p:nvSpPr>
         <p:spPr bwMode="auto">
           <a:xfrm>
-            <a:off x="6132855" y="2840558"/>
+            <a:off x="6072371" y="2838645"/>
             <a:ext cx="4801314" cy="3139321"/>
           </a:xfrm>
           <a:prstGeom prst="rect">
@@ -24397,17 +23574,22 @@
                 <a:effectLst/>
                 <a:latin typeface="Arial" panose="020B0604020202020204" pitchFamily="34" charset="0"/>
               </a:rPr>
-              <a:t> MS Power BI:</a:t>
+              <a:t> </a:t>
+            </a:r>
+            <a:r>
+              <a:rPr kumimoji="0" lang="en-US" altLang="en-US" sz="1800" b="1" i="0" u="none" strike="noStrike" cap="none" normalizeH="0" baseline="0" dirty="0">
+                <a:ln>
+                  <a:noFill/>
+                </a:ln>
+                <a:effectLst/>
+                <a:latin typeface="Arial" panose="020B0604020202020204" pitchFamily="34" charset="0"/>
+              </a:rPr>
+              <a:t>MS Power BI:</a:t>
             </a:r>
             <a:endParaRPr kumimoji="0" lang="en-US" altLang="en-US" sz="1800" b="0" i="0" u="none" strike="noStrike" cap="none" normalizeH="0" baseline="0" dirty="0">
               <a:ln>
                 <a:noFill/>
               </a:ln>
-              <a:solidFill>
-                <a:schemeClr val="accent4">
-                  <a:lumMod val="50000"/>
-                </a:schemeClr>
-              </a:solidFill>
               <a:effectLst/>
               <a:latin typeface="Arial" panose="020B0604020202020204" pitchFamily="34" charset="0"/>
             </a:endParaRPr>
@@ -24432,11 +23614,6 @@
                 <a:ln>
                   <a:noFill/>
                 </a:ln>
-                <a:solidFill>
-                  <a:schemeClr val="accent4">
-                    <a:lumMod val="50000"/>
-                  </a:schemeClr>
-                </a:solidFill>
                 <a:effectLst/>
                 <a:latin typeface="Arial" panose="020B0604020202020204" pitchFamily="34" charset="0"/>
               </a:rPr>
@@ -24460,11 +23637,6 @@
             </a:pPr>
             <a:r>
               <a:rPr lang="en-US" altLang="en-US" dirty="0">
-                <a:solidFill>
-                  <a:schemeClr val="accent4">
-                    <a:lumMod val="50000"/>
-                  </a:schemeClr>
-                </a:solidFill>
                 <a:latin typeface="Arial" panose="020B0604020202020204" pitchFamily="34" charset="0"/>
               </a:rPr>
               <a:t>   </a:t>
@@ -24474,11 +23646,6 @@
                 <a:ln>
                   <a:noFill/>
                 </a:ln>
-                <a:solidFill>
-                  <a:schemeClr val="accent4">
-                    <a:lumMod val="50000"/>
-                  </a:schemeClr>
-                </a:solidFill>
                 <a:effectLst/>
                 <a:latin typeface="Arial" panose="020B0604020202020204" pitchFamily="34" charset="0"/>
               </a:rPr>
@@ -24504,11 +23671,6 @@
               <a:ln>
                 <a:noFill/>
               </a:ln>
-              <a:solidFill>
-                <a:schemeClr val="accent4">
-                  <a:lumMod val="50000"/>
-                </a:schemeClr>
-              </a:solidFill>
               <a:effectLst/>
               <a:latin typeface="Arial" panose="020B0604020202020204" pitchFamily="34" charset="0"/>
             </a:endParaRPr>
@@ -24535,11 +23697,6 @@
                 <a:ln>
                   <a:noFill/>
                 </a:ln>
-                <a:solidFill>
-                  <a:schemeClr val="accent4">
-                    <a:lumMod val="50000"/>
-                  </a:schemeClr>
-                </a:solidFill>
                 <a:effectLst/>
                 <a:latin typeface="Arial" panose="020B0604020202020204" pitchFamily="34" charset="0"/>
               </a:rPr>
@@ -24549,11 +23706,6 @@
               <a:ln>
                 <a:noFill/>
               </a:ln>
-              <a:solidFill>
-                <a:schemeClr val="accent4">
-                  <a:lumMod val="50000"/>
-                </a:schemeClr>
-              </a:solidFill>
               <a:effectLst/>
               <a:latin typeface="Arial" panose="020B0604020202020204" pitchFamily="34" charset="0"/>
             </a:endParaRPr>
@@ -24578,11 +23730,6 @@
                 <a:ln>
                   <a:noFill/>
                 </a:ln>
-                <a:solidFill>
-                  <a:schemeClr val="accent4">
-                    <a:lumMod val="50000"/>
-                  </a:schemeClr>
-                </a:solidFill>
                 <a:effectLst/>
                 <a:latin typeface="Arial" panose="020B0604020202020204" pitchFamily="34" charset="0"/>
               </a:rPr>
@@ -24608,11 +23755,6 @@
               <a:ln>
                 <a:noFill/>
               </a:ln>
-              <a:solidFill>
-                <a:schemeClr val="accent4">
-                  <a:lumMod val="50000"/>
-                </a:schemeClr>
-              </a:solidFill>
               <a:effectLst/>
               <a:latin typeface="Arial" panose="020B0604020202020204" pitchFamily="34" charset="0"/>
             </a:endParaRPr>
@@ -24639,11 +23781,6 @@
                 <a:ln>
                   <a:noFill/>
                 </a:ln>
-                <a:solidFill>
-                  <a:schemeClr val="accent4">
-                    <a:lumMod val="50000"/>
-                  </a:schemeClr>
-                </a:solidFill>
                 <a:effectLst/>
                 <a:latin typeface="Arial" panose="020B0604020202020204" pitchFamily="34" charset="0"/>
               </a:rPr>
@@ -24653,11 +23790,6 @@
               <a:ln>
                 <a:noFill/>
               </a:ln>
-              <a:solidFill>
-                <a:schemeClr val="accent4">
-                  <a:lumMod val="50000"/>
-                </a:schemeClr>
-              </a:solidFill>
               <a:effectLst/>
               <a:latin typeface="Arial" panose="020B0604020202020204" pitchFamily="34" charset="0"/>
             </a:endParaRPr>
@@ -24682,11 +23814,6 @@
                 <a:ln>
                   <a:noFill/>
                 </a:ln>
-                <a:solidFill>
-                  <a:schemeClr val="accent4">
-                    <a:lumMod val="50000"/>
-                  </a:schemeClr>
-                </a:solidFill>
                 <a:effectLst/>
                 <a:latin typeface="Arial" panose="020B0604020202020204" pitchFamily="34" charset="0"/>
               </a:rPr>
@@ -24710,11 +23837,6 @@
             </a:pPr>
             <a:r>
               <a:rPr lang="en-US" altLang="en-US" dirty="0">
-                <a:solidFill>
-                  <a:schemeClr val="accent4">
-                    <a:lumMod val="50000"/>
-                  </a:schemeClr>
-                </a:solidFill>
                 <a:latin typeface="Arial" panose="020B0604020202020204" pitchFamily="34" charset="0"/>
               </a:rPr>
               <a:t>  </a:t>
@@ -24724,11 +23846,6 @@
                 <a:ln>
                   <a:noFill/>
                 </a:ln>
-                <a:solidFill>
-                  <a:schemeClr val="accent4">
-                    <a:lumMod val="50000"/>
-                  </a:schemeClr>
-                </a:solidFill>
                 <a:effectLst/>
                 <a:latin typeface="Arial" panose="020B0604020202020204" pitchFamily="34" charset="0"/>
               </a:rPr>
@@ -24781,12 +23898,17 @@
         </p:nvCxnSpPr>
         <p:spPr>
           <a:xfrm>
-            <a:off x="639061" y="5022482"/>
+            <a:off x="643902" y="5187374"/>
             <a:ext cx="4576541" cy="0"/>
           </a:xfrm>
           <a:prstGeom prst="line">
             <a:avLst/>
           </a:prstGeom>
+          <a:ln>
+            <a:solidFill>
+              <a:schemeClr val="tx1"/>
+            </a:solidFill>
+          </a:ln>
         </p:spPr>
         <p:style>
           <a:lnRef idx="1">
@@ -24823,6 +23945,11 @@
           <a:prstGeom prst="line">
             <a:avLst/>
           </a:prstGeom>
+          <a:ln>
+            <a:solidFill>
+              <a:schemeClr val="tx1"/>
+            </a:solidFill>
+          </a:ln>
         </p:spPr>
         <p:style>
           <a:lnRef idx="1">
@@ -24861,6 +23988,11 @@
           <a:prstGeom prst="line">
             <a:avLst/>
           </a:prstGeom>
+          <a:ln>
+            <a:solidFill>
+              <a:schemeClr val="tx1"/>
+            </a:solidFill>
+          </a:ln>
         </p:spPr>
         <p:style>
           <a:lnRef idx="1">
@@ -24899,6 +24031,11 @@
           <a:prstGeom prst="line">
             <a:avLst/>
           </a:prstGeom>
+          <a:ln>
+            <a:solidFill>
+              <a:schemeClr val="tx1"/>
+            </a:solidFill>
+          </a:ln>
         </p:spPr>
         <p:style>
           <a:lnRef idx="1">
@@ -24924,30 +24061,8 @@
 </file>
 
 <file path=ppt/slides/slide7.xml><?xml version="1.0" encoding="utf-8"?>
-<p:sld xmlns:a="http://schemas.openxmlformats.org/drawingml/2006/main" xmlns:r="http://schemas.openxmlformats.org/officeDocument/2006/relationships" xmlns:p="http://schemas.openxmlformats.org/presentationml/2006/main">
+<p:sld xmlns:a="http://schemas.openxmlformats.org/drawingml/2006/main" xmlns:r="http://schemas.openxmlformats.org/officeDocument/2006/relationships" xmlns:p="http://schemas.openxmlformats.org/presentationml/2006/main" showMasterSp="0">
   <p:cSld>
-    <p:bg>
-      <p:bgPr>
-        <a:gradFill>
-          <a:gsLst>
-            <a:gs pos="50000">
-              <a:srgbClr val="FFFF00"/>
-            </a:gs>
-            <a:gs pos="74000">
-              <a:schemeClr val="bg1"/>
-            </a:gs>
-            <a:gs pos="0">
-              <a:srgbClr val="DFE0D2"/>
-            </a:gs>
-            <a:gs pos="100000">
-              <a:srgbClr val="EDF2C0"/>
-            </a:gs>
-          </a:gsLst>
-          <a:lin ang="5400000" scaled="1"/>
-        </a:gradFill>
-        <a:effectLst/>
-      </p:bgPr>
-    </p:bg>
     <p:spTree>
       <p:nvGrpSpPr>
         <p:cNvPr id="1" name=""/>
@@ -24994,9 +24109,7 @@
             <a:r>
               <a:rPr lang="en-US" sz="4000" b="1" dirty="0">
                 <a:solidFill>
-                  <a:schemeClr val="accent3">
-                    <a:lumMod val="75000"/>
-                  </a:schemeClr>
+                  <a:schemeClr val="bg1"/>
                 </a:solidFill>
                 <a:latin typeface="Arial Black" panose="020B0A04020102020204" pitchFamily="34" charset="0"/>
               </a:rPr>
@@ -25031,8 +24144,8 @@
         </p:blipFill>
         <p:spPr>
           <a:xfrm>
-            <a:off x="7603802" y="1098405"/>
-            <a:ext cx="4897464" cy="1394432"/>
+            <a:off x="7824866" y="837532"/>
+            <a:ext cx="4406577" cy="1394432"/>
           </a:xfrm>
           <a:prstGeom prst="rect">
             <a:avLst/>
@@ -25065,8 +24178,8 @@
         </p:nvSpPr>
         <p:spPr bwMode="auto">
           <a:xfrm>
-            <a:off x="147934" y="757167"/>
-            <a:ext cx="10390913" cy="2523768"/>
+            <a:off x="147934" y="733723"/>
+            <a:ext cx="10390913" cy="2923877"/>
           </a:xfrm>
           <a:prstGeom prst="rect">
             <a:avLst/>
@@ -25131,12 +24244,12 @@
               <a:tabLst/>
             </a:pPr>
             <a:r>
-              <a:rPr kumimoji="0" lang="en-US" altLang="en-US" sz="1400" b="1" i="0" u="none" strike="noStrike" cap="none" normalizeH="0" baseline="0" dirty="0">
+              <a:rPr kumimoji="0" lang="en-US" altLang="en-US" sz="1800" b="1" i="0" u="none" strike="noStrike" cap="none" normalizeH="0" baseline="0" dirty="0">
                 <a:ln>
                   <a:noFill/>
                 </a:ln>
                 <a:solidFill>
-                  <a:schemeClr val="tx1"/>
+                  <a:schemeClr val="bg1"/>
                 </a:solidFill>
                 <a:effectLst/>
               </a:rPr>
@@ -25154,12 +24267,12 @@
               </a:rPr>
             </a:br>
             <a:r>
-              <a:rPr kumimoji="0" lang="en-US" altLang="en-US" sz="1400" b="0" i="0" u="none" strike="noStrike" cap="none" normalizeH="0" baseline="0" dirty="0">
+              <a:rPr kumimoji="0" lang="en-US" altLang="en-US" sz="2000" b="1" i="0" u="none" strike="noStrike" cap="none" normalizeH="0" baseline="0" dirty="0">
                 <a:ln>
                   <a:noFill/>
                 </a:ln>
                 <a:solidFill>
-                  <a:schemeClr val="tx1"/>
+                  <a:schemeClr val="bg1"/>
                 </a:solidFill>
                 <a:effectLst/>
               </a:rPr>
@@ -25188,7 +24301,7 @@
                 <a:noFill/>
               </a:ln>
               <a:solidFill>
-                <a:schemeClr val="tx1"/>
+                <a:schemeClr val="bg1"/>
               </a:solidFill>
               <a:effectLst/>
             </a:endParaRPr>
@@ -25211,23 +24324,23 @@
               <a:tabLst/>
             </a:pPr>
             <a:r>
-              <a:rPr kumimoji="0" lang="en-US" altLang="en-US" sz="1400" b="1" i="0" u="none" strike="noStrike" cap="none" normalizeH="0" baseline="0" dirty="0">
+              <a:rPr kumimoji="0" lang="en-US" altLang="en-US" sz="1800" b="1" i="0" u="none" strike="noStrike" cap="none" normalizeH="0" baseline="0" dirty="0">
                 <a:ln>
                   <a:noFill/>
                 </a:ln>
                 <a:solidFill>
-                  <a:schemeClr val="tx1"/>
+                  <a:schemeClr val="bg1"/>
                 </a:solidFill>
                 <a:effectLst/>
               </a:rPr>
               <a:t>Data Cleaning Process:</a:t>
             </a:r>
-            <a:endParaRPr kumimoji="0" lang="en-US" altLang="en-US" sz="1400" b="0" i="0" u="none" strike="noStrike" cap="none" normalizeH="0" baseline="0" dirty="0">
+            <a:endParaRPr kumimoji="0" lang="en-US" altLang="en-US" sz="1800" b="0" i="0" u="none" strike="noStrike" cap="none" normalizeH="0" baseline="0" dirty="0">
               <a:ln>
                 <a:noFill/>
               </a:ln>
               <a:solidFill>
-                <a:schemeClr val="tx1"/>
+                <a:schemeClr val="bg1"/>
               </a:solidFill>
               <a:effectLst/>
             </a:endParaRPr>
@@ -25249,27 +24362,31 @@
               <a:tabLst/>
             </a:pPr>
             <a:r>
-              <a:rPr lang="en-US" altLang="en-US" sz="1400" b="1" dirty="0"/>
+              <a:rPr lang="en-US" altLang="en-US" sz="1600" b="1" dirty="0">
+                <a:solidFill>
+                  <a:schemeClr val="bg1"/>
+                </a:solidFill>
+              </a:rPr>
               <a:t>1) </a:t>
             </a:r>
             <a:r>
-              <a:rPr kumimoji="0" lang="en-US" altLang="en-US" sz="1400" b="1" i="0" u="none" strike="noStrike" cap="none" normalizeH="0" baseline="0" dirty="0">
+              <a:rPr kumimoji="0" lang="en-US" altLang="en-US" sz="1600" b="1" i="0" u="none" strike="noStrike" cap="none" normalizeH="0" baseline="0" dirty="0">
                 <a:ln>
                   <a:noFill/>
                 </a:ln>
                 <a:solidFill>
-                  <a:schemeClr val="tx1"/>
+                  <a:schemeClr val="bg1"/>
                 </a:solidFill>
                 <a:effectLst/>
               </a:rPr>
               <a:t>Deleted Duplicates:</a:t>
             </a:r>
-            <a:endParaRPr kumimoji="0" lang="en-US" altLang="en-US" sz="1400" b="0" i="0" u="none" strike="noStrike" cap="none" normalizeH="0" baseline="0" dirty="0">
+            <a:endParaRPr kumimoji="0" lang="en-US" altLang="en-US" sz="1600" b="0" i="0" u="none" strike="noStrike" cap="none" normalizeH="0" baseline="0" dirty="0">
               <a:ln>
                 <a:noFill/>
               </a:ln>
               <a:solidFill>
-                <a:schemeClr val="tx1"/>
+                <a:schemeClr val="bg1"/>
               </a:solidFill>
               <a:effectLst/>
             </a:endParaRPr>
@@ -25291,24 +24408,24 @@
               <a:tabLst/>
             </a:pPr>
             <a:r>
-              <a:rPr kumimoji="0" lang="en-US" altLang="en-US" sz="1400" b="1" i="0" u="none" strike="noStrike" cap="none" normalizeH="0" baseline="0" dirty="0">
+              <a:rPr kumimoji="0" lang="en-US" altLang="en-US" sz="1600" b="1" i="0" u="none" strike="noStrike" cap="none" normalizeH="0" baseline="0" dirty="0">
                 <a:ln>
                   <a:noFill/>
                 </a:ln>
                 <a:solidFill>
-                  <a:schemeClr val="tx1"/>
+                  <a:schemeClr val="bg1"/>
                 </a:solidFill>
                 <a:effectLst/>
               </a:rPr>
               <a:t>                Action:</a:t>
             </a:r>
             <a:r>
-              <a:rPr kumimoji="0" lang="en-US" altLang="en-US" sz="1400" b="0" i="0" u="none" strike="noStrike" cap="none" normalizeH="0" baseline="0" dirty="0">
+              <a:rPr kumimoji="0" lang="en-US" altLang="en-US" sz="1600" b="0" i="0" u="none" strike="noStrike" cap="none" normalizeH="0" baseline="0" dirty="0">
                 <a:ln>
                   <a:noFill/>
                 </a:ln>
                 <a:solidFill>
-                  <a:schemeClr val="tx1"/>
+                  <a:schemeClr val="bg1"/>
                 </a:solidFill>
                 <a:effectLst/>
               </a:rPr>
@@ -25332,24 +24449,24 @@
               <a:tabLst/>
             </a:pPr>
             <a:r>
-              <a:rPr kumimoji="0" lang="en-US" altLang="en-US" sz="1400" b="1" i="0" u="none" strike="noStrike" cap="none" normalizeH="0" baseline="0" dirty="0">
+              <a:rPr kumimoji="0" lang="en-US" altLang="en-US" sz="1600" b="1" i="0" u="none" strike="noStrike" cap="none" normalizeH="0" baseline="0" dirty="0">
                 <a:ln>
                   <a:noFill/>
                 </a:ln>
                 <a:solidFill>
-                  <a:schemeClr val="tx1"/>
+                  <a:schemeClr val="bg1"/>
                 </a:solidFill>
                 <a:effectLst/>
               </a:rPr>
               <a:t>                Reason:</a:t>
             </a:r>
             <a:r>
-              <a:rPr kumimoji="0" lang="en-US" altLang="en-US" sz="1400" b="0" i="0" u="none" strike="noStrike" cap="none" normalizeH="0" baseline="0" dirty="0">
+              <a:rPr kumimoji="0" lang="en-US" altLang="en-US" sz="1600" b="0" i="0" u="none" strike="noStrike" cap="none" normalizeH="0" baseline="0" dirty="0">
                 <a:ln>
                   <a:noFill/>
                 </a:ln>
                 <a:solidFill>
-                  <a:schemeClr val="tx1"/>
+                  <a:schemeClr val="bg1"/>
                 </a:solidFill>
                 <a:effectLst/>
               </a:rPr>
@@ -25372,12 +24489,12 @@
               <a:buNone/>
               <a:tabLst/>
             </a:pPr>
-            <a:endParaRPr kumimoji="0" lang="en-US" altLang="en-US" sz="1400" b="0" i="0" u="none" strike="noStrike" cap="none" normalizeH="0" baseline="0" dirty="0">
+            <a:endParaRPr kumimoji="0" lang="en-US" altLang="en-US" sz="1600" b="0" i="0" u="none" strike="noStrike" cap="none" normalizeH="0" baseline="0" dirty="0">
               <a:ln>
                 <a:noFill/>
               </a:ln>
               <a:solidFill>
-                <a:schemeClr val="tx1"/>
+                <a:schemeClr val="bg1"/>
               </a:solidFill>
               <a:effectLst/>
             </a:endParaRPr>
@@ -25399,23 +24516,23 @@
               <a:tabLst/>
             </a:pPr>
             <a:r>
-              <a:rPr kumimoji="0" lang="en-US" altLang="en-US" sz="1400" b="1" i="0" u="none" strike="noStrike" cap="none" normalizeH="0" baseline="0" dirty="0">
+              <a:rPr kumimoji="0" lang="en-US" altLang="en-US" sz="1600" b="1" i="0" u="none" strike="noStrike" cap="none" normalizeH="0" baseline="0" dirty="0">
                 <a:ln>
                   <a:noFill/>
                 </a:ln>
                 <a:solidFill>
-                  <a:schemeClr val="tx1"/>
+                  <a:schemeClr val="bg1"/>
                 </a:solidFill>
                 <a:effectLst/>
               </a:rPr>
               <a:t>2) Identified Records with same Order ID and Product ID but Different Quantities:</a:t>
             </a:r>
-            <a:endParaRPr kumimoji="0" lang="en-US" altLang="en-US" sz="1400" b="0" i="0" u="none" strike="noStrike" cap="none" normalizeH="0" baseline="0" dirty="0">
+            <a:endParaRPr kumimoji="0" lang="en-US" altLang="en-US" sz="1600" b="0" i="0" u="none" strike="noStrike" cap="none" normalizeH="0" baseline="0" dirty="0">
               <a:ln>
                 <a:noFill/>
               </a:ln>
               <a:solidFill>
-                <a:schemeClr val="tx1"/>
+                <a:schemeClr val="bg1"/>
               </a:solidFill>
               <a:effectLst/>
             </a:endParaRPr>
@@ -25437,24 +24554,24 @@
               <a:tabLst/>
             </a:pPr>
             <a:r>
-              <a:rPr kumimoji="0" lang="en-US" altLang="en-US" sz="1400" b="1" i="0" u="none" strike="noStrike" cap="none" normalizeH="0" baseline="0" dirty="0">
+              <a:rPr kumimoji="0" lang="en-US" altLang="en-US" sz="1600" b="1" i="0" u="none" strike="noStrike" cap="none" normalizeH="0" baseline="0" dirty="0">
                 <a:ln>
                   <a:noFill/>
                 </a:ln>
                 <a:solidFill>
-                  <a:schemeClr val="tx1"/>
+                  <a:schemeClr val="bg1"/>
                 </a:solidFill>
                 <a:effectLst/>
               </a:rPr>
               <a:t>                Total Records:</a:t>
             </a:r>
             <a:r>
-              <a:rPr kumimoji="0" lang="en-US" altLang="en-US" sz="1400" b="0" i="0" u="none" strike="noStrike" cap="none" normalizeH="0" baseline="0" dirty="0">
+              <a:rPr kumimoji="0" lang="en-US" altLang="en-US" sz="1600" b="0" i="0" u="none" strike="noStrike" cap="none" normalizeH="0" baseline="0" dirty="0">
                 <a:ln>
                   <a:noFill/>
                 </a:ln>
                 <a:solidFill>
-                  <a:schemeClr val="tx1"/>
+                  <a:schemeClr val="bg1"/>
                 </a:solidFill>
                 <a:effectLst/>
               </a:rPr>
@@ -25507,8 +24624,8 @@
         </p:nvSpPr>
         <p:spPr bwMode="auto">
           <a:xfrm>
-            <a:off x="147934" y="3065492"/>
-            <a:ext cx="11872884" cy="3816429"/>
+            <a:off x="147934" y="3254384"/>
+            <a:ext cx="11872884" cy="4278094"/>
           </a:xfrm>
           <a:prstGeom prst="rect">
             <a:avLst/>
@@ -25575,7 +24692,7 @@
                 <a:noFill/>
               </a:ln>
               <a:solidFill>
-                <a:schemeClr val="tx1"/>
+                <a:schemeClr val="bg1"/>
               </a:solidFill>
               <a:effectLst/>
               <a:latin typeface="Arial" panose="020B0604020202020204" pitchFamily="34" charset="0"/>
@@ -25599,23 +24716,23 @@
               <a:tabLst/>
             </a:pPr>
             <a:r>
-              <a:rPr kumimoji="0" lang="en-US" altLang="en-US" sz="1400" b="1" i="0" u="none" strike="noStrike" cap="none" normalizeH="0" baseline="0" dirty="0">
+              <a:rPr kumimoji="0" lang="en-US" altLang="en-US" sz="1600" b="1" i="0" u="none" strike="noStrike" cap="none" normalizeH="0" baseline="0" dirty="0">
                 <a:ln>
                   <a:noFill/>
                 </a:ln>
                 <a:solidFill>
-                  <a:schemeClr val="tx1"/>
+                  <a:schemeClr val="bg1"/>
                 </a:solidFill>
                 <a:effectLst/>
               </a:rPr>
               <a:t>Possible Causes:</a:t>
             </a:r>
-            <a:endParaRPr kumimoji="0" lang="en-US" altLang="en-US" sz="1400" b="0" i="0" u="none" strike="noStrike" cap="none" normalizeH="0" baseline="0" dirty="0">
+            <a:endParaRPr kumimoji="0" lang="en-US" altLang="en-US" sz="1600" b="0" i="0" u="none" strike="noStrike" cap="none" normalizeH="0" baseline="0" dirty="0">
               <a:ln>
                 <a:noFill/>
               </a:ln>
               <a:solidFill>
-                <a:schemeClr val="tx1"/>
+                <a:schemeClr val="bg1"/>
               </a:solidFill>
               <a:effectLst/>
             </a:endParaRPr>
@@ -25638,31 +24755,39 @@
               <a:tabLst/>
             </a:pPr>
             <a:r>
-              <a:rPr lang="en-US" altLang="en-US" sz="1400" b="1" dirty="0"/>
+              <a:rPr lang="en-US" altLang="en-US" sz="1600" b="1" dirty="0">
+                <a:solidFill>
+                  <a:schemeClr val="bg1"/>
+                </a:solidFill>
+              </a:rPr>
               <a:t>Partial</a:t>
             </a:r>
             <a:r>
-              <a:rPr kumimoji="0" lang="en-US" altLang="en-US" sz="1400" b="1" i="0" u="none" strike="noStrike" cap="none" normalizeH="0" baseline="0" dirty="0">
+              <a:rPr kumimoji="0" lang="en-US" altLang="en-US" sz="1600" b="1" i="0" u="none" strike="noStrike" cap="none" normalizeH="0" baseline="0" dirty="0">
                 <a:ln>
                   <a:noFill/>
                 </a:ln>
                 <a:solidFill>
-                  <a:schemeClr val="tx1"/>
+                  <a:schemeClr val="bg1"/>
                 </a:solidFill>
                 <a:effectLst/>
               </a:rPr>
               <a:t> Shipments: </a:t>
             </a:r>
             <a:r>
-              <a:rPr lang="en-US" sz="1400" dirty="0"/>
+              <a:rPr lang="en-US" sz="1600" dirty="0">
+                <a:solidFill>
+                  <a:schemeClr val="bg1"/>
+                </a:solidFill>
+              </a:rPr>
               <a:t>Partial shipments with the same ship date might be the reason. Due to inventory constraints, the order might be fulfilled by different warehouses.</a:t>
             </a:r>
-            <a:endParaRPr kumimoji="0" lang="en-US" altLang="en-US" sz="1400" b="0" i="0" u="none" strike="noStrike" cap="none" normalizeH="0" baseline="0" dirty="0">
+            <a:endParaRPr kumimoji="0" lang="en-US" altLang="en-US" sz="1600" b="0" i="0" u="none" strike="noStrike" cap="none" normalizeH="0" baseline="0" dirty="0">
               <a:ln>
                 <a:noFill/>
               </a:ln>
               <a:solidFill>
-                <a:schemeClr val="tx1"/>
+                <a:schemeClr val="bg1"/>
               </a:solidFill>
               <a:effectLst/>
             </a:endParaRPr>
@@ -25685,24 +24810,24 @@
               <a:tabLst/>
             </a:pPr>
             <a:r>
-              <a:rPr kumimoji="0" lang="en-US" altLang="en-US" sz="1400" b="1" i="0" u="none" strike="noStrike" cap="none" normalizeH="0" baseline="0" dirty="0">
+              <a:rPr kumimoji="0" lang="en-US" altLang="en-US" sz="1600" b="1" i="0" u="none" strike="noStrike" cap="none" normalizeH="0" baseline="0" dirty="0">
                 <a:ln>
                   <a:noFill/>
                 </a:ln>
                 <a:solidFill>
-                  <a:schemeClr val="tx1"/>
+                  <a:schemeClr val="bg1"/>
                 </a:solidFill>
                 <a:effectLst/>
               </a:rPr>
               <a:t>Order Changes:</a:t>
             </a:r>
             <a:r>
-              <a:rPr kumimoji="0" lang="en-US" altLang="en-US" sz="1400" b="0" i="0" u="none" strike="noStrike" cap="none" normalizeH="0" baseline="0" dirty="0">
+              <a:rPr kumimoji="0" lang="en-US" altLang="en-US" sz="1600" b="0" i="0" u="none" strike="noStrike" cap="none" normalizeH="0" baseline="0" dirty="0">
                 <a:ln>
                   <a:noFill/>
                 </a:ln>
                 <a:solidFill>
-                  <a:schemeClr val="tx1"/>
+                  <a:schemeClr val="bg1"/>
                 </a:solidFill>
                 <a:effectLst/>
               </a:rPr>
@@ -25727,23 +24852,23 @@
               <a:tabLst/>
             </a:pPr>
             <a:r>
-              <a:rPr kumimoji="0" lang="en-US" altLang="en-US" sz="1400" b="1" i="0" u="none" strike="noStrike" cap="none" normalizeH="0" baseline="0" dirty="0">
+              <a:rPr kumimoji="0" lang="en-US" altLang="en-US" sz="1600" b="1" i="0" u="none" strike="noStrike" cap="none" normalizeH="0" baseline="0" dirty="0">
                 <a:ln>
                   <a:noFill/>
                 </a:ln>
                 <a:solidFill>
-                  <a:schemeClr val="tx1"/>
+                  <a:schemeClr val="bg1"/>
                 </a:solidFill>
                 <a:effectLst/>
               </a:rPr>
               <a:t>Assumption Made:</a:t>
             </a:r>
-            <a:endParaRPr kumimoji="0" lang="en-US" altLang="en-US" sz="1400" b="0" i="0" u="none" strike="noStrike" cap="none" normalizeH="0" baseline="0" dirty="0">
+            <a:endParaRPr kumimoji="0" lang="en-US" altLang="en-US" sz="1600" b="0" i="0" u="none" strike="noStrike" cap="none" normalizeH="0" baseline="0" dirty="0">
               <a:ln>
                 <a:noFill/>
               </a:ln>
               <a:solidFill>
-                <a:schemeClr val="tx1"/>
+                <a:schemeClr val="bg1"/>
               </a:solidFill>
               <a:effectLst/>
             </a:endParaRPr>
@@ -25764,40 +24889,44 @@
               <a:tabLst/>
             </a:pPr>
             <a:r>
-              <a:rPr kumimoji="0" lang="en-US" altLang="en-US" sz="1400" b="0" i="0" u="none" strike="noStrike" cap="none" normalizeH="0" baseline="0" dirty="0">
+              <a:rPr kumimoji="0" lang="en-US" altLang="en-US" sz="1600" b="0" i="0" u="none" strike="noStrike" cap="none" normalizeH="0" baseline="0" dirty="0">
                 <a:ln>
                   <a:noFill/>
                 </a:ln>
                 <a:solidFill>
-                  <a:schemeClr val="tx1"/>
+                  <a:schemeClr val="bg1"/>
                 </a:solidFill>
                 <a:effectLst/>
               </a:rPr>
               <a:t>              Assumed that </a:t>
             </a:r>
             <a:r>
-              <a:rPr lang="en-US" altLang="en-US" sz="1400" b="1" dirty="0"/>
+              <a:rPr lang="en-US" altLang="en-US" sz="1600" b="1" dirty="0">
+                <a:solidFill>
+                  <a:schemeClr val="bg1"/>
+                </a:solidFill>
+              </a:rPr>
               <a:t>partial</a:t>
             </a:r>
             <a:r>
-              <a:rPr kumimoji="0" lang="en-US" altLang="en-US" sz="1400" b="1" i="0" u="none" strike="noStrike" cap="none" normalizeH="0" baseline="0" dirty="0">
+              <a:rPr kumimoji="0" lang="en-US" altLang="en-US" sz="1600" b="1" i="0" u="none" strike="noStrike" cap="none" normalizeH="0" baseline="0" dirty="0">
                 <a:ln>
                   <a:noFill/>
                 </a:ln>
                 <a:solidFill>
-                  <a:schemeClr val="tx1"/>
+                  <a:schemeClr val="bg1"/>
                 </a:solidFill>
                 <a:effectLst/>
               </a:rPr>
               <a:t> shipments</a:t>
             </a:r>
             <a:r>
-              <a:rPr kumimoji="0" lang="en-US" altLang="en-US" sz="1400" b="0" i="0" u="none" strike="noStrike" cap="none" normalizeH="0" baseline="0" dirty="0">
+              <a:rPr kumimoji="0" lang="en-US" altLang="en-US" sz="1600" b="0" i="0" u="none" strike="noStrike" cap="none" normalizeH="0" baseline="0" dirty="0">
                 <a:ln>
                   <a:noFill/>
                 </a:ln>
                 <a:solidFill>
-                  <a:schemeClr val="tx1"/>
+                  <a:schemeClr val="bg1"/>
                 </a:solidFill>
                 <a:effectLst/>
               </a:rPr>
@@ -25822,23 +24951,23 @@
               <a:tabLst/>
             </a:pPr>
             <a:r>
-              <a:rPr kumimoji="0" lang="en-US" altLang="en-US" sz="1400" b="1" i="0" u="none" strike="noStrike" cap="none" normalizeH="0" baseline="0" dirty="0">
+              <a:rPr kumimoji="0" lang="en-US" altLang="en-US" sz="1600" b="1" i="0" u="none" strike="noStrike" cap="none" normalizeH="0" baseline="0" dirty="0">
                 <a:ln>
                   <a:noFill/>
                 </a:ln>
                 <a:solidFill>
-                  <a:schemeClr val="tx1"/>
+                  <a:schemeClr val="bg1"/>
                 </a:solidFill>
                 <a:effectLst/>
               </a:rPr>
               <a:t>Aggregation and New Table Creation:</a:t>
             </a:r>
-            <a:endParaRPr kumimoji="0" lang="en-US" altLang="en-US" sz="1400" b="0" i="0" u="none" strike="noStrike" cap="none" normalizeH="0" baseline="0" dirty="0">
+            <a:endParaRPr kumimoji="0" lang="en-US" altLang="en-US" sz="1600" b="0" i="0" u="none" strike="noStrike" cap="none" normalizeH="0" baseline="0" dirty="0">
               <a:ln>
                 <a:noFill/>
               </a:ln>
               <a:solidFill>
-                <a:schemeClr val="tx1"/>
+                <a:schemeClr val="bg1"/>
               </a:solidFill>
               <a:effectLst/>
             </a:endParaRPr>
@@ -25859,24 +24988,24 @@
               <a:tabLst/>
             </a:pPr>
             <a:r>
-              <a:rPr kumimoji="0" lang="en-US" altLang="en-US" sz="1400" b="1" i="0" u="none" strike="noStrike" cap="none" normalizeH="0" baseline="0" dirty="0">
+              <a:rPr kumimoji="0" lang="en-US" altLang="en-US" sz="1600" b="1" i="0" u="none" strike="noStrike" cap="none" normalizeH="0" baseline="0" dirty="0">
                 <a:ln>
                   <a:noFill/>
                 </a:ln>
                 <a:solidFill>
-                  <a:schemeClr val="tx1"/>
+                  <a:schemeClr val="bg1"/>
                 </a:solidFill>
                 <a:effectLst/>
               </a:rPr>
               <a:t>                   Action:</a:t>
             </a:r>
             <a:r>
-              <a:rPr kumimoji="0" lang="en-US" altLang="en-US" sz="1400" b="0" i="0" u="none" strike="noStrike" cap="none" normalizeH="0" baseline="0" dirty="0">
+              <a:rPr kumimoji="0" lang="en-US" altLang="en-US" sz="1600" b="0" i="0" u="none" strike="noStrike" cap="none" normalizeH="0" baseline="0" dirty="0">
                 <a:ln>
                   <a:noFill/>
                 </a:ln>
                 <a:solidFill>
-                  <a:schemeClr val="tx1"/>
+                  <a:schemeClr val="bg1"/>
                 </a:solidFill>
                 <a:effectLst/>
               </a:rPr>
@@ -25899,24 +25028,24 @@
               <a:tabLst/>
             </a:pPr>
             <a:r>
-              <a:rPr kumimoji="0" lang="en-US" altLang="en-US" sz="1400" b="1" i="0" u="none" strike="noStrike" cap="none" normalizeH="0" baseline="0" dirty="0">
+              <a:rPr kumimoji="0" lang="en-US" altLang="en-US" sz="1600" b="1" i="0" u="none" strike="noStrike" cap="none" normalizeH="0" baseline="0" dirty="0">
                 <a:ln>
                   <a:noFill/>
                 </a:ln>
                 <a:solidFill>
-                  <a:schemeClr val="tx1"/>
+                  <a:schemeClr val="bg1"/>
                 </a:solidFill>
                 <a:effectLst/>
               </a:rPr>
               <a:t>                   Result:</a:t>
             </a:r>
             <a:r>
-              <a:rPr kumimoji="0" lang="en-US" altLang="en-US" sz="1400" b="0" i="0" u="none" strike="noStrike" cap="none" normalizeH="0" baseline="0" dirty="0">
+              <a:rPr kumimoji="0" lang="en-US" altLang="en-US" sz="1600" b="0" i="0" u="none" strike="noStrike" cap="none" normalizeH="0" baseline="0" dirty="0">
                 <a:ln>
                   <a:noFill/>
                 </a:ln>
                 <a:solidFill>
-                  <a:schemeClr val="tx1"/>
+                  <a:schemeClr val="bg1"/>
                 </a:solidFill>
                 <a:effectLst/>
               </a:rPr>
@@ -25941,24 +25070,24 @@
               <a:tabLst/>
             </a:pPr>
             <a:r>
-              <a:rPr kumimoji="0" lang="en-US" altLang="en-US" sz="1400" b="1" i="0" u="none" strike="noStrike" cap="none" normalizeH="0" baseline="0" dirty="0">
+              <a:rPr kumimoji="0" lang="en-US" altLang="en-US" sz="1600" b="1" i="0" u="none" strike="noStrike" cap="none" normalizeH="0" baseline="0" dirty="0">
                 <a:ln>
                   <a:noFill/>
                 </a:ln>
                 <a:solidFill>
-                  <a:schemeClr val="tx1"/>
+                  <a:schemeClr val="bg1"/>
                 </a:solidFill>
                 <a:effectLst/>
               </a:rPr>
               <a:t>Additional Action:</a:t>
             </a:r>
             <a:r>
-              <a:rPr kumimoji="0" lang="en-US" altLang="en-US" sz="1400" b="0" i="0" u="none" strike="noStrike" cap="none" normalizeH="0" baseline="0" dirty="0">
+              <a:rPr kumimoji="0" lang="en-US" altLang="en-US" sz="1600" b="0" i="0" u="none" strike="noStrike" cap="none" normalizeH="0" baseline="0" dirty="0">
                 <a:ln>
                   <a:noFill/>
                 </a:ln>
                 <a:solidFill>
-                  <a:schemeClr val="tx1"/>
+                  <a:schemeClr val="bg1"/>
                 </a:solidFill>
                 <a:effectLst/>
               </a:rPr>
@@ -25983,23 +25112,23 @@
               <a:tabLst/>
             </a:pPr>
             <a:r>
-              <a:rPr kumimoji="0" lang="en-US" altLang="en-US" sz="1400" b="1" i="0" u="none" strike="noStrike" cap="none" normalizeH="0" baseline="0" dirty="0">
+              <a:rPr kumimoji="0" lang="en-US" altLang="en-US" sz="1600" b="1" i="0" u="none" strike="noStrike" cap="none" normalizeH="0" baseline="0" dirty="0">
                 <a:ln>
                   <a:noFill/>
                 </a:ln>
                 <a:solidFill>
-                  <a:schemeClr val="tx1"/>
+                  <a:schemeClr val="bg1"/>
                 </a:solidFill>
                 <a:effectLst/>
               </a:rPr>
               <a:t>Composite Key Creation:</a:t>
             </a:r>
-            <a:endParaRPr kumimoji="0" lang="en-US" altLang="en-US" sz="1400" b="0" i="0" u="none" strike="noStrike" cap="none" normalizeH="0" baseline="0" dirty="0">
+            <a:endParaRPr kumimoji="0" lang="en-US" altLang="en-US" sz="1600" b="0" i="0" u="none" strike="noStrike" cap="none" normalizeH="0" baseline="0" dirty="0">
               <a:ln>
                 <a:noFill/>
               </a:ln>
               <a:solidFill>
-                <a:schemeClr val="tx1"/>
+                <a:schemeClr val="bg1"/>
               </a:solidFill>
               <a:effectLst/>
             </a:endParaRPr>
@@ -26020,24 +25149,24 @@
               <a:tabLst/>
             </a:pPr>
             <a:r>
-              <a:rPr kumimoji="0" lang="en-US" altLang="en-US" sz="1400" b="1" i="0" u="none" strike="noStrike" cap="none" normalizeH="0" baseline="0" dirty="0">
+              <a:rPr kumimoji="0" lang="en-US" altLang="en-US" sz="1600" b="1" i="0" u="none" strike="noStrike" cap="none" normalizeH="0" baseline="0" dirty="0">
                 <a:ln>
                   <a:noFill/>
                 </a:ln>
                 <a:solidFill>
-                  <a:schemeClr val="tx1"/>
+                  <a:schemeClr val="bg1"/>
                 </a:solidFill>
                 <a:effectLst/>
               </a:rPr>
               <a:t> Action:</a:t>
             </a:r>
             <a:r>
-              <a:rPr kumimoji="0" lang="en-US" altLang="en-US" sz="1400" b="0" i="0" u="none" strike="noStrike" cap="none" normalizeH="0" baseline="0" dirty="0">
+              <a:rPr kumimoji="0" lang="en-US" altLang="en-US" sz="1600" b="0" i="0" u="none" strike="noStrike" cap="none" normalizeH="0" baseline="0" dirty="0">
                 <a:ln>
                   <a:noFill/>
                 </a:ln>
                 <a:solidFill>
-                  <a:schemeClr val="tx1"/>
+                  <a:schemeClr val="bg1"/>
                 </a:solidFill>
                 <a:effectLst/>
               </a:rPr>
@@ -26060,12 +25189,12 @@
               <a:tabLst/>
             </a:pPr>
             <a:r>
-              <a:rPr kumimoji="0" lang="en-US" altLang="en-US" sz="1400" b="0" i="0" u="none" strike="noStrike" cap="none" normalizeH="0" baseline="0" dirty="0">
+              <a:rPr kumimoji="0" lang="en-US" altLang="en-US" sz="1600" b="0" i="0" u="none" strike="noStrike" cap="none" normalizeH="0" baseline="0" dirty="0">
                 <a:ln>
                   <a:noFill/>
                 </a:ln>
                 <a:solidFill>
-                  <a:schemeClr val="tx1"/>
+                  <a:schemeClr val="bg1"/>
                 </a:solidFill>
                 <a:effectLst/>
               </a:rPr>
@@ -26088,12 +25217,12 @@
               <a:tabLst/>
             </a:pPr>
             <a:r>
-              <a:rPr kumimoji="0" lang="en-US" altLang="en-US" sz="1400" b="0" i="0" u="none" strike="noStrike" cap="none" normalizeH="0" baseline="0" dirty="0">
+              <a:rPr kumimoji="0" lang="en-US" altLang="en-US" sz="1600" b="0" i="0" u="none" strike="noStrike" cap="none" normalizeH="0" baseline="0" dirty="0">
                 <a:ln>
                   <a:noFill/>
                 </a:ln>
                 <a:solidFill>
-                  <a:schemeClr val="tx1"/>
+                  <a:schemeClr val="bg1"/>
                 </a:solidFill>
                 <a:effectLst/>
               </a:rPr>
@@ -26146,37 +25275,6 @@
 <file path=ppt/slides/slide8.xml><?xml version="1.0" encoding="utf-8"?>
 <p:sld xmlns:a="http://schemas.openxmlformats.org/drawingml/2006/main" xmlns:r="http://schemas.openxmlformats.org/officeDocument/2006/relationships" xmlns:p="http://schemas.openxmlformats.org/presentationml/2006/main" showMasterSp="0">
   <p:cSld>
-    <p:bg>
-      <p:bgPr>
-        <a:gradFill>
-          <a:gsLst>
-            <a:gs pos="50000">
-              <a:schemeClr val="tx2">
-                <a:lumMod val="75000"/>
-                <a:lumOff val="25000"/>
-              </a:schemeClr>
-            </a:gs>
-            <a:gs pos="74000">
-              <a:schemeClr val="tx2">
-                <a:lumMod val="90000"/>
-                <a:lumOff val="10000"/>
-              </a:schemeClr>
-            </a:gs>
-            <a:gs pos="0">
-              <a:srgbClr val="DFE0D2"/>
-            </a:gs>
-            <a:gs pos="100000">
-              <a:schemeClr val="tx2">
-                <a:lumMod val="90000"/>
-                <a:lumOff val="10000"/>
-              </a:schemeClr>
-            </a:gs>
-          </a:gsLst>
-          <a:lin ang="5400000" scaled="1"/>
-        </a:gradFill>
-        <a:effectLst/>
-      </p:bgPr>
-    </p:bg>
     <p:spTree>
       <p:nvGrpSpPr>
         <p:cNvPr id="1" name="Shape 182"/>
@@ -26203,8 +25301,8 @@
         </p:nvSpPr>
         <p:spPr>
           <a:xfrm>
-            <a:off x="1382575" y="364788"/>
-            <a:ext cx="8430260" cy="566822"/>
+            <a:off x="1367584" y="139936"/>
+            <a:ext cx="8430260" cy="628377"/>
           </a:xfrm>
           <a:prstGeom prst="rect">
             <a:avLst/>
@@ -26234,23 +25332,19 @@
               <a:buNone/>
             </a:pPr>
             <a:r>
-              <a:rPr lang="en-US" sz="3600" b="1" dirty="0">
-                <a:solidFill>
-                  <a:schemeClr val="tx2">
-                    <a:lumMod val="90000"/>
-                    <a:lumOff val="10000"/>
-                  </a:schemeClr>
-                </a:solidFill>
+              <a:rPr lang="en-US" sz="4000" b="1" dirty="0">
+                <a:solidFill>
+                  <a:schemeClr val="bg1"/>
+                </a:solidFill>
+                <a:latin typeface="Arial Black" panose="020B0A04020102020204" pitchFamily="34" charset="0"/>
               </a:rPr>
               <a:t>Data Manipulation in Power BI</a:t>
             </a:r>
-            <a:endParaRPr sz="3600" dirty="0">
+            <a:endParaRPr sz="4000" dirty="0">
               <a:solidFill>
-                <a:schemeClr val="tx2">
-                  <a:lumMod val="90000"/>
-                  <a:lumOff val="10000"/>
-                </a:schemeClr>
+                <a:schemeClr val="bg1"/>
               </a:solidFill>
+              <a:latin typeface="Arial Black" panose="020B0A04020102020204" pitchFamily="34" charset="0"/>
             </a:endParaRPr>
           </a:p>
         </p:txBody>
@@ -26263,8 +25357,8 @@
         </p:nvSpPr>
         <p:spPr>
           <a:xfrm>
-            <a:off x="469231" y="1137993"/>
-            <a:ext cx="11710737" cy="5737468"/>
+            <a:off x="134911" y="839068"/>
+            <a:ext cx="12514289" cy="6476132"/>
           </a:xfrm>
           <a:prstGeom prst="rect">
             <a:avLst/>
@@ -26283,10 +25377,7 @@
             <a:r>
               <a:rPr lang="en-US" dirty="0">
                 <a:solidFill>
-                  <a:schemeClr val="tx2">
-                    <a:lumMod val="75000"/>
-                    <a:lumOff val="25000"/>
-                  </a:schemeClr>
+                  <a:srgbClr val="FFFF00"/>
                 </a:solidFill>
                 <a:latin typeface="Amasis MT Pro Black" panose="02040A04050005020304" pitchFamily="18" charset="0"/>
               </a:rPr>
@@ -26302,7 +25393,7 @@
               <a:buAutoNum type="arabicPeriod"/>
             </a:pPr>
             <a:r>
-              <a:rPr lang="en-US" sz="1400" b="1" dirty="0">
+              <a:rPr lang="en-US" sz="1600" b="1" dirty="0">
                 <a:solidFill>
                   <a:schemeClr val="bg1">
                     <a:lumMod val="95000"/>
@@ -26312,7 +25403,7 @@
               <a:t>Cumulative Sales by Month</a:t>
             </a:r>
             <a:r>
-              <a:rPr lang="en-US" sz="1400" dirty="0">
+              <a:rPr lang="en-US" sz="1600" dirty="0">
                 <a:solidFill>
                   <a:schemeClr val="bg1">
                     <a:lumMod val="95000"/>
@@ -26331,7 +25422,7 @@
               <a:buAutoNum type="arabicPeriod"/>
             </a:pPr>
             <a:r>
-              <a:rPr lang="en-US" sz="1400" b="1" dirty="0">
+              <a:rPr lang="en-US" sz="1600" b="1" dirty="0">
                 <a:solidFill>
                   <a:schemeClr val="bg1">
                     <a:lumMod val="95000"/>
@@ -26341,7 +25432,7 @@
               <a:t>New Orders and Repeat Orders</a:t>
             </a:r>
             <a:r>
-              <a:rPr lang="en-US" sz="1400" dirty="0">
+              <a:rPr lang="en-US" sz="1600" dirty="0">
                 <a:solidFill>
                   <a:schemeClr val="bg1">
                     <a:lumMod val="95000"/>
@@ -26360,7 +25451,7 @@
               <a:buAutoNum type="arabicPeriod"/>
             </a:pPr>
             <a:r>
-              <a:rPr lang="en-US" sz="1400" b="1" dirty="0">
+              <a:rPr lang="en-US" sz="1600" b="1" dirty="0">
                 <a:solidFill>
                   <a:schemeClr val="bg1">
                     <a:lumMod val="95000"/>
@@ -26370,7 +25461,7 @@
               <a:t>Profit Margin Percentage</a:t>
             </a:r>
             <a:r>
-              <a:rPr lang="en-US" sz="1400" dirty="0">
+              <a:rPr lang="en-US" sz="1600" dirty="0">
                 <a:solidFill>
                   <a:schemeClr val="bg1">
                     <a:lumMod val="95000"/>
@@ -26389,7 +25480,7 @@
               <a:buAutoNum type="arabicPeriod"/>
             </a:pPr>
             <a:r>
-              <a:rPr lang="en-US" sz="1400" b="1" dirty="0">
+              <a:rPr lang="en-US" sz="1600" b="1" dirty="0">
                 <a:solidFill>
                   <a:schemeClr val="bg1">
                     <a:lumMod val="95000"/>
@@ -26399,7 +25490,7 @@
               <a:t>Profit Margin Condition</a:t>
             </a:r>
             <a:r>
-              <a:rPr lang="en-US" sz="1400" dirty="0">
+              <a:rPr lang="en-US" sz="1600" dirty="0">
                 <a:solidFill>
                   <a:schemeClr val="bg1">
                     <a:lumMod val="95000"/>
@@ -26408,7 +25499,7 @@
               </a:rPr>
               <a:t>: Implemented a conditional formatting measure to highlight instances where the profit margin falls below 10%, facilitating quick identification of potentially problematic areas.</a:t>
             </a:r>
-            <a:endParaRPr lang="en-US" sz="1400" b="1" dirty="0">
+            <a:endParaRPr lang="en-US" sz="1600" b="1" dirty="0">
               <a:solidFill>
                 <a:schemeClr val="bg1">
                   <a:lumMod val="95000"/>
@@ -26425,7 +25516,7 @@
               <a:buAutoNum type="arabicPeriod"/>
             </a:pPr>
             <a:r>
-              <a:rPr lang="en-US" sz="1400" b="1" dirty="0">
+              <a:rPr lang="en-US" sz="1600" b="1" dirty="0">
                 <a:solidFill>
                   <a:schemeClr val="bg1">
                     <a:lumMod val="95000"/>
@@ -26435,7 +25526,7 @@
               <a:t>Retention Rate of Repeat Customers</a:t>
             </a:r>
             <a:r>
-              <a:rPr lang="en-US" sz="1400" dirty="0">
+              <a:rPr lang="en-US" sz="1600" dirty="0">
                 <a:solidFill>
                   <a:schemeClr val="bg1">
                     <a:lumMod val="95000"/>
@@ -26452,7 +25543,7 @@
               </a:lnSpc>
             </a:pPr>
             <a:r>
-              <a:rPr lang="en-US" sz="1400" dirty="0">
+              <a:rPr lang="en-US" sz="1600" dirty="0">
                 <a:solidFill>
                   <a:schemeClr val="bg1">
                     <a:lumMod val="95000"/>
@@ -27467,7 +26558,7 @@
             </a:pathLst>
           </a:custGeom>
           <a:solidFill>
-            <a:srgbClr val="EC7C30"/>
+            <a:schemeClr val="bg1"/>
           </a:solidFill>
           <a:ln>
             <a:noFill/>
@@ -27525,7 +26616,7 @@
         <p:spPr>
           <a:xfrm>
             <a:off x="274373" y="1008062"/>
-            <a:ext cx="4393880" cy="1121100"/>
+            <a:ext cx="4393880" cy="843821"/>
           </a:xfrm>
           <a:prstGeom prst="rect">
             <a:avLst/>
@@ -27569,10 +26660,14 @@
               <a:buSzPts val="1400"/>
             </a:pPr>
             <a:r>
-              <a:rPr lang="en-GB" sz="7200" dirty="0">
-                <a:solidFill>
-                  <a:srgbClr val="FFFF00"/>
-                </a:solidFill>
+              <a:rPr lang="en-GB" sz="5400" dirty="0">
+                <a:solidFill>
+                  <a:schemeClr val="tx1">
+                    <a:lumMod val="65000"/>
+                    <a:lumOff val="35000"/>
+                  </a:schemeClr>
+                </a:solidFill>
+                <a:latin typeface="Arial Black" panose="020B0A04020102020204" pitchFamily="34" charset="0"/>
               </a:rPr>
               <a:t>INSIGHTS</a:t>
             </a:r>
@@ -27592,7 +26687,7 @@
           <p:nvPr>
             <p:extLst>
               <p:ext uri="{D42A27DB-BD31-4B8C-83A1-F6EECF244321}">
-                <p14:modId xmlns:p14="http://schemas.microsoft.com/office/powerpoint/2010/main" val="481112279"/>
+                <p14:modId xmlns:p14="http://schemas.microsoft.com/office/powerpoint/2010/main" val="1233488506"/>
               </p:ext>
             </p:extLst>
           </p:nvPr>
@@ -28209,4 +27304,47 @@
   <a:objectDefaults/>
   <a:extraClrSchemeLst/>
 </a:theme>
+</file>
+
+<file path=ppt/theme/themeOverride1.xml><?xml version="1.0" encoding="utf-8"?>
+<a:themeOverride xmlns:a="http://schemas.openxmlformats.org/drawingml/2006/main">
+  <a:clrScheme name="Office">
+    <a:dk1>
+      <a:sysClr val="windowText" lastClr="000000"/>
+    </a:dk1>
+    <a:lt1>
+      <a:sysClr val="window" lastClr="FFFFFF"/>
+    </a:lt1>
+    <a:dk2>
+      <a:srgbClr val="0E2841"/>
+    </a:dk2>
+    <a:lt2>
+      <a:srgbClr val="E8E8E8"/>
+    </a:lt2>
+    <a:accent1>
+      <a:srgbClr val="156082"/>
+    </a:accent1>
+    <a:accent2>
+      <a:srgbClr val="E97132"/>
+    </a:accent2>
+    <a:accent3>
+      <a:srgbClr val="196B24"/>
+    </a:accent3>
+    <a:accent4>
+      <a:srgbClr val="0F9ED5"/>
+    </a:accent4>
+    <a:accent5>
+      <a:srgbClr val="A02B93"/>
+    </a:accent5>
+    <a:accent6>
+      <a:srgbClr val="4EA72E"/>
+    </a:accent6>
+    <a:hlink>
+      <a:srgbClr val="467886"/>
+    </a:hlink>
+    <a:folHlink>
+      <a:srgbClr val="96607D"/>
+    </a:folHlink>
+  </a:clrScheme>
+</a:themeOverride>
 </file>